--- a/report/Fig/Fig_Wiring_diagram.pptx
+++ b/report/Fig/Fig_Wiring_diagram.pptx
@@ -6,8 +6,8 @@
   </p:sldMasterIdLst>
   <p:sldIdLst>
     <p:sldId id="256" r:id="rId2"/>
-    <p:sldId id="257" r:id="rId3"/>
-    <p:sldId id="258" r:id="rId4"/>
+    <p:sldId id="258" r:id="rId3"/>
+    <p:sldId id="257" r:id="rId4"/>
     <p:sldId id="259" r:id="rId5"/>
   </p:sldIdLst>
   <p:sldSz cx="12192000" cy="6858000"/>
@@ -246,7 +246,7 @@
           <a:p>
             <a:fld id="{F0303B1A-C159-428C-B920-B9E5DBB7F3ED}" type="datetimeFigureOut">
               <a:rPr lang="en-US" smtClean="0"/>
-              <a:t>1/28/2019</a:t>
+              <a:t>2/8/2019</a:t>
             </a:fld>
             <a:endParaRPr lang="en-US"/>
           </a:p>
@@ -448,7 +448,7 @@
           <a:p>
             <a:fld id="{F0303B1A-C159-428C-B920-B9E5DBB7F3ED}" type="datetimeFigureOut">
               <a:rPr lang="en-US" smtClean="0"/>
-              <a:t>1/28/2019</a:t>
+              <a:t>2/8/2019</a:t>
             </a:fld>
             <a:endParaRPr lang="en-US"/>
           </a:p>
@@ -660,7 +660,7 @@
           <a:p>
             <a:fld id="{F0303B1A-C159-428C-B920-B9E5DBB7F3ED}" type="datetimeFigureOut">
               <a:rPr lang="en-US" smtClean="0"/>
-              <a:t>1/28/2019</a:t>
+              <a:t>2/8/2019</a:t>
             </a:fld>
             <a:endParaRPr lang="en-US"/>
           </a:p>
@@ -862,7 +862,7 @@
           <a:p>
             <a:fld id="{F0303B1A-C159-428C-B920-B9E5DBB7F3ED}" type="datetimeFigureOut">
               <a:rPr lang="en-US" smtClean="0"/>
-              <a:t>1/28/2019</a:t>
+              <a:t>2/8/2019</a:t>
             </a:fld>
             <a:endParaRPr lang="en-US"/>
           </a:p>
@@ -1108,7 +1108,7 @@
           <a:p>
             <a:fld id="{F0303B1A-C159-428C-B920-B9E5DBB7F3ED}" type="datetimeFigureOut">
               <a:rPr lang="en-US" smtClean="0"/>
-              <a:t>1/28/2019</a:t>
+              <a:t>2/8/2019</a:t>
             </a:fld>
             <a:endParaRPr lang="en-US"/>
           </a:p>
@@ -1404,7 +1404,7 @@
           <a:p>
             <a:fld id="{F0303B1A-C159-428C-B920-B9E5DBB7F3ED}" type="datetimeFigureOut">
               <a:rPr lang="en-US" smtClean="0"/>
-              <a:t>1/28/2019</a:t>
+              <a:t>2/8/2019</a:t>
             </a:fld>
             <a:endParaRPr lang="en-US"/>
           </a:p>
@@ -1835,7 +1835,7 @@
           <a:p>
             <a:fld id="{F0303B1A-C159-428C-B920-B9E5DBB7F3ED}" type="datetimeFigureOut">
               <a:rPr lang="en-US" smtClean="0"/>
-              <a:t>1/28/2019</a:t>
+              <a:t>2/8/2019</a:t>
             </a:fld>
             <a:endParaRPr lang="en-US"/>
           </a:p>
@@ -1953,7 +1953,7 @@
           <a:p>
             <a:fld id="{F0303B1A-C159-428C-B920-B9E5DBB7F3ED}" type="datetimeFigureOut">
               <a:rPr lang="en-US" smtClean="0"/>
-              <a:t>1/28/2019</a:t>
+              <a:t>2/8/2019</a:t>
             </a:fld>
             <a:endParaRPr lang="en-US"/>
           </a:p>
@@ -2048,7 +2048,7 @@
           <a:p>
             <a:fld id="{F0303B1A-C159-428C-B920-B9E5DBB7F3ED}" type="datetimeFigureOut">
               <a:rPr lang="en-US" smtClean="0"/>
-              <a:t>1/28/2019</a:t>
+              <a:t>2/8/2019</a:t>
             </a:fld>
             <a:endParaRPr lang="en-US"/>
           </a:p>
@@ -2357,7 +2357,7 @@
           <a:p>
             <a:fld id="{F0303B1A-C159-428C-B920-B9E5DBB7F3ED}" type="datetimeFigureOut">
               <a:rPr lang="en-US" smtClean="0"/>
-              <a:t>1/28/2019</a:t>
+              <a:t>2/8/2019</a:t>
             </a:fld>
             <a:endParaRPr lang="en-US"/>
           </a:p>
@@ -2610,7 +2610,7 @@
           <a:p>
             <a:fld id="{F0303B1A-C159-428C-B920-B9E5DBB7F3ED}" type="datetimeFigureOut">
               <a:rPr lang="en-US" smtClean="0"/>
-              <a:t>1/28/2019</a:t>
+              <a:t>2/8/2019</a:t>
             </a:fld>
             <a:endParaRPr lang="en-US"/>
           </a:p>
@@ -2855,7 +2855,7 @@
           <a:p>
             <a:fld id="{F0303B1A-C159-428C-B920-B9E5DBB7F3ED}" type="datetimeFigureOut">
               <a:rPr lang="en-US" smtClean="0"/>
-              <a:t>1/28/2019</a:t>
+              <a:t>2/8/2019</a:t>
             </a:fld>
             <a:endParaRPr lang="en-US"/>
           </a:p>
@@ -6176,3299 +6176,6 @@
 </file>
 
 <file path=ppt/slides/slide2.xml><?xml version="1.0" encoding="utf-8"?>
-<p:sld xmlns:a="http://schemas.openxmlformats.org/drawingml/2006/main" xmlns:r="http://schemas.openxmlformats.org/officeDocument/2006/relationships" xmlns:p="http://schemas.openxmlformats.org/presentationml/2006/main">
-  <p:cSld>
-    <p:spTree>
-      <p:nvGrpSpPr>
-        <p:cNvPr id="1" name=""/>
-        <p:cNvGrpSpPr/>
-        <p:nvPr/>
-      </p:nvGrpSpPr>
-      <p:grpSpPr>
-        <a:xfrm>
-          <a:off x="0" y="0"/>
-          <a:ext cx="0" cy="0"/>
-          <a:chOff x="0" y="0"/>
-          <a:chExt cx="0" cy="0"/>
-        </a:xfrm>
-      </p:grpSpPr>
-      <p:cxnSp>
-        <p:nvCxnSpPr>
-          <p:cNvPr id="197" name="直線コネクタ 196"/>
-          <p:cNvCxnSpPr/>
-          <p:nvPr/>
-        </p:nvCxnSpPr>
-        <p:spPr>
-          <a:xfrm flipV="1">
-            <a:off x="7870195" y="4061930"/>
-            <a:ext cx="0" cy="1604628"/>
-          </a:xfrm>
-          <a:prstGeom prst="line">
-            <a:avLst/>
-          </a:prstGeom>
-          <a:ln w="57150">
-            <a:solidFill>
-              <a:schemeClr val="tx1"/>
-            </a:solidFill>
-          </a:ln>
-        </p:spPr>
-        <p:style>
-          <a:lnRef idx="1">
-            <a:schemeClr val="accent1"/>
-          </a:lnRef>
-          <a:fillRef idx="0">
-            <a:schemeClr val="accent1"/>
-          </a:fillRef>
-          <a:effectRef idx="0">
-            <a:schemeClr val="accent1"/>
-          </a:effectRef>
-          <a:fontRef idx="minor">
-            <a:schemeClr val="tx1"/>
-          </a:fontRef>
-        </p:style>
-      </p:cxnSp>
-      <p:cxnSp>
-        <p:nvCxnSpPr>
-          <p:cNvPr id="181" name="直線コネクタ 180"/>
-          <p:cNvCxnSpPr/>
-          <p:nvPr/>
-        </p:nvCxnSpPr>
-        <p:spPr>
-          <a:xfrm flipV="1">
-            <a:off x="7539004" y="2896355"/>
-            <a:ext cx="0" cy="2648878"/>
-          </a:xfrm>
-          <a:prstGeom prst="line">
-            <a:avLst/>
-          </a:prstGeom>
-          <a:ln w="57150">
-            <a:solidFill>
-              <a:schemeClr val="tx1"/>
-            </a:solidFill>
-          </a:ln>
-        </p:spPr>
-        <p:style>
-          <a:lnRef idx="1">
-            <a:schemeClr val="accent1"/>
-          </a:lnRef>
-          <a:fillRef idx="0">
-            <a:schemeClr val="accent1"/>
-          </a:fillRef>
-          <a:effectRef idx="0">
-            <a:schemeClr val="accent1"/>
-          </a:effectRef>
-          <a:fontRef idx="minor">
-            <a:schemeClr val="tx1"/>
-          </a:fontRef>
-        </p:style>
-      </p:cxnSp>
-      <p:cxnSp>
-        <p:nvCxnSpPr>
-          <p:cNvPr id="182" name="直線コネクタ 181"/>
-          <p:cNvCxnSpPr/>
-          <p:nvPr/>
-        </p:nvCxnSpPr>
-        <p:spPr>
-          <a:xfrm flipV="1">
-            <a:off x="7391675" y="2911355"/>
-            <a:ext cx="0" cy="352413"/>
-          </a:xfrm>
-          <a:prstGeom prst="line">
-            <a:avLst/>
-          </a:prstGeom>
-          <a:ln w="57150" cmpd="thinThick">
-            <a:solidFill>
-              <a:schemeClr val="tx1">
-                <a:lumMod val="65000"/>
-                <a:lumOff val="35000"/>
-              </a:schemeClr>
-            </a:solidFill>
-          </a:ln>
-        </p:spPr>
-        <p:style>
-          <a:lnRef idx="1">
-            <a:schemeClr val="accent1"/>
-          </a:lnRef>
-          <a:fillRef idx="0">
-            <a:schemeClr val="accent1"/>
-          </a:fillRef>
-          <a:effectRef idx="0">
-            <a:schemeClr val="accent1"/>
-          </a:effectRef>
-          <a:fontRef idx="minor">
-            <a:schemeClr val="tx1"/>
-          </a:fontRef>
-        </p:style>
-      </p:cxnSp>
-      <p:cxnSp>
-        <p:nvCxnSpPr>
-          <p:cNvPr id="183" name="直線コネクタ 182"/>
-          <p:cNvCxnSpPr/>
-          <p:nvPr/>
-        </p:nvCxnSpPr>
-        <p:spPr>
-          <a:xfrm flipV="1">
-            <a:off x="7282842" y="2911356"/>
-            <a:ext cx="0" cy="199651"/>
-          </a:xfrm>
-          <a:prstGeom prst="line">
-            <a:avLst/>
-          </a:prstGeom>
-          <a:ln w="57150" cmpd="thinThick">
-            <a:solidFill>
-              <a:schemeClr val="tx1">
-                <a:lumMod val="65000"/>
-                <a:lumOff val="35000"/>
-              </a:schemeClr>
-            </a:solidFill>
-          </a:ln>
-        </p:spPr>
-        <p:style>
-          <a:lnRef idx="1">
-            <a:schemeClr val="accent1"/>
-          </a:lnRef>
-          <a:fillRef idx="0">
-            <a:schemeClr val="accent1"/>
-          </a:fillRef>
-          <a:effectRef idx="0">
-            <a:schemeClr val="accent1"/>
-          </a:effectRef>
-          <a:fontRef idx="minor">
-            <a:schemeClr val="tx1"/>
-          </a:fontRef>
-        </p:style>
-      </p:cxnSp>
-      <p:cxnSp>
-        <p:nvCxnSpPr>
-          <p:cNvPr id="177" name="直線コネクタ 176"/>
-          <p:cNvCxnSpPr/>
-          <p:nvPr/>
-        </p:nvCxnSpPr>
-        <p:spPr>
-          <a:xfrm flipV="1">
-            <a:off x="3388455" y="3197674"/>
-            <a:ext cx="0" cy="2468884"/>
-          </a:xfrm>
-          <a:prstGeom prst="line">
-            <a:avLst/>
-          </a:prstGeom>
-          <a:ln w="57150">
-            <a:solidFill>
-              <a:schemeClr val="tx1"/>
-            </a:solidFill>
-          </a:ln>
-        </p:spPr>
-        <p:style>
-          <a:lnRef idx="1">
-            <a:schemeClr val="accent1"/>
-          </a:lnRef>
-          <a:fillRef idx="0">
-            <a:schemeClr val="accent1"/>
-          </a:fillRef>
-          <a:effectRef idx="0">
-            <a:schemeClr val="accent1"/>
-          </a:effectRef>
-          <a:fontRef idx="minor">
-            <a:schemeClr val="tx1"/>
-          </a:fontRef>
-        </p:style>
-      </p:cxnSp>
-      <p:grpSp>
-        <p:nvGrpSpPr>
-          <p:cNvPr id="92" name="グループ化 91"/>
-          <p:cNvGrpSpPr/>
-          <p:nvPr/>
-        </p:nvGrpSpPr>
-        <p:grpSpPr>
-          <a:xfrm>
-            <a:off x="2229558" y="3422351"/>
-            <a:ext cx="450764" cy="496734"/>
-            <a:chOff x="1326777" y="651127"/>
-            <a:chExt cx="450764" cy="496734"/>
-          </a:xfrm>
-        </p:grpSpPr>
-        <p:sp>
-          <p:nvSpPr>
-            <p:cNvPr id="2" name="テキスト ボックス 1"/>
-            <p:cNvSpPr txBox="1"/>
-            <p:nvPr/>
-          </p:nvSpPr>
-          <p:spPr>
-            <a:xfrm>
-              <a:off x="1326777" y="651127"/>
-              <a:ext cx="450764" cy="261610"/>
-            </a:xfrm>
-            <a:prstGeom prst="rect">
-              <a:avLst/>
-            </a:prstGeom>
-            <a:noFill/>
-          </p:spPr>
-          <p:txBody>
-            <a:bodyPr wrap="none" rtlCol="0">
-              <a:spAutoFit/>
-            </a:bodyPr>
-            <a:lstStyle/>
-            <a:p>
-              <a:r>
-                <a:rPr lang="en-US" sz="1100" dirty="0" smtClean="0">
-                  <a:latin typeface="Times New Roman" panose="02020603050405020304" pitchFamily="18" charset="0"/>
-                  <a:cs typeface="Times New Roman" panose="02020603050405020304" pitchFamily="18" charset="0"/>
-                </a:rPr>
-                <a:t>Fuse</a:t>
-              </a:r>
-              <a:endParaRPr lang="en-US" sz="1100" dirty="0">
-                <a:latin typeface="Times New Roman" panose="02020603050405020304" pitchFamily="18" charset="0"/>
-                <a:cs typeface="Times New Roman" panose="02020603050405020304" pitchFamily="18" charset="0"/>
-              </a:endParaRPr>
-            </a:p>
-          </p:txBody>
-        </p:sp>
-        <p:sp>
-          <p:nvSpPr>
-            <p:cNvPr id="15" name="正方形/長方形 14"/>
-            <p:cNvSpPr/>
-            <p:nvPr/>
-          </p:nvSpPr>
-          <p:spPr>
-            <a:xfrm>
-              <a:off x="1332524" y="995461"/>
-              <a:ext cx="439270" cy="152400"/>
-            </a:xfrm>
-            <a:prstGeom prst="rect">
-              <a:avLst/>
-            </a:prstGeom>
-            <a:pattFill prst="pct10">
-              <a:fgClr>
-                <a:schemeClr val="bg1">
-                  <a:lumMod val="50000"/>
-                </a:schemeClr>
-              </a:fgClr>
-              <a:bgClr>
-                <a:schemeClr val="bg1"/>
-              </a:bgClr>
-            </a:pattFill>
-            <a:ln>
-              <a:solidFill>
-                <a:schemeClr val="tx1"/>
-              </a:solidFill>
-            </a:ln>
-          </p:spPr>
-          <p:style>
-            <a:lnRef idx="2">
-              <a:schemeClr val="accent1">
-                <a:shade val="50000"/>
-              </a:schemeClr>
-            </a:lnRef>
-            <a:fillRef idx="1">
-              <a:schemeClr val="accent1"/>
-            </a:fillRef>
-            <a:effectRef idx="0">
-              <a:schemeClr val="accent1"/>
-            </a:effectRef>
-            <a:fontRef idx="minor">
-              <a:schemeClr val="lt1"/>
-            </a:fontRef>
-          </p:style>
-          <p:txBody>
-            <a:bodyPr rtlCol="0" anchor="ctr"/>
-            <a:lstStyle/>
-            <a:p>
-              <a:pPr algn="ctr"/>
-              <a:endParaRPr lang="en-US"/>
-            </a:p>
-          </p:txBody>
-        </p:sp>
-      </p:grpSp>
-      <p:grpSp>
-        <p:nvGrpSpPr>
-          <p:cNvPr id="86" name="グループ化 85"/>
-          <p:cNvGrpSpPr/>
-          <p:nvPr/>
-        </p:nvGrpSpPr>
-        <p:grpSpPr>
-          <a:xfrm>
-            <a:off x="7179170" y="2087219"/>
-            <a:ext cx="1102328" cy="954464"/>
-            <a:chOff x="8638635" y="988730"/>
-            <a:chExt cx="1102328" cy="954464"/>
-          </a:xfrm>
-        </p:grpSpPr>
-        <p:grpSp>
-          <p:nvGrpSpPr>
-            <p:cNvPr id="55" name="グループ化 54"/>
-            <p:cNvGrpSpPr/>
-            <p:nvPr/>
-          </p:nvGrpSpPr>
-          <p:grpSpPr>
-            <a:xfrm>
-              <a:off x="8638635" y="1361777"/>
-              <a:ext cx="1102328" cy="581417"/>
-              <a:chOff x="7573876" y="2014530"/>
-              <a:chExt cx="1102328" cy="581417"/>
-            </a:xfrm>
-            <a:pattFill prst="pct75">
-              <a:fgClr>
-                <a:schemeClr val="bg1">
-                  <a:lumMod val="50000"/>
-                </a:schemeClr>
-              </a:fgClr>
-              <a:bgClr>
-                <a:schemeClr val="bg1"/>
-              </a:bgClr>
-            </a:pattFill>
-          </p:grpSpPr>
-          <p:sp>
-            <p:nvSpPr>
-              <p:cNvPr id="56" name="楕円 55"/>
-              <p:cNvSpPr/>
-              <p:nvPr/>
-            </p:nvSpPr>
-            <p:spPr>
-              <a:xfrm>
-                <a:off x="7573876" y="2208504"/>
-                <a:ext cx="1102328" cy="387443"/>
-              </a:xfrm>
-              <a:prstGeom prst="ellipse">
-                <a:avLst/>
-              </a:prstGeom>
-              <a:grpFill/>
-              <a:ln>
-                <a:solidFill>
-                  <a:schemeClr val="tx1"/>
-                </a:solidFill>
-              </a:ln>
-            </p:spPr>
-            <p:style>
-              <a:lnRef idx="2">
-                <a:schemeClr val="accent1">
-                  <a:shade val="50000"/>
-                </a:schemeClr>
-              </a:lnRef>
-              <a:fillRef idx="1">
-                <a:schemeClr val="accent1"/>
-              </a:fillRef>
-              <a:effectRef idx="0">
-                <a:schemeClr val="accent1"/>
-              </a:effectRef>
-              <a:fontRef idx="minor">
-                <a:schemeClr val="lt1"/>
-              </a:fontRef>
-            </p:style>
-            <p:txBody>
-              <a:bodyPr rtlCol="0" anchor="ctr"/>
-              <a:lstStyle/>
-              <a:p>
-                <a:pPr algn="ctr"/>
-                <a:endParaRPr lang="en-US"/>
-              </a:p>
-            </p:txBody>
-          </p:sp>
-          <p:sp>
-            <p:nvSpPr>
-              <p:cNvPr id="57" name="台形 56"/>
-              <p:cNvSpPr/>
-              <p:nvPr/>
-            </p:nvSpPr>
-            <p:spPr>
-              <a:xfrm>
-                <a:off x="7573876" y="2206625"/>
-                <a:ext cx="1100654" cy="195348"/>
-              </a:xfrm>
-              <a:prstGeom prst="trapezoid">
-                <a:avLst>
-                  <a:gd name="adj" fmla="val 12246"/>
-                </a:avLst>
-              </a:prstGeom>
-              <a:grpFill/>
-              <a:ln>
-                <a:noFill/>
-              </a:ln>
-            </p:spPr>
-            <p:style>
-              <a:lnRef idx="2">
-                <a:schemeClr val="accent1">
-                  <a:shade val="50000"/>
-                </a:schemeClr>
-              </a:lnRef>
-              <a:fillRef idx="1">
-                <a:schemeClr val="accent1"/>
-              </a:fillRef>
-              <a:effectRef idx="0">
-                <a:schemeClr val="accent1"/>
-              </a:effectRef>
-              <a:fontRef idx="minor">
-                <a:schemeClr val="lt1"/>
-              </a:fontRef>
-            </p:style>
-            <p:txBody>
-              <a:bodyPr rtlCol="0" anchor="ctr"/>
-              <a:lstStyle/>
-              <a:p>
-                <a:pPr algn="ctr"/>
-                <a:endParaRPr lang="en-US"/>
-              </a:p>
-            </p:txBody>
-          </p:sp>
-          <p:sp>
-            <p:nvSpPr>
-              <p:cNvPr id="58" name="楕円 57"/>
-              <p:cNvSpPr/>
-              <p:nvPr/>
-            </p:nvSpPr>
-            <p:spPr>
-              <a:xfrm>
-                <a:off x="7597990" y="2014530"/>
-                <a:ext cx="1054100" cy="387443"/>
-              </a:xfrm>
-              <a:prstGeom prst="ellipse">
-                <a:avLst/>
-              </a:prstGeom>
-              <a:grpFill/>
-              <a:ln>
-                <a:solidFill>
-                  <a:schemeClr val="tx1"/>
-                </a:solidFill>
-              </a:ln>
-            </p:spPr>
-            <p:style>
-              <a:lnRef idx="2">
-                <a:schemeClr val="accent1">
-                  <a:shade val="50000"/>
-                </a:schemeClr>
-              </a:lnRef>
-              <a:fillRef idx="1">
-                <a:schemeClr val="accent1"/>
-              </a:fillRef>
-              <a:effectRef idx="0">
-                <a:schemeClr val="accent1"/>
-              </a:effectRef>
-              <a:fontRef idx="minor">
-                <a:schemeClr val="lt1"/>
-              </a:fontRef>
-            </p:style>
-            <p:txBody>
-              <a:bodyPr rtlCol="0" anchor="ctr"/>
-              <a:lstStyle/>
-              <a:p>
-                <a:pPr algn="ctr"/>
-                <a:endParaRPr lang="en-US"/>
-              </a:p>
-            </p:txBody>
-          </p:sp>
-        </p:grpSp>
-        <p:sp>
-          <p:nvSpPr>
-            <p:cNvPr id="75" name="テキスト ボックス 74"/>
-            <p:cNvSpPr txBox="1"/>
-            <p:nvPr/>
-          </p:nvSpPr>
-          <p:spPr>
-            <a:xfrm>
-              <a:off x="8794139" y="988730"/>
-              <a:ext cx="707245" cy="276999"/>
-            </a:xfrm>
-            <a:prstGeom prst="rect">
-              <a:avLst/>
-            </a:prstGeom>
-            <a:noFill/>
-          </p:spPr>
-          <p:txBody>
-            <a:bodyPr wrap="none" rtlCol="0">
-              <a:spAutoFit/>
-            </a:bodyPr>
-            <a:lstStyle/>
-            <a:p>
-              <a:pPr algn="ctr"/>
-              <a:r>
-                <a:rPr lang="en-US" sz="1200" dirty="0" smtClean="0">
-                  <a:latin typeface="Times New Roman" panose="02020603050405020304" pitchFamily="18" charset="0"/>
-                  <a:cs typeface="Times New Roman" panose="02020603050405020304" pitchFamily="18" charset="0"/>
-                </a:rPr>
-                <a:t>Roomba</a:t>
-              </a:r>
-              <a:endParaRPr lang="en-US" dirty="0">
-                <a:latin typeface="Times New Roman" panose="02020603050405020304" pitchFamily="18" charset="0"/>
-                <a:cs typeface="Times New Roman" panose="02020603050405020304" pitchFamily="18" charset="0"/>
-              </a:endParaRPr>
-            </a:p>
-          </p:txBody>
-        </p:sp>
-      </p:grpSp>
-      <p:grpSp>
-        <p:nvGrpSpPr>
-          <p:cNvPr id="90" name="グループ化 89"/>
-          <p:cNvGrpSpPr/>
-          <p:nvPr/>
-        </p:nvGrpSpPr>
-        <p:grpSpPr>
-          <a:xfrm>
-            <a:off x="7659182" y="3551574"/>
-            <a:ext cx="1080745" cy="660174"/>
-            <a:chOff x="9363302" y="2832658"/>
-            <a:chExt cx="1080745" cy="660174"/>
-          </a:xfrm>
-        </p:grpSpPr>
-        <p:grpSp>
-          <p:nvGrpSpPr>
-            <p:cNvPr id="68" name="グループ化 67"/>
-            <p:cNvGrpSpPr/>
-            <p:nvPr/>
-          </p:nvGrpSpPr>
-          <p:grpSpPr>
-            <a:xfrm rot="10800000">
-              <a:off x="9466706" y="3194219"/>
-              <a:ext cx="977341" cy="298613"/>
-              <a:chOff x="7772351" y="3354356"/>
-              <a:chExt cx="977341" cy="298613"/>
-            </a:xfrm>
-          </p:grpSpPr>
-          <p:sp>
-            <p:nvSpPr>
-              <p:cNvPr id="69" name="台形 68"/>
-              <p:cNvSpPr/>
-              <p:nvPr/>
-            </p:nvSpPr>
-            <p:spPr>
-              <a:xfrm rot="5400000">
-                <a:off x="8506586" y="3396565"/>
-                <a:ext cx="270994" cy="215219"/>
-              </a:xfrm>
-              <a:prstGeom prst="trapezoid">
-                <a:avLst/>
-              </a:prstGeom>
-              <a:solidFill>
-                <a:schemeClr val="tx1">
-                  <a:lumMod val="50000"/>
-                  <a:lumOff val="50000"/>
-                </a:schemeClr>
-              </a:solidFill>
-              <a:ln>
-                <a:solidFill>
-                  <a:schemeClr val="tx1"/>
-                </a:solidFill>
-              </a:ln>
-            </p:spPr>
-            <p:style>
-              <a:lnRef idx="2">
-                <a:schemeClr val="accent1">
-                  <a:shade val="50000"/>
-                </a:schemeClr>
-              </a:lnRef>
-              <a:fillRef idx="1">
-                <a:schemeClr val="accent1"/>
-              </a:fillRef>
-              <a:effectRef idx="0">
-                <a:schemeClr val="accent1"/>
-              </a:effectRef>
-              <a:fontRef idx="minor">
-                <a:schemeClr val="lt1"/>
-              </a:fontRef>
-            </p:style>
-            <p:txBody>
-              <a:bodyPr rtlCol="0" anchor="ctr"/>
-              <a:lstStyle/>
-              <a:p>
-                <a:pPr algn="ctr"/>
-                <a:endParaRPr lang="en-US"/>
-              </a:p>
-            </p:txBody>
-          </p:sp>
-          <p:sp>
-            <p:nvSpPr>
-              <p:cNvPr id="70" name="角丸四角形 69"/>
-              <p:cNvSpPr/>
-              <p:nvPr/>
-            </p:nvSpPr>
-            <p:spPr>
-              <a:xfrm>
-                <a:off x="7772351" y="3354356"/>
-                <a:ext cx="847024" cy="298613"/>
-              </a:xfrm>
-              <a:prstGeom prst="roundRect">
-                <a:avLst>
-                  <a:gd name="adj" fmla="val 50000"/>
-                </a:avLst>
-              </a:prstGeom>
-              <a:solidFill>
-                <a:schemeClr val="tx1">
-                  <a:lumMod val="75000"/>
-                  <a:lumOff val="25000"/>
-                </a:schemeClr>
-              </a:solidFill>
-              <a:ln>
-                <a:solidFill>
-                  <a:schemeClr val="tx1"/>
-                </a:solidFill>
-              </a:ln>
-            </p:spPr>
-            <p:style>
-              <a:lnRef idx="2">
-                <a:schemeClr val="accent1">
-                  <a:shade val="50000"/>
-                </a:schemeClr>
-              </a:lnRef>
-              <a:fillRef idx="1">
-                <a:schemeClr val="accent1"/>
-              </a:fillRef>
-              <a:effectRef idx="0">
-                <a:schemeClr val="accent1"/>
-              </a:effectRef>
-              <a:fontRef idx="minor">
-                <a:schemeClr val="lt1"/>
-              </a:fontRef>
-            </p:style>
-            <p:txBody>
-              <a:bodyPr rtlCol="0" anchor="ctr"/>
-              <a:lstStyle/>
-              <a:p>
-                <a:pPr algn="ctr"/>
-                <a:endParaRPr lang="en-US"/>
-              </a:p>
-            </p:txBody>
-          </p:sp>
-        </p:grpSp>
-        <p:sp>
-          <p:nvSpPr>
-            <p:cNvPr id="76" name="テキスト ボックス 75"/>
-            <p:cNvSpPr txBox="1"/>
-            <p:nvPr/>
-          </p:nvSpPr>
-          <p:spPr>
-            <a:xfrm>
-              <a:off x="9363302" y="2832658"/>
-              <a:ext cx="1080745" cy="276999"/>
-            </a:xfrm>
-            <a:prstGeom prst="rect">
-              <a:avLst/>
-            </a:prstGeom>
-            <a:noFill/>
-          </p:spPr>
-          <p:txBody>
-            <a:bodyPr wrap="none" rtlCol="0">
-              <a:spAutoFit/>
-            </a:bodyPr>
-            <a:lstStyle/>
-            <a:p>
-              <a:pPr algn="ctr"/>
-              <a:r>
-                <a:rPr lang="en-US" sz="1200" dirty="0" smtClean="0">
-                  <a:latin typeface="Times New Roman" panose="02020603050405020304" pitchFamily="18" charset="0"/>
-                  <a:cs typeface="Times New Roman" panose="02020603050405020304" pitchFamily="18" charset="0"/>
-                </a:rPr>
-                <a:t>Depth Camera</a:t>
-              </a:r>
-              <a:endParaRPr lang="en-US" sz="1200" dirty="0">
-                <a:latin typeface="Times New Roman" panose="02020603050405020304" pitchFamily="18" charset="0"/>
-                <a:cs typeface="Times New Roman" panose="02020603050405020304" pitchFamily="18" charset="0"/>
-              </a:endParaRPr>
-            </a:p>
-          </p:txBody>
-        </p:sp>
-      </p:grpSp>
-      <p:grpSp>
-        <p:nvGrpSpPr>
-          <p:cNvPr id="88" name="グループ化 87"/>
-          <p:cNvGrpSpPr/>
-          <p:nvPr/>
-        </p:nvGrpSpPr>
-        <p:grpSpPr>
-          <a:xfrm>
-            <a:off x="3969638" y="623604"/>
-            <a:ext cx="1467792" cy="1522457"/>
-            <a:chOff x="4001087" y="465078"/>
-            <a:chExt cx="1467792" cy="1522457"/>
-          </a:xfrm>
-        </p:grpSpPr>
-        <p:grpSp>
-          <p:nvGrpSpPr>
-            <p:cNvPr id="29" name="グループ化 28"/>
-            <p:cNvGrpSpPr/>
-            <p:nvPr/>
-          </p:nvGrpSpPr>
-          <p:grpSpPr>
-            <a:xfrm>
-              <a:off x="4001087" y="909008"/>
-              <a:ext cx="1467792" cy="1078527"/>
-              <a:chOff x="3645828" y="1261261"/>
-              <a:chExt cx="1467792" cy="1078527"/>
-            </a:xfrm>
-            <a:pattFill prst="pct50">
-              <a:fgClr>
-                <a:schemeClr val="bg1">
-                  <a:lumMod val="50000"/>
-                </a:schemeClr>
-              </a:fgClr>
-              <a:bgClr>
-                <a:schemeClr val="bg1"/>
-              </a:bgClr>
-            </a:pattFill>
-          </p:grpSpPr>
-          <p:sp>
-            <p:nvSpPr>
-              <p:cNvPr id="31" name="角丸四角形 30"/>
-              <p:cNvSpPr/>
-              <p:nvPr/>
-            </p:nvSpPr>
-            <p:spPr>
-              <a:xfrm rot="2543969">
-                <a:off x="4667472" y="1455977"/>
-                <a:ext cx="125129" cy="587141"/>
-              </a:xfrm>
-              <a:prstGeom prst="roundRect">
-                <a:avLst/>
-              </a:prstGeom>
-              <a:grpFill/>
-              <a:ln>
-                <a:solidFill>
-                  <a:schemeClr val="tx1"/>
-                </a:solidFill>
-              </a:ln>
-            </p:spPr>
-            <p:style>
-              <a:lnRef idx="2">
-                <a:schemeClr val="accent1">
-                  <a:shade val="50000"/>
-                </a:schemeClr>
-              </a:lnRef>
-              <a:fillRef idx="1">
-                <a:schemeClr val="accent1"/>
-              </a:fillRef>
-              <a:effectRef idx="0">
-                <a:schemeClr val="accent1"/>
-              </a:effectRef>
-              <a:fontRef idx="minor">
-                <a:schemeClr val="lt1"/>
-              </a:fontRef>
-            </p:style>
-            <p:txBody>
-              <a:bodyPr rtlCol="0" anchor="ctr"/>
-              <a:lstStyle/>
-              <a:p>
-                <a:pPr algn="ctr"/>
-                <a:endParaRPr lang="en-US"/>
-              </a:p>
-            </p:txBody>
-          </p:sp>
-          <p:sp>
-            <p:nvSpPr>
-              <p:cNvPr id="32" name="楕円 31"/>
-              <p:cNvSpPr/>
-              <p:nvPr/>
-            </p:nvSpPr>
-            <p:spPr>
-              <a:xfrm>
-                <a:off x="4881458" y="1341290"/>
-                <a:ext cx="232162" cy="232162"/>
-              </a:xfrm>
-              <a:prstGeom prst="ellipse">
-                <a:avLst/>
-              </a:prstGeom>
-              <a:grpFill/>
-              <a:ln>
-                <a:solidFill>
-                  <a:schemeClr val="tx1"/>
-                </a:solidFill>
-              </a:ln>
-            </p:spPr>
-            <p:style>
-              <a:lnRef idx="2">
-                <a:schemeClr val="accent1">
-                  <a:shade val="50000"/>
-                </a:schemeClr>
-              </a:lnRef>
-              <a:fillRef idx="1">
-                <a:schemeClr val="accent1"/>
-              </a:fillRef>
-              <a:effectRef idx="0">
-                <a:schemeClr val="accent1"/>
-              </a:effectRef>
-              <a:fontRef idx="minor">
-                <a:schemeClr val="lt1"/>
-              </a:fontRef>
-            </p:style>
-            <p:txBody>
-              <a:bodyPr rtlCol="0" anchor="ctr"/>
-              <a:lstStyle/>
-              <a:p>
-                <a:pPr algn="ctr"/>
-                <a:endParaRPr lang="en-US"/>
-              </a:p>
-            </p:txBody>
-          </p:sp>
-          <p:sp>
-            <p:nvSpPr>
-              <p:cNvPr id="33" name="角丸四角形 32"/>
-              <p:cNvSpPr/>
-              <p:nvPr/>
-            </p:nvSpPr>
-            <p:spPr>
-              <a:xfrm rot="16369681">
-                <a:off x="4548410" y="1131117"/>
-                <a:ext cx="125129" cy="587141"/>
-              </a:xfrm>
-              <a:prstGeom prst="roundRect">
-                <a:avLst/>
-              </a:prstGeom>
-              <a:grpFill/>
-              <a:ln>
-                <a:solidFill>
-                  <a:schemeClr val="tx1"/>
-                </a:solidFill>
-              </a:ln>
-            </p:spPr>
-            <p:style>
-              <a:lnRef idx="2">
-                <a:schemeClr val="accent1">
-                  <a:shade val="50000"/>
-                </a:schemeClr>
-              </a:lnRef>
-              <a:fillRef idx="1">
-                <a:schemeClr val="accent1"/>
-              </a:fillRef>
-              <a:effectRef idx="0">
-                <a:schemeClr val="accent1"/>
-              </a:effectRef>
-              <a:fontRef idx="minor">
-                <a:schemeClr val="lt1"/>
-              </a:fontRef>
-            </p:style>
-            <p:txBody>
-              <a:bodyPr rtlCol="0" anchor="ctr"/>
-              <a:lstStyle/>
-              <a:p>
-                <a:pPr algn="ctr"/>
-                <a:endParaRPr lang="en-US"/>
-              </a:p>
-            </p:txBody>
-          </p:sp>
-          <p:sp>
-            <p:nvSpPr>
-              <p:cNvPr id="34" name="楕円 33"/>
-              <p:cNvSpPr/>
-              <p:nvPr/>
-            </p:nvSpPr>
-            <p:spPr>
-              <a:xfrm>
-                <a:off x="4103648" y="1284140"/>
-                <a:ext cx="232162" cy="232162"/>
-              </a:xfrm>
-              <a:prstGeom prst="ellipse">
-                <a:avLst/>
-              </a:prstGeom>
-              <a:grpFill/>
-              <a:ln>
-                <a:solidFill>
-                  <a:schemeClr val="tx1"/>
-                </a:solidFill>
-              </a:ln>
-            </p:spPr>
-            <p:style>
-              <a:lnRef idx="2">
-                <a:schemeClr val="accent1">
-                  <a:shade val="50000"/>
-                </a:schemeClr>
-              </a:lnRef>
-              <a:fillRef idx="1">
-                <a:schemeClr val="accent1"/>
-              </a:fillRef>
-              <a:effectRef idx="0">
-                <a:schemeClr val="accent1"/>
-              </a:effectRef>
-              <a:fontRef idx="minor">
-                <a:schemeClr val="lt1"/>
-              </a:fontRef>
-            </p:style>
-            <p:txBody>
-              <a:bodyPr rtlCol="0" anchor="ctr"/>
-              <a:lstStyle/>
-              <a:p>
-                <a:pPr algn="ctr"/>
-                <a:endParaRPr lang="en-US"/>
-              </a:p>
-            </p:txBody>
-          </p:sp>
-          <p:sp>
-            <p:nvSpPr>
-              <p:cNvPr id="35" name="楕円 34"/>
-              <p:cNvSpPr/>
-              <p:nvPr/>
-            </p:nvSpPr>
-            <p:spPr>
-              <a:xfrm>
-                <a:off x="4346453" y="1925643"/>
-                <a:ext cx="232162" cy="232162"/>
-              </a:xfrm>
-              <a:prstGeom prst="ellipse">
-                <a:avLst/>
-              </a:prstGeom>
-              <a:grpFill/>
-              <a:ln>
-                <a:solidFill>
-                  <a:schemeClr val="tx1"/>
-                </a:solidFill>
-              </a:ln>
-            </p:spPr>
-            <p:style>
-              <a:lnRef idx="2">
-                <a:schemeClr val="accent1">
-                  <a:shade val="50000"/>
-                </a:schemeClr>
-              </a:lnRef>
-              <a:fillRef idx="1">
-                <a:schemeClr val="accent1"/>
-              </a:fillRef>
-              <a:effectRef idx="0">
-                <a:schemeClr val="accent1"/>
-              </a:effectRef>
-              <a:fontRef idx="minor">
-                <a:schemeClr val="lt1"/>
-              </a:fontRef>
-            </p:style>
-            <p:txBody>
-              <a:bodyPr rtlCol="0" anchor="ctr"/>
-              <a:lstStyle/>
-              <a:p>
-                <a:pPr algn="ctr"/>
-                <a:endParaRPr lang="en-US"/>
-              </a:p>
-            </p:txBody>
-          </p:sp>
-          <p:sp>
-            <p:nvSpPr>
-              <p:cNvPr id="36" name="台形 35"/>
-              <p:cNvSpPr/>
-              <p:nvPr/>
-            </p:nvSpPr>
-            <p:spPr>
-              <a:xfrm>
-                <a:off x="4307395" y="2142565"/>
-                <a:ext cx="310278" cy="197223"/>
-              </a:xfrm>
-              <a:prstGeom prst="trapezoid">
-                <a:avLst/>
-              </a:prstGeom>
-              <a:grpFill/>
-              <a:ln>
-                <a:solidFill>
-                  <a:schemeClr val="tx1"/>
-                </a:solidFill>
-              </a:ln>
-            </p:spPr>
-            <p:style>
-              <a:lnRef idx="2">
-                <a:schemeClr val="accent1">
-                  <a:shade val="50000"/>
-                </a:schemeClr>
-              </a:lnRef>
-              <a:fillRef idx="1">
-                <a:schemeClr val="accent1"/>
-              </a:fillRef>
-              <a:effectRef idx="0">
-                <a:schemeClr val="accent1"/>
-              </a:effectRef>
-              <a:fontRef idx="minor">
-                <a:schemeClr val="lt1"/>
-              </a:fontRef>
-            </p:style>
-            <p:txBody>
-              <a:bodyPr rtlCol="0" anchor="ctr"/>
-              <a:lstStyle/>
-              <a:p>
-                <a:pPr algn="ctr"/>
-                <a:endParaRPr lang="en-US"/>
-              </a:p>
-            </p:txBody>
-          </p:sp>
-          <p:sp>
-            <p:nvSpPr>
-              <p:cNvPr id="37" name="角丸四角形 36"/>
-              <p:cNvSpPr/>
-              <p:nvPr/>
-            </p:nvSpPr>
-            <p:spPr>
-              <a:xfrm rot="20628478">
-                <a:off x="4026895" y="1261261"/>
-                <a:ext cx="82550" cy="373168"/>
-              </a:xfrm>
-              <a:prstGeom prst="roundRect">
-                <a:avLst/>
-              </a:prstGeom>
-              <a:grpFill/>
-              <a:ln>
-                <a:solidFill>
-                  <a:schemeClr val="tx1"/>
-                </a:solidFill>
-              </a:ln>
-            </p:spPr>
-            <p:style>
-              <a:lnRef idx="2">
-                <a:schemeClr val="accent1">
-                  <a:shade val="50000"/>
-                </a:schemeClr>
-              </a:lnRef>
-              <a:fillRef idx="1">
-                <a:schemeClr val="accent1"/>
-              </a:fillRef>
-              <a:effectRef idx="0">
-                <a:schemeClr val="accent1"/>
-              </a:effectRef>
-              <a:fontRef idx="minor">
-                <a:schemeClr val="lt1"/>
-              </a:fontRef>
-            </p:style>
-            <p:txBody>
-              <a:bodyPr rtlCol="0" anchor="ctr"/>
-              <a:lstStyle/>
-              <a:p>
-                <a:pPr algn="ctr"/>
-                <a:endParaRPr lang="en-US"/>
-              </a:p>
-            </p:txBody>
-          </p:sp>
-          <p:sp>
-            <p:nvSpPr>
-              <p:cNvPr id="38" name="角丸四角形 37"/>
-              <p:cNvSpPr/>
-              <p:nvPr/>
-            </p:nvSpPr>
-            <p:spPr>
-              <a:xfrm rot="4428478">
-                <a:off x="3791137" y="1270787"/>
-                <a:ext cx="82550" cy="373168"/>
-              </a:xfrm>
-              <a:prstGeom prst="roundRect">
-                <a:avLst/>
-              </a:prstGeom>
-              <a:grpFill/>
-              <a:ln>
-                <a:solidFill>
-                  <a:schemeClr val="tx1"/>
-                </a:solidFill>
-              </a:ln>
-            </p:spPr>
-            <p:style>
-              <a:lnRef idx="2">
-                <a:schemeClr val="accent1">
-                  <a:shade val="50000"/>
-                </a:schemeClr>
-              </a:lnRef>
-              <a:fillRef idx="1">
-                <a:schemeClr val="accent1"/>
-              </a:fillRef>
-              <a:effectRef idx="0">
-                <a:schemeClr val="accent1"/>
-              </a:effectRef>
-              <a:fontRef idx="minor">
-                <a:schemeClr val="lt1"/>
-              </a:fontRef>
-            </p:style>
-            <p:txBody>
-              <a:bodyPr rtlCol="0" anchor="ctr"/>
-              <a:lstStyle/>
-              <a:p>
-                <a:pPr algn="ctr"/>
-                <a:endParaRPr lang="en-US"/>
-              </a:p>
-            </p:txBody>
-          </p:sp>
-          <p:sp>
-            <p:nvSpPr>
-              <p:cNvPr id="39" name="角丸四角形 38"/>
-              <p:cNvSpPr/>
-              <p:nvPr/>
-            </p:nvSpPr>
-            <p:spPr>
-              <a:xfrm rot="4428478">
-                <a:off x="3904893" y="1463366"/>
-                <a:ext cx="82550" cy="220171"/>
-              </a:xfrm>
-              <a:prstGeom prst="roundRect">
-                <a:avLst/>
-              </a:prstGeom>
-              <a:grpFill/>
-              <a:ln>
-                <a:solidFill>
-                  <a:schemeClr val="tx1"/>
-                </a:solidFill>
-              </a:ln>
-            </p:spPr>
-            <p:style>
-              <a:lnRef idx="2">
-                <a:schemeClr val="accent1">
-                  <a:shade val="50000"/>
-                </a:schemeClr>
-              </a:lnRef>
-              <a:fillRef idx="1">
-                <a:schemeClr val="accent1"/>
-              </a:fillRef>
-              <a:effectRef idx="0">
-                <a:schemeClr val="accent1"/>
-              </a:effectRef>
-              <a:fontRef idx="minor">
-                <a:schemeClr val="lt1"/>
-              </a:fontRef>
-            </p:style>
-            <p:txBody>
-              <a:bodyPr rtlCol="0" anchor="ctr"/>
-              <a:lstStyle/>
-              <a:p>
-                <a:pPr algn="ctr"/>
-                <a:endParaRPr lang="en-US"/>
-              </a:p>
-            </p:txBody>
-          </p:sp>
-        </p:grpSp>
-        <p:sp>
-          <p:nvSpPr>
-            <p:cNvPr id="77" name="テキスト ボックス 76"/>
-            <p:cNvSpPr txBox="1"/>
-            <p:nvPr/>
-          </p:nvSpPr>
-          <p:spPr>
-            <a:xfrm>
-              <a:off x="4321760" y="465078"/>
-              <a:ext cx="985718" cy="276999"/>
-            </a:xfrm>
-            <a:prstGeom prst="rect">
-              <a:avLst/>
-            </a:prstGeom>
-            <a:noFill/>
-          </p:spPr>
-          <p:txBody>
-            <a:bodyPr wrap="none" rtlCol="0">
-              <a:spAutoFit/>
-            </a:bodyPr>
-            <a:lstStyle/>
-            <a:p>
-              <a:pPr algn="ctr"/>
-              <a:r>
-                <a:rPr lang="en-US" sz="1200" dirty="0" smtClean="0">
-                  <a:latin typeface="Times New Roman" panose="02020603050405020304" pitchFamily="18" charset="0"/>
-                  <a:cs typeface="Times New Roman" panose="02020603050405020304" pitchFamily="18" charset="0"/>
-                </a:rPr>
-                <a:t>Robotic Arm</a:t>
-              </a:r>
-              <a:endParaRPr lang="en-US" sz="1200" dirty="0">
-                <a:latin typeface="Times New Roman" panose="02020603050405020304" pitchFamily="18" charset="0"/>
-                <a:cs typeface="Times New Roman" panose="02020603050405020304" pitchFamily="18" charset="0"/>
-              </a:endParaRPr>
-            </a:p>
-          </p:txBody>
-        </p:sp>
-      </p:grpSp>
-      <p:grpSp>
-        <p:nvGrpSpPr>
-          <p:cNvPr id="93" name="グループ化 92"/>
-          <p:cNvGrpSpPr/>
-          <p:nvPr/>
-        </p:nvGrpSpPr>
-        <p:grpSpPr>
-          <a:xfrm>
-            <a:off x="2012873" y="213334"/>
-            <a:ext cx="884134" cy="1758359"/>
-            <a:chOff x="2136348" y="774094"/>
-            <a:chExt cx="884134" cy="1758359"/>
-          </a:xfrm>
-        </p:grpSpPr>
-        <p:sp>
-          <p:nvSpPr>
-            <p:cNvPr id="11" name="正方形/長方形 10"/>
-            <p:cNvSpPr/>
-            <p:nvPr/>
-          </p:nvSpPr>
-          <p:spPr>
-            <a:xfrm>
-              <a:off x="2691676" y="1347680"/>
-              <a:ext cx="328806" cy="1184773"/>
-            </a:xfrm>
-            <a:prstGeom prst="rect">
-              <a:avLst/>
-            </a:prstGeom>
-            <a:pattFill prst="pct80">
-              <a:fgClr>
-                <a:schemeClr val="bg1">
-                  <a:lumMod val="50000"/>
-                </a:schemeClr>
-              </a:fgClr>
-              <a:bgClr>
-                <a:schemeClr val="bg1"/>
-              </a:bgClr>
-            </a:pattFill>
-            <a:ln>
-              <a:solidFill>
-                <a:schemeClr val="tx1"/>
-              </a:solidFill>
-            </a:ln>
-          </p:spPr>
-          <p:style>
-            <a:lnRef idx="2">
-              <a:schemeClr val="accent1">
-                <a:shade val="50000"/>
-              </a:schemeClr>
-            </a:lnRef>
-            <a:fillRef idx="1">
-              <a:schemeClr val="accent1"/>
-            </a:fillRef>
-            <a:effectRef idx="0">
-              <a:schemeClr val="accent1"/>
-            </a:effectRef>
-            <a:fontRef idx="minor">
-              <a:schemeClr val="lt1"/>
-            </a:fontRef>
-          </p:style>
-          <p:txBody>
-            <a:bodyPr rtlCol="0" anchor="ctr"/>
-            <a:lstStyle/>
-            <a:p>
-              <a:pPr algn="ctr"/>
-              <a:endParaRPr lang="en-US"/>
-            </a:p>
-          </p:txBody>
-        </p:sp>
-        <p:sp>
-          <p:nvSpPr>
-            <p:cNvPr id="81" name="テキスト ボックス 80"/>
-            <p:cNvSpPr txBox="1"/>
-            <p:nvPr/>
-          </p:nvSpPr>
-          <p:spPr>
-            <a:xfrm>
-              <a:off x="2257158" y="774094"/>
-              <a:ext cx="683200" cy="261610"/>
-            </a:xfrm>
-            <a:prstGeom prst="rect">
-              <a:avLst/>
-            </a:prstGeom>
-            <a:noFill/>
-          </p:spPr>
-          <p:txBody>
-            <a:bodyPr wrap="none" rtlCol="0">
-              <a:spAutoFit/>
-            </a:bodyPr>
-            <a:lstStyle/>
-            <a:p>
-              <a:r>
-                <a:rPr lang="en-US" sz="1100" dirty="0" smtClean="0">
-                  <a:latin typeface="Times New Roman" panose="02020603050405020304" pitchFamily="18" charset="0"/>
-                  <a:cs typeface="Times New Roman" panose="02020603050405020304" pitchFamily="18" charset="0"/>
-                </a:rPr>
-                <a:t>Batteries</a:t>
-              </a:r>
-              <a:endParaRPr lang="en-US" sz="1100" dirty="0">
-                <a:latin typeface="Times New Roman" panose="02020603050405020304" pitchFamily="18" charset="0"/>
-                <a:cs typeface="Times New Roman" panose="02020603050405020304" pitchFamily="18" charset="0"/>
-              </a:endParaRPr>
-            </a:p>
-          </p:txBody>
-        </p:sp>
-        <p:sp>
-          <p:nvSpPr>
-            <p:cNvPr id="82" name="正方形/長方形 81"/>
-            <p:cNvSpPr/>
-            <p:nvPr/>
-          </p:nvSpPr>
-          <p:spPr>
-            <a:xfrm>
-              <a:off x="2136348" y="1347680"/>
-              <a:ext cx="328806" cy="1184773"/>
-            </a:xfrm>
-            <a:prstGeom prst="rect">
-              <a:avLst/>
-            </a:prstGeom>
-            <a:pattFill prst="pct80">
-              <a:fgClr>
-                <a:schemeClr val="bg1">
-                  <a:lumMod val="50000"/>
-                </a:schemeClr>
-              </a:fgClr>
-              <a:bgClr>
-                <a:schemeClr val="bg1"/>
-              </a:bgClr>
-            </a:pattFill>
-            <a:ln>
-              <a:solidFill>
-                <a:schemeClr val="tx1"/>
-              </a:solidFill>
-            </a:ln>
-          </p:spPr>
-          <p:style>
-            <a:lnRef idx="2">
-              <a:schemeClr val="accent1">
-                <a:shade val="50000"/>
-              </a:schemeClr>
-            </a:lnRef>
-            <a:fillRef idx="1">
-              <a:schemeClr val="accent1"/>
-            </a:fillRef>
-            <a:effectRef idx="0">
-              <a:schemeClr val="accent1"/>
-            </a:effectRef>
-            <a:fontRef idx="minor">
-              <a:schemeClr val="lt1"/>
-            </a:fontRef>
-          </p:style>
-          <p:txBody>
-            <a:bodyPr rtlCol="0" anchor="ctr"/>
-            <a:lstStyle/>
-            <a:p>
-              <a:pPr algn="ctr"/>
-              <a:endParaRPr lang="en-US"/>
-            </a:p>
-          </p:txBody>
-        </p:sp>
-      </p:grpSp>
-      <p:grpSp>
-        <p:nvGrpSpPr>
-          <p:cNvPr id="87" name="グループ化 86"/>
-          <p:cNvGrpSpPr/>
-          <p:nvPr/>
-        </p:nvGrpSpPr>
-        <p:grpSpPr>
-          <a:xfrm>
-            <a:off x="5933533" y="151424"/>
-            <a:ext cx="1196384" cy="1328836"/>
-            <a:chOff x="5933533" y="469056"/>
-            <a:chExt cx="1196384" cy="1328836"/>
-          </a:xfrm>
-        </p:grpSpPr>
-        <p:sp>
-          <p:nvSpPr>
-            <p:cNvPr id="74" name="テキスト ボックス 73"/>
-            <p:cNvSpPr txBox="1"/>
-            <p:nvPr/>
-          </p:nvSpPr>
-          <p:spPr>
-            <a:xfrm>
-              <a:off x="6089289" y="469056"/>
-              <a:ext cx="885628" cy="461665"/>
-            </a:xfrm>
-            <a:prstGeom prst="rect">
-              <a:avLst/>
-            </a:prstGeom>
-            <a:noFill/>
-          </p:spPr>
-          <p:txBody>
-            <a:bodyPr wrap="none" rtlCol="0">
-              <a:spAutoFit/>
-            </a:bodyPr>
-            <a:lstStyle/>
-            <a:p>
-              <a:pPr algn="ctr"/>
-              <a:r>
-                <a:rPr lang="en-US" sz="1200" dirty="0" smtClean="0">
-                  <a:latin typeface="Times New Roman" panose="02020603050405020304" pitchFamily="18" charset="0"/>
-                  <a:cs typeface="Times New Roman" panose="02020603050405020304" pitchFamily="18" charset="0"/>
-                </a:rPr>
-                <a:t>Emergency</a:t>
-              </a:r>
-            </a:p>
-            <a:p>
-              <a:pPr algn="ctr"/>
-              <a:r>
-                <a:rPr lang="en-US" sz="1200" dirty="0" smtClean="0">
-                  <a:latin typeface="Times New Roman" panose="02020603050405020304" pitchFamily="18" charset="0"/>
-                  <a:cs typeface="Times New Roman" panose="02020603050405020304" pitchFamily="18" charset="0"/>
-                </a:rPr>
-                <a:t>Switch</a:t>
-              </a:r>
-              <a:endParaRPr lang="en-US" sz="1200" dirty="0">
-                <a:latin typeface="Times New Roman" panose="02020603050405020304" pitchFamily="18" charset="0"/>
-                <a:cs typeface="Times New Roman" panose="02020603050405020304" pitchFamily="18" charset="0"/>
-              </a:endParaRPr>
-            </a:p>
-          </p:txBody>
-        </p:sp>
-        <p:sp>
-          <p:nvSpPr>
-            <p:cNvPr id="84" name="フローチャート: 手作業 83"/>
-            <p:cNvSpPr/>
-            <p:nvPr/>
-          </p:nvSpPr>
-          <p:spPr>
-            <a:xfrm>
-              <a:off x="6089289" y="1410146"/>
-              <a:ext cx="881725" cy="387746"/>
-            </a:xfrm>
-            <a:prstGeom prst="flowChartManualOperation">
-              <a:avLst/>
-            </a:prstGeom>
-            <a:pattFill prst="pct90">
-              <a:fgClr>
-                <a:schemeClr val="bg1">
-                  <a:lumMod val="50000"/>
-                </a:schemeClr>
-              </a:fgClr>
-              <a:bgClr>
-                <a:schemeClr val="bg1"/>
-              </a:bgClr>
-            </a:pattFill>
-            <a:ln>
-              <a:solidFill>
-                <a:schemeClr val="tx1"/>
-              </a:solidFill>
-            </a:ln>
-          </p:spPr>
-          <p:style>
-            <a:lnRef idx="2">
-              <a:schemeClr val="accent1">
-                <a:shade val="50000"/>
-              </a:schemeClr>
-            </a:lnRef>
-            <a:fillRef idx="1">
-              <a:schemeClr val="accent1"/>
-            </a:fillRef>
-            <a:effectRef idx="0">
-              <a:schemeClr val="accent1"/>
-            </a:effectRef>
-            <a:fontRef idx="minor">
-              <a:schemeClr val="lt1"/>
-            </a:fontRef>
-          </p:style>
-          <p:txBody>
-            <a:bodyPr rtlCol="0" anchor="ctr"/>
-            <a:lstStyle/>
-            <a:p>
-              <a:pPr algn="ctr"/>
-              <a:endParaRPr lang="en-US"/>
-            </a:p>
-          </p:txBody>
-        </p:sp>
-        <p:sp>
-          <p:nvSpPr>
-            <p:cNvPr id="85" name="フローチャート: 直接アクセス記憶 84"/>
-            <p:cNvSpPr/>
-            <p:nvPr/>
-          </p:nvSpPr>
-          <p:spPr>
-            <a:xfrm rot="16200000">
-              <a:off x="6329463" y="714988"/>
-              <a:ext cx="404524" cy="1196384"/>
-            </a:xfrm>
-            <a:prstGeom prst="flowChartMagneticDrum">
-              <a:avLst/>
-            </a:prstGeom>
-            <a:pattFill prst="pct70">
-              <a:fgClr>
-                <a:schemeClr val="bg1">
-                  <a:lumMod val="50000"/>
-                </a:schemeClr>
-              </a:fgClr>
-              <a:bgClr>
-                <a:schemeClr val="bg1"/>
-              </a:bgClr>
-            </a:pattFill>
-            <a:ln>
-              <a:solidFill>
-                <a:schemeClr val="tx1"/>
-              </a:solidFill>
-            </a:ln>
-          </p:spPr>
-          <p:style>
-            <a:lnRef idx="2">
-              <a:schemeClr val="accent1">
-                <a:shade val="50000"/>
-              </a:schemeClr>
-            </a:lnRef>
-            <a:fillRef idx="1">
-              <a:schemeClr val="accent1"/>
-            </a:fillRef>
-            <a:effectRef idx="0">
-              <a:schemeClr val="accent1"/>
-            </a:effectRef>
-            <a:fontRef idx="minor">
-              <a:schemeClr val="lt1"/>
-            </a:fontRef>
-          </p:style>
-          <p:txBody>
-            <a:bodyPr rtlCol="0" anchor="ctr"/>
-            <a:lstStyle/>
-            <a:p>
-              <a:pPr algn="ctr"/>
-              <a:endParaRPr lang="en-US" sz="1200" dirty="0">
-                <a:latin typeface="Times New Roman" panose="02020603050405020304" pitchFamily="18" charset="0"/>
-                <a:cs typeface="Times New Roman" panose="02020603050405020304" pitchFamily="18" charset="0"/>
-              </a:endParaRPr>
-            </a:p>
-          </p:txBody>
-        </p:sp>
-      </p:grpSp>
-      <p:cxnSp>
-        <p:nvCxnSpPr>
-          <p:cNvPr id="99" name="直線コネクタ 98"/>
-          <p:cNvCxnSpPr/>
-          <p:nvPr/>
-        </p:nvCxnSpPr>
-        <p:spPr>
-          <a:xfrm flipV="1">
-            <a:off x="2814753" y="1971693"/>
-            <a:ext cx="0" cy="199653"/>
-          </a:xfrm>
-          <a:prstGeom prst="line">
-            <a:avLst/>
-          </a:prstGeom>
-          <a:ln w="57150">
-            <a:solidFill>
-              <a:schemeClr val="tx1">
-                <a:lumMod val="50000"/>
-                <a:lumOff val="50000"/>
-              </a:schemeClr>
-            </a:solidFill>
-          </a:ln>
-        </p:spPr>
-        <p:style>
-          <a:lnRef idx="1">
-            <a:schemeClr val="accent1"/>
-          </a:lnRef>
-          <a:fillRef idx="0">
-            <a:schemeClr val="accent1"/>
-          </a:fillRef>
-          <a:effectRef idx="0">
-            <a:schemeClr val="accent1"/>
-          </a:effectRef>
-          <a:fontRef idx="minor">
-            <a:schemeClr val="tx1"/>
-          </a:fontRef>
-        </p:style>
-      </p:cxnSp>
-      <p:cxnSp>
-        <p:nvCxnSpPr>
-          <p:cNvPr id="100" name="直線コネクタ 99"/>
-          <p:cNvCxnSpPr/>
-          <p:nvPr/>
-        </p:nvCxnSpPr>
-        <p:spPr>
-          <a:xfrm flipV="1">
-            <a:off x="2644923" y="1971693"/>
-            <a:ext cx="0" cy="199653"/>
-          </a:xfrm>
-          <a:prstGeom prst="line">
-            <a:avLst/>
-          </a:prstGeom>
-          <a:ln w="57150">
-            <a:solidFill>
-              <a:schemeClr val="tx1">
-                <a:lumMod val="50000"/>
-                <a:lumOff val="50000"/>
-              </a:schemeClr>
-            </a:solidFill>
-          </a:ln>
-        </p:spPr>
-        <p:style>
-          <a:lnRef idx="1">
-            <a:schemeClr val="accent1"/>
-          </a:lnRef>
-          <a:fillRef idx="0">
-            <a:schemeClr val="accent1"/>
-          </a:fillRef>
-          <a:effectRef idx="0">
-            <a:schemeClr val="accent1"/>
-          </a:effectRef>
-          <a:fontRef idx="minor">
-            <a:schemeClr val="tx1"/>
-          </a:fontRef>
-        </p:style>
-      </p:cxnSp>
-      <p:cxnSp>
-        <p:nvCxnSpPr>
-          <p:cNvPr id="101" name="直線コネクタ 100"/>
-          <p:cNvCxnSpPr/>
-          <p:nvPr/>
-        </p:nvCxnSpPr>
-        <p:spPr>
-          <a:xfrm flipV="1">
-            <a:off x="2238573" y="1971693"/>
-            <a:ext cx="0" cy="199653"/>
-          </a:xfrm>
-          <a:prstGeom prst="line">
-            <a:avLst/>
-          </a:prstGeom>
-          <a:ln w="57150">
-            <a:solidFill>
-              <a:schemeClr val="tx1">
-                <a:lumMod val="50000"/>
-                <a:lumOff val="50000"/>
-              </a:schemeClr>
-            </a:solidFill>
-          </a:ln>
-        </p:spPr>
-        <p:style>
-          <a:lnRef idx="1">
-            <a:schemeClr val="accent1"/>
-          </a:lnRef>
-          <a:fillRef idx="0">
-            <a:schemeClr val="accent1"/>
-          </a:fillRef>
-          <a:effectRef idx="0">
-            <a:schemeClr val="accent1"/>
-          </a:effectRef>
-          <a:fontRef idx="minor">
-            <a:schemeClr val="tx1"/>
-          </a:fontRef>
-        </p:style>
-      </p:cxnSp>
-      <p:cxnSp>
-        <p:nvCxnSpPr>
-          <p:cNvPr id="102" name="直線コネクタ 101"/>
-          <p:cNvCxnSpPr/>
-          <p:nvPr/>
-        </p:nvCxnSpPr>
-        <p:spPr>
-          <a:xfrm flipV="1">
-            <a:off x="2094623" y="1971693"/>
-            <a:ext cx="0" cy="199653"/>
-          </a:xfrm>
-          <a:prstGeom prst="line">
-            <a:avLst/>
-          </a:prstGeom>
-          <a:ln w="57150">
-            <a:solidFill>
-              <a:schemeClr val="tx1">
-                <a:lumMod val="50000"/>
-                <a:lumOff val="50000"/>
-              </a:schemeClr>
-            </a:solidFill>
-          </a:ln>
-        </p:spPr>
-        <p:style>
-          <a:lnRef idx="1">
-            <a:schemeClr val="accent1"/>
-          </a:lnRef>
-          <a:fillRef idx="0">
-            <a:schemeClr val="accent1"/>
-          </a:fillRef>
-          <a:effectRef idx="0">
-            <a:schemeClr val="accent1"/>
-          </a:effectRef>
-          <a:fontRef idx="minor">
-            <a:schemeClr val="tx1"/>
-          </a:fontRef>
-        </p:style>
-      </p:cxnSp>
-      <p:cxnSp>
-        <p:nvCxnSpPr>
-          <p:cNvPr id="103" name="直線コネクタ 102"/>
-          <p:cNvCxnSpPr/>
-          <p:nvPr/>
-        </p:nvCxnSpPr>
-        <p:spPr>
-          <a:xfrm flipH="1">
-            <a:off x="2812133" y="2167709"/>
-            <a:ext cx="967807" cy="1"/>
-          </a:xfrm>
-          <a:prstGeom prst="line">
-            <a:avLst/>
-          </a:prstGeom>
-          <a:ln w="57150">
-            <a:solidFill>
-              <a:schemeClr val="tx1">
-                <a:lumMod val="50000"/>
-                <a:lumOff val="50000"/>
-              </a:schemeClr>
-            </a:solidFill>
-          </a:ln>
-        </p:spPr>
-        <p:style>
-          <a:lnRef idx="1">
-            <a:schemeClr val="accent1"/>
-          </a:lnRef>
-          <a:fillRef idx="0">
-            <a:schemeClr val="accent1"/>
-          </a:fillRef>
-          <a:effectRef idx="0">
-            <a:schemeClr val="accent1"/>
-          </a:effectRef>
-          <a:fontRef idx="minor">
-            <a:schemeClr val="tx1"/>
-          </a:fontRef>
-        </p:style>
-      </p:cxnSp>
-      <p:cxnSp>
-        <p:nvCxnSpPr>
-          <p:cNvPr id="107" name="直線コネクタ 106"/>
-          <p:cNvCxnSpPr/>
-          <p:nvPr/>
-        </p:nvCxnSpPr>
-        <p:spPr>
-          <a:xfrm flipH="1">
-            <a:off x="2238574" y="2167710"/>
-            <a:ext cx="406349" cy="0"/>
-          </a:xfrm>
-          <a:prstGeom prst="line">
-            <a:avLst/>
-          </a:prstGeom>
-          <a:ln w="57150">
-            <a:solidFill>
-              <a:schemeClr val="tx1">
-                <a:lumMod val="50000"/>
-                <a:lumOff val="50000"/>
-              </a:schemeClr>
-            </a:solidFill>
-          </a:ln>
-        </p:spPr>
-        <p:style>
-          <a:lnRef idx="1">
-            <a:schemeClr val="accent1"/>
-          </a:lnRef>
-          <a:fillRef idx="0">
-            <a:schemeClr val="accent1"/>
-          </a:fillRef>
-          <a:effectRef idx="0">
-            <a:schemeClr val="accent1"/>
-          </a:effectRef>
-          <a:fontRef idx="minor">
-            <a:schemeClr val="tx1"/>
-          </a:fontRef>
-        </p:style>
-      </p:cxnSp>
-      <p:cxnSp>
-        <p:nvCxnSpPr>
-          <p:cNvPr id="111" name="直線コネクタ 110"/>
-          <p:cNvCxnSpPr/>
-          <p:nvPr/>
-        </p:nvCxnSpPr>
-        <p:spPr>
-          <a:xfrm>
-            <a:off x="1768581" y="2167709"/>
-            <a:ext cx="326043" cy="1"/>
-          </a:xfrm>
-          <a:prstGeom prst="line">
-            <a:avLst/>
-          </a:prstGeom>
-          <a:ln w="57150">
-            <a:solidFill>
-              <a:schemeClr val="tx1">
-                <a:lumMod val="50000"/>
-                <a:lumOff val="50000"/>
-              </a:schemeClr>
-            </a:solidFill>
-          </a:ln>
-        </p:spPr>
-        <p:style>
-          <a:lnRef idx="1">
-            <a:schemeClr val="accent1"/>
-          </a:lnRef>
-          <a:fillRef idx="0">
-            <a:schemeClr val="accent1"/>
-          </a:fillRef>
-          <a:effectRef idx="0">
-            <a:schemeClr val="accent1"/>
-          </a:effectRef>
-          <a:fontRef idx="minor">
-            <a:schemeClr val="tx1"/>
-          </a:fontRef>
-        </p:style>
-      </p:cxnSp>
-      <p:cxnSp>
-        <p:nvCxnSpPr>
-          <p:cNvPr id="114" name="直線コネクタ 113"/>
-          <p:cNvCxnSpPr/>
-          <p:nvPr/>
-        </p:nvCxnSpPr>
-        <p:spPr>
-          <a:xfrm flipV="1">
-            <a:off x="1765708" y="2167709"/>
-            <a:ext cx="0" cy="1672322"/>
-          </a:xfrm>
-          <a:prstGeom prst="line">
-            <a:avLst/>
-          </a:prstGeom>
-          <a:ln w="57150">
-            <a:solidFill>
-              <a:schemeClr val="tx1">
-                <a:lumMod val="50000"/>
-                <a:lumOff val="50000"/>
-              </a:schemeClr>
-            </a:solidFill>
-          </a:ln>
-        </p:spPr>
-        <p:style>
-          <a:lnRef idx="1">
-            <a:schemeClr val="accent1"/>
-          </a:lnRef>
-          <a:fillRef idx="0">
-            <a:schemeClr val="accent1"/>
-          </a:fillRef>
-          <a:effectRef idx="0">
-            <a:schemeClr val="accent1"/>
-          </a:effectRef>
-          <a:fontRef idx="minor">
-            <a:schemeClr val="tx1"/>
-          </a:fontRef>
-        </p:style>
-      </p:cxnSp>
-      <p:cxnSp>
-        <p:nvCxnSpPr>
-          <p:cNvPr id="117" name="直線コネクタ 116"/>
-          <p:cNvCxnSpPr>
-            <a:endCxn id="15" idx="1"/>
-          </p:cNvCxnSpPr>
-          <p:nvPr/>
-        </p:nvCxnSpPr>
-        <p:spPr>
-          <a:xfrm>
-            <a:off x="1765708" y="3840031"/>
-            <a:ext cx="469597" cy="2854"/>
-          </a:xfrm>
-          <a:prstGeom prst="line">
-            <a:avLst/>
-          </a:prstGeom>
-          <a:ln w="57150">
-            <a:solidFill>
-              <a:schemeClr val="tx1">
-                <a:lumMod val="50000"/>
-                <a:lumOff val="50000"/>
-              </a:schemeClr>
-            </a:solidFill>
-          </a:ln>
-        </p:spPr>
-        <p:style>
-          <a:lnRef idx="1">
-            <a:schemeClr val="accent1"/>
-          </a:lnRef>
-          <a:fillRef idx="0">
-            <a:schemeClr val="accent1"/>
-          </a:fillRef>
-          <a:effectRef idx="0">
-            <a:schemeClr val="accent1"/>
-          </a:effectRef>
-          <a:fontRef idx="minor">
-            <a:schemeClr val="tx1"/>
-          </a:fontRef>
-        </p:style>
-      </p:cxnSp>
-      <p:cxnSp>
-        <p:nvCxnSpPr>
-          <p:cNvPr id="122" name="直線コネクタ 121"/>
-          <p:cNvCxnSpPr>
-            <a:stCxn id="15" idx="3"/>
-          </p:cNvCxnSpPr>
-          <p:nvPr/>
-        </p:nvCxnSpPr>
-        <p:spPr>
-          <a:xfrm>
-            <a:off x="2674575" y="3842885"/>
-            <a:ext cx="3933128" cy="0"/>
-          </a:xfrm>
-          <a:prstGeom prst="line">
-            <a:avLst/>
-          </a:prstGeom>
-          <a:ln w="57150">
-            <a:solidFill>
-              <a:schemeClr val="tx1">
-                <a:lumMod val="50000"/>
-                <a:lumOff val="50000"/>
-              </a:schemeClr>
-            </a:solidFill>
-          </a:ln>
-        </p:spPr>
-        <p:style>
-          <a:lnRef idx="1">
-            <a:schemeClr val="accent1"/>
-          </a:lnRef>
-          <a:fillRef idx="0">
-            <a:schemeClr val="accent1"/>
-          </a:fillRef>
-          <a:effectRef idx="0">
-            <a:schemeClr val="accent1"/>
-          </a:effectRef>
-          <a:fontRef idx="minor">
-            <a:schemeClr val="tx1"/>
-          </a:fontRef>
-        </p:style>
-      </p:cxnSp>
-      <p:cxnSp>
-        <p:nvCxnSpPr>
-          <p:cNvPr id="125" name="直線コネクタ 124"/>
-          <p:cNvCxnSpPr/>
-          <p:nvPr/>
-        </p:nvCxnSpPr>
-        <p:spPr>
-          <a:xfrm flipV="1">
-            <a:off x="3779940" y="2167709"/>
-            <a:ext cx="0" cy="1254642"/>
-          </a:xfrm>
-          <a:prstGeom prst="line">
-            <a:avLst/>
-          </a:prstGeom>
-          <a:ln w="57150">
-            <a:solidFill>
-              <a:schemeClr val="tx1">
-                <a:lumMod val="50000"/>
-                <a:lumOff val="50000"/>
-              </a:schemeClr>
-            </a:solidFill>
-          </a:ln>
-        </p:spPr>
-        <p:style>
-          <a:lnRef idx="1">
-            <a:schemeClr val="accent1"/>
-          </a:lnRef>
-          <a:fillRef idx="0">
-            <a:schemeClr val="accent1"/>
-          </a:fillRef>
-          <a:effectRef idx="0">
-            <a:schemeClr val="accent1"/>
-          </a:effectRef>
-          <a:fontRef idx="minor">
-            <a:schemeClr val="tx1"/>
-          </a:fontRef>
-        </p:style>
-      </p:cxnSp>
-      <p:cxnSp>
-        <p:nvCxnSpPr>
-          <p:cNvPr id="128" name="直線コネクタ 127"/>
-          <p:cNvCxnSpPr/>
-          <p:nvPr/>
-        </p:nvCxnSpPr>
-        <p:spPr>
-          <a:xfrm>
-            <a:off x="3241126" y="3422351"/>
-            <a:ext cx="1429137" cy="0"/>
-          </a:xfrm>
-          <a:prstGeom prst="line">
-            <a:avLst/>
-          </a:prstGeom>
-          <a:ln w="57150">
-            <a:solidFill>
-              <a:schemeClr val="tx1">
-                <a:lumMod val="50000"/>
-                <a:lumOff val="50000"/>
-              </a:schemeClr>
-            </a:solidFill>
-          </a:ln>
-        </p:spPr>
-        <p:style>
-          <a:lnRef idx="1">
-            <a:schemeClr val="accent1"/>
-          </a:lnRef>
-          <a:fillRef idx="0">
-            <a:schemeClr val="accent1"/>
-          </a:fillRef>
-          <a:effectRef idx="0">
-            <a:schemeClr val="accent1"/>
-          </a:effectRef>
-          <a:fontRef idx="minor">
-            <a:schemeClr val="tx1"/>
-          </a:fontRef>
-        </p:style>
-      </p:cxnSp>
-      <p:cxnSp>
-        <p:nvCxnSpPr>
-          <p:cNvPr id="132" name="直線コネクタ 131"/>
-          <p:cNvCxnSpPr/>
-          <p:nvPr/>
-        </p:nvCxnSpPr>
-        <p:spPr>
-          <a:xfrm flipV="1">
-            <a:off x="6316131" y="1480262"/>
-            <a:ext cx="0" cy="865451"/>
-          </a:xfrm>
-          <a:prstGeom prst="line">
-            <a:avLst/>
-          </a:prstGeom>
-          <a:ln w="57150">
-            <a:solidFill>
-              <a:schemeClr val="tx1">
-                <a:lumMod val="50000"/>
-                <a:lumOff val="50000"/>
-              </a:schemeClr>
-            </a:solidFill>
-          </a:ln>
-        </p:spPr>
-        <p:style>
-          <a:lnRef idx="1">
-            <a:schemeClr val="accent1"/>
-          </a:lnRef>
-          <a:fillRef idx="0">
-            <a:schemeClr val="accent1"/>
-          </a:fillRef>
-          <a:effectRef idx="0">
-            <a:schemeClr val="accent1"/>
-          </a:effectRef>
-          <a:fontRef idx="minor">
-            <a:schemeClr val="tx1"/>
-          </a:fontRef>
-        </p:style>
-      </p:cxnSp>
-      <p:cxnSp>
-        <p:nvCxnSpPr>
-          <p:cNvPr id="141" name="直線コネクタ 140"/>
-          <p:cNvCxnSpPr/>
-          <p:nvPr/>
-        </p:nvCxnSpPr>
-        <p:spPr>
-          <a:xfrm flipV="1">
-            <a:off x="6461917" y="1480261"/>
-            <a:ext cx="0" cy="1780669"/>
-          </a:xfrm>
-          <a:prstGeom prst="line">
-            <a:avLst/>
-          </a:prstGeom>
-          <a:ln w="57150" cmpd="thinThick">
-            <a:solidFill>
-              <a:schemeClr val="tx1">
-                <a:lumMod val="65000"/>
-                <a:lumOff val="35000"/>
-              </a:schemeClr>
-            </a:solidFill>
-          </a:ln>
-        </p:spPr>
-        <p:style>
-          <a:lnRef idx="1">
-            <a:schemeClr val="accent1"/>
-          </a:lnRef>
-          <a:fillRef idx="0">
-            <a:schemeClr val="accent1"/>
-          </a:fillRef>
-          <a:effectRef idx="0">
-            <a:schemeClr val="accent1"/>
-          </a:effectRef>
-          <a:fontRef idx="minor">
-            <a:schemeClr val="tx1"/>
-          </a:fontRef>
-        </p:style>
-      </p:cxnSp>
-      <p:cxnSp>
-        <p:nvCxnSpPr>
-          <p:cNvPr id="143" name="直線コネクタ 142"/>
-          <p:cNvCxnSpPr/>
-          <p:nvPr/>
-        </p:nvCxnSpPr>
-        <p:spPr>
-          <a:xfrm flipV="1">
-            <a:off x="6753489" y="1480261"/>
-            <a:ext cx="1" cy="1625069"/>
-          </a:xfrm>
-          <a:prstGeom prst="line">
-            <a:avLst/>
-          </a:prstGeom>
-          <a:ln w="57150" cmpd="thinThick">
-            <a:solidFill>
-              <a:schemeClr val="tx1">
-                <a:lumMod val="65000"/>
-                <a:lumOff val="35000"/>
-              </a:schemeClr>
-            </a:solidFill>
-          </a:ln>
-        </p:spPr>
-        <p:style>
-          <a:lnRef idx="1">
-            <a:schemeClr val="accent1"/>
-          </a:lnRef>
-          <a:fillRef idx="0">
-            <a:schemeClr val="accent1"/>
-          </a:fillRef>
-          <a:effectRef idx="0">
-            <a:schemeClr val="accent1"/>
-          </a:effectRef>
-          <a:fontRef idx="minor">
-            <a:schemeClr val="tx1"/>
-          </a:fontRef>
-        </p:style>
-      </p:cxnSp>
-      <p:cxnSp>
-        <p:nvCxnSpPr>
-          <p:cNvPr id="157" name="直線コネクタ 156"/>
-          <p:cNvCxnSpPr/>
-          <p:nvPr/>
-        </p:nvCxnSpPr>
-        <p:spPr>
-          <a:xfrm flipV="1">
-            <a:off x="3241126" y="3212676"/>
-            <a:ext cx="0" cy="209675"/>
-          </a:xfrm>
-          <a:prstGeom prst="line">
-            <a:avLst/>
-          </a:prstGeom>
-          <a:ln w="57150">
-            <a:solidFill>
-              <a:schemeClr val="tx1">
-                <a:lumMod val="50000"/>
-                <a:lumOff val="50000"/>
-              </a:schemeClr>
-            </a:solidFill>
-          </a:ln>
-        </p:spPr>
-        <p:style>
-          <a:lnRef idx="1">
-            <a:schemeClr val="accent1"/>
-          </a:lnRef>
-          <a:fillRef idx="0">
-            <a:schemeClr val="accent1"/>
-          </a:fillRef>
-          <a:effectRef idx="0">
-            <a:schemeClr val="accent1"/>
-          </a:effectRef>
-          <a:fontRef idx="minor">
-            <a:schemeClr val="tx1"/>
-          </a:fontRef>
-        </p:style>
-      </p:cxnSp>
-      <p:cxnSp>
-        <p:nvCxnSpPr>
-          <p:cNvPr id="158" name="直線コネクタ 157"/>
-          <p:cNvCxnSpPr/>
-          <p:nvPr/>
-        </p:nvCxnSpPr>
-        <p:spPr>
-          <a:xfrm flipV="1">
-            <a:off x="3132293" y="3212676"/>
-            <a:ext cx="0" cy="627355"/>
-          </a:xfrm>
-          <a:prstGeom prst="line">
-            <a:avLst/>
-          </a:prstGeom>
-          <a:ln w="57150">
-            <a:solidFill>
-              <a:schemeClr val="tx1">
-                <a:lumMod val="50000"/>
-                <a:lumOff val="50000"/>
-              </a:schemeClr>
-            </a:solidFill>
-          </a:ln>
-        </p:spPr>
-        <p:style>
-          <a:lnRef idx="1">
-            <a:schemeClr val="accent1"/>
-          </a:lnRef>
-          <a:fillRef idx="0">
-            <a:schemeClr val="accent1"/>
-          </a:fillRef>
-          <a:effectRef idx="0">
-            <a:schemeClr val="accent1"/>
-          </a:effectRef>
-          <a:fontRef idx="minor">
-            <a:schemeClr val="tx1"/>
-          </a:fontRef>
-        </p:style>
-      </p:cxnSp>
-      <p:cxnSp>
-        <p:nvCxnSpPr>
-          <p:cNvPr id="166" name="直線コネクタ 165"/>
-          <p:cNvCxnSpPr/>
-          <p:nvPr/>
-        </p:nvCxnSpPr>
-        <p:spPr>
-          <a:xfrm flipV="1">
-            <a:off x="4757671" y="2146061"/>
-            <a:ext cx="0" cy="199653"/>
-          </a:xfrm>
-          <a:prstGeom prst="line">
-            <a:avLst/>
-          </a:prstGeom>
-          <a:ln w="57150">
-            <a:solidFill>
-              <a:schemeClr val="tx1">
-                <a:lumMod val="50000"/>
-                <a:lumOff val="50000"/>
-              </a:schemeClr>
-            </a:solidFill>
-          </a:ln>
-        </p:spPr>
-        <p:style>
-          <a:lnRef idx="1">
-            <a:schemeClr val="accent1"/>
-          </a:lnRef>
-          <a:fillRef idx="0">
-            <a:schemeClr val="accent1"/>
-          </a:fillRef>
-          <a:effectRef idx="0">
-            <a:schemeClr val="accent1"/>
-          </a:effectRef>
-          <a:fontRef idx="minor">
-            <a:schemeClr val="tx1"/>
-          </a:fontRef>
-        </p:style>
-      </p:cxnSp>
-      <p:cxnSp>
-        <p:nvCxnSpPr>
-          <p:cNvPr id="167" name="直線コネクタ 166"/>
-          <p:cNvCxnSpPr/>
-          <p:nvPr/>
-        </p:nvCxnSpPr>
-        <p:spPr>
-          <a:xfrm flipV="1">
-            <a:off x="4662985" y="2146062"/>
-            <a:ext cx="0" cy="1276289"/>
-          </a:xfrm>
-          <a:prstGeom prst="line">
-            <a:avLst/>
-          </a:prstGeom>
-          <a:ln w="57150">
-            <a:solidFill>
-              <a:schemeClr val="tx1">
-                <a:lumMod val="50000"/>
-                <a:lumOff val="50000"/>
-              </a:schemeClr>
-            </a:solidFill>
-          </a:ln>
-        </p:spPr>
-        <p:style>
-          <a:lnRef idx="1">
-            <a:schemeClr val="accent1"/>
-          </a:lnRef>
-          <a:fillRef idx="0">
-            <a:schemeClr val="accent1"/>
-          </a:fillRef>
-          <a:effectRef idx="0">
-            <a:schemeClr val="accent1"/>
-          </a:effectRef>
-          <a:fontRef idx="minor">
-            <a:schemeClr val="tx1"/>
-          </a:fontRef>
-        </p:style>
-      </p:cxnSp>
-      <p:cxnSp>
-        <p:nvCxnSpPr>
-          <p:cNvPr id="168" name="直線コネクタ 167"/>
-          <p:cNvCxnSpPr/>
-          <p:nvPr/>
-        </p:nvCxnSpPr>
-        <p:spPr>
-          <a:xfrm flipV="1">
-            <a:off x="4902425" y="2146061"/>
-            <a:ext cx="0" cy="3399172"/>
-          </a:xfrm>
-          <a:prstGeom prst="line">
-            <a:avLst/>
-          </a:prstGeom>
-          <a:ln w="57150">
-            <a:solidFill>
-              <a:schemeClr val="tx1"/>
-            </a:solidFill>
-          </a:ln>
-        </p:spPr>
-        <p:style>
-          <a:lnRef idx="1">
-            <a:schemeClr val="accent1"/>
-          </a:lnRef>
-          <a:fillRef idx="0">
-            <a:schemeClr val="accent1"/>
-          </a:fillRef>
-          <a:effectRef idx="0">
-            <a:schemeClr val="accent1"/>
-          </a:effectRef>
-          <a:fontRef idx="minor">
-            <a:schemeClr val="tx1"/>
-          </a:fontRef>
-        </p:style>
-      </p:cxnSp>
-      <p:cxnSp>
-        <p:nvCxnSpPr>
-          <p:cNvPr id="170" name="直線コネクタ 169"/>
-          <p:cNvCxnSpPr/>
-          <p:nvPr/>
-        </p:nvCxnSpPr>
-        <p:spPr>
-          <a:xfrm flipH="1">
-            <a:off x="4761471" y="2345713"/>
-            <a:ext cx="1554660" cy="0"/>
-          </a:xfrm>
-          <a:prstGeom prst="line">
-            <a:avLst/>
-          </a:prstGeom>
-          <a:ln w="57150">
-            <a:solidFill>
-              <a:schemeClr val="tx1">
-                <a:lumMod val="50000"/>
-                <a:lumOff val="50000"/>
-              </a:schemeClr>
-            </a:solidFill>
-          </a:ln>
-        </p:spPr>
-        <p:style>
-          <a:lnRef idx="1">
-            <a:schemeClr val="accent1"/>
-          </a:lnRef>
-          <a:fillRef idx="0">
-            <a:schemeClr val="accent1"/>
-          </a:fillRef>
-          <a:effectRef idx="0">
-            <a:schemeClr val="accent1"/>
-          </a:effectRef>
-          <a:fontRef idx="minor">
-            <a:schemeClr val="tx1"/>
-          </a:fontRef>
-        </p:style>
-      </p:cxnSp>
-      <p:grpSp>
-        <p:nvGrpSpPr>
-          <p:cNvPr id="89" name="グループ化 88"/>
-          <p:cNvGrpSpPr/>
-          <p:nvPr/>
-        </p:nvGrpSpPr>
-        <p:grpSpPr>
-          <a:xfrm>
-            <a:off x="2917164" y="2287394"/>
-            <a:ext cx="707245" cy="925281"/>
-            <a:chOff x="4073596" y="2519089"/>
-            <a:chExt cx="707245" cy="925281"/>
-          </a:xfrm>
-        </p:grpSpPr>
-        <p:grpSp>
-          <p:nvGrpSpPr>
-            <p:cNvPr id="16" name="グループ化 15"/>
-            <p:cNvGrpSpPr/>
-            <p:nvPr/>
-          </p:nvGrpSpPr>
-          <p:grpSpPr>
-            <a:xfrm>
-              <a:off x="4219683" y="2882083"/>
-              <a:ext cx="397945" cy="562287"/>
-              <a:chOff x="4144682" y="3615266"/>
-              <a:chExt cx="397945" cy="562287"/>
-            </a:xfrm>
-          </p:grpSpPr>
-          <p:sp>
-            <p:nvSpPr>
-              <p:cNvPr id="17" name="正方形/長方形 16"/>
-              <p:cNvSpPr/>
-              <p:nvPr/>
-            </p:nvSpPr>
-            <p:spPr>
-              <a:xfrm>
-                <a:off x="4144683" y="3872753"/>
-                <a:ext cx="397944" cy="304800"/>
-              </a:xfrm>
-              <a:prstGeom prst="rect">
-                <a:avLst/>
-              </a:prstGeom>
-              <a:pattFill prst="pct90">
-                <a:fgClr>
-                  <a:schemeClr val="bg1">
-                    <a:lumMod val="50000"/>
-                  </a:schemeClr>
-                </a:fgClr>
-                <a:bgClr>
-                  <a:schemeClr val="bg1"/>
-                </a:bgClr>
-              </a:pattFill>
-              <a:ln>
-                <a:solidFill>
-                  <a:schemeClr val="tx1"/>
-                </a:solidFill>
-              </a:ln>
-            </p:spPr>
-            <p:style>
-              <a:lnRef idx="2">
-                <a:schemeClr val="accent1">
-                  <a:shade val="50000"/>
-                </a:schemeClr>
-              </a:lnRef>
-              <a:fillRef idx="1">
-                <a:schemeClr val="accent1"/>
-              </a:fillRef>
-              <a:effectRef idx="0">
-                <a:schemeClr val="accent1"/>
-              </a:effectRef>
-              <a:fontRef idx="minor">
-                <a:schemeClr val="lt1"/>
-              </a:fontRef>
-            </p:style>
-            <p:txBody>
-              <a:bodyPr rtlCol="0" anchor="ctr"/>
-              <a:lstStyle/>
-              <a:p>
-                <a:pPr algn="ctr"/>
-                <a:endParaRPr lang="en-US"/>
-              </a:p>
-            </p:txBody>
-          </p:sp>
-          <p:sp>
-            <p:nvSpPr>
-              <p:cNvPr id="18" name="台形 17"/>
-              <p:cNvSpPr/>
-              <p:nvPr/>
-            </p:nvSpPr>
-            <p:spPr>
-              <a:xfrm>
-                <a:off x="4153109" y="3690370"/>
-                <a:ext cx="358886" cy="183982"/>
-              </a:xfrm>
-              <a:prstGeom prst="trapezoid">
-                <a:avLst>
-                  <a:gd name="adj" fmla="val 29602"/>
-                </a:avLst>
-              </a:prstGeom>
-              <a:solidFill>
-                <a:schemeClr val="tx1"/>
-              </a:solidFill>
-              <a:ln>
-                <a:solidFill>
-                  <a:schemeClr val="tx1"/>
-                </a:solidFill>
-              </a:ln>
-            </p:spPr>
-            <p:style>
-              <a:lnRef idx="2">
-                <a:schemeClr val="accent1">
-                  <a:shade val="50000"/>
-                </a:schemeClr>
-              </a:lnRef>
-              <a:fillRef idx="1">
-                <a:schemeClr val="accent1"/>
-              </a:fillRef>
-              <a:effectRef idx="0">
-                <a:schemeClr val="accent1"/>
-              </a:effectRef>
-              <a:fontRef idx="minor">
-                <a:schemeClr val="lt1"/>
-              </a:fontRef>
-            </p:style>
-            <p:txBody>
-              <a:bodyPr rtlCol="0" anchor="ctr"/>
-              <a:lstStyle/>
-              <a:p>
-                <a:pPr algn="ctr"/>
-                <a:endParaRPr lang="en-US"/>
-              </a:p>
-            </p:txBody>
-          </p:sp>
-          <p:sp>
-            <p:nvSpPr>
-              <p:cNvPr id="19" name="正方形/長方形 18"/>
-              <p:cNvSpPr/>
-              <p:nvPr/>
-            </p:nvSpPr>
-            <p:spPr>
-              <a:xfrm>
-                <a:off x="4144683" y="3615266"/>
-                <a:ext cx="397944" cy="75503"/>
-              </a:xfrm>
-              <a:prstGeom prst="rect">
-                <a:avLst/>
-              </a:prstGeom>
-              <a:pattFill prst="pct90">
-                <a:fgClr>
-                  <a:schemeClr val="bg1">
-                    <a:lumMod val="50000"/>
-                  </a:schemeClr>
-                </a:fgClr>
-                <a:bgClr>
-                  <a:schemeClr val="bg1"/>
-                </a:bgClr>
-              </a:pattFill>
-              <a:ln>
-                <a:solidFill>
-                  <a:schemeClr val="tx1"/>
-                </a:solidFill>
-              </a:ln>
-            </p:spPr>
-            <p:style>
-              <a:lnRef idx="2">
-                <a:schemeClr val="accent1">
-                  <a:shade val="50000"/>
-                </a:schemeClr>
-              </a:lnRef>
-              <a:fillRef idx="1">
-                <a:schemeClr val="accent1"/>
-              </a:fillRef>
-              <a:effectRef idx="0">
-                <a:schemeClr val="accent1"/>
-              </a:effectRef>
-              <a:fontRef idx="minor">
-                <a:schemeClr val="lt1"/>
-              </a:fontRef>
-            </p:style>
-            <p:txBody>
-              <a:bodyPr rtlCol="0" anchor="ctr"/>
-              <a:lstStyle/>
-              <a:p>
-                <a:pPr algn="ctr"/>
-                <a:endParaRPr lang="en-US"/>
-              </a:p>
-            </p:txBody>
-          </p:sp>
-          <p:sp>
-            <p:nvSpPr>
-              <p:cNvPr id="20" name="正方形/長方形 19"/>
-              <p:cNvSpPr/>
-              <p:nvPr/>
-            </p:nvSpPr>
-            <p:spPr>
-              <a:xfrm>
-                <a:off x="4144682" y="3615266"/>
-                <a:ext cx="123255" cy="257487"/>
-              </a:xfrm>
-              <a:prstGeom prst="rect">
-                <a:avLst/>
-              </a:prstGeom>
-              <a:pattFill prst="pct90">
-                <a:fgClr>
-                  <a:schemeClr val="bg1">
-                    <a:lumMod val="50000"/>
-                  </a:schemeClr>
-                </a:fgClr>
-                <a:bgClr>
-                  <a:schemeClr val="bg1"/>
-                </a:bgClr>
-              </a:pattFill>
-              <a:ln>
-                <a:solidFill>
-                  <a:schemeClr val="tx1"/>
-                </a:solidFill>
-              </a:ln>
-            </p:spPr>
-            <p:style>
-              <a:lnRef idx="2">
-                <a:schemeClr val="accent1">
-                  <a:shade val="50000"/>
-                </a:schemeClr>
-              </a:lnRef>
-              <a:fillRef idx="1">
-                <a:schemeClr val="accent1"/>
-              </a:fillRef>
-              <a:effectRef idx="0">
-                <a:schemeClr val="accent1"/>
-              </a:effectRef>
-              <a:fontRef idx="minor">
-                <a:schemeClr val="lt1"/>
-              </a:fontRef>
-            </p:style>
-            <p:txBody>
-              <a:bodyPr rtlCol="0" anchor="ctr"/>
-              <a:lstStyle/>
-              <a:p>
-                <a:pPr algn="ctr"/>
-                <a:endParaRPr lang="en-US"/>
-              </a:p>
-            </p:txBody>
-          </p:sp>
-        </p:grpSp>
-        <p:sp>
-          <p:nvSpPr>
-            <p:cNvPr id="78" name="テキスト ボックス 77"/>
-            <p:cNvSpPr txBox="1"/>
-            <p:nvPr/>
-          </p:nvSpPr>
-          <p:spPr>
-            <a:xfrm>
-              <a:off x="4073596" y="2519089"/>
-              <a:ext cx="707245" cy="276999"/>
-            </a:xfrm>
-            <a:prstGeom prst="rect">
-              <a:avLst/>
-            </a:prstGeom>
-            <a:noFill/>
-          </p:spPr>
-          <p:txBody>
-            <a:bodyPr wrap="none" rtlCol="0">
-              <a:spAutoFit/>
-            </a:bodyPr>
-            <a:lstStyle/>
-            <a:p>
-              <a:pPr algn="ctr"/>
-              <a:r>
-                <a:rPr lang="en-US" sz="1200" dirty="0" smtClean="0">
-                  <a:latin typeface="Times New Roman" panose="02020603050405020304" pitchFamily="18" charset="0"/>
-                  <a:cs typeface="Times New Roman" panose="02020603050405020304" pitchFamily="18" charset="0"/>
-                </a:rPr>
-                <a:t>2DLidar</a:t>
-              </a:r>
-              <a:endParaRPr lang="en-US" sz="1200" dirty="0">
-                <a:latin typeface="Times New Roman" panose="02020603050405020304" pitchFamily="18" charset="0"/>
-                <a:cs typeface="Times New Roman" panose="02020603050405020304" pitchFamily="18" charset="0"/>
-              </a:endParaRPr>
-            </a:p>
-          </p:txBody>
-        </p:sp>
-      </p:grpSp>
-      <p:cxnSp>
-        <p:nvCxnSpPr>
-          <p:cNvPr id="185" name="直線コネクタ 184"/>
-          <p:cNvCxnSpPr/>
-          <p:nvPr/>
-        </p:nvCxnSpPr>
-        <p:spPr>
-          <a:xfrm>
-            <a:off x="6753489" y="3105330"/>
-            <a:ext cx="529353" cy="0"/>
-          </a:xfrm>
-          <a:prstGeom prst="line">
-            <a:avLst/>
-          </a:prstGeom>
-          <a:ln w="57150" cmpd="thinThick">
-            <a:solidFill>
-              <a:schemeClr val="tx1">
-                <a:lumMod val="65000"/>
-                <a:lumOff val="35000"/>
-              </a:schemeClr>
-            </a:solidFill>
-          </a:ln>
-        </p:spPr>
-        <p:style>
-          <a:lnRef idx="1">
-            <a:schemeClr val="accent1"/>
-          </a:lnRef>
-          <a:fillRef idx="0">
-            <a:schemeClr val="accent1"/>
-          </a:fillRef>
-          <a:effectRef idx="0">
-            <a:schemeClr val="accent1"/>
-          </a:effectRef>
-          <a:fontRef idx="minor">
-            <a:schemeClr val="tx1"/>
-          </a:fontRef>
-        </p:style>
-      </p:cxnSp>
-      <p:cxnSp>
-        <p:nvCxnSpPr>
-          <p:cNvPr id="192" name="直線コネクタ 191"/>
-          <p:cNvCxnSpPr/>
-          <p:nvPr/>
-        </p:nvCxnSpPr>
-        <p:spPr>
-          <a:xfrm>
-            <a:off x="6461917" y="3260930"/>
-            <a:ext cx="927796" cy="1"/>
-          </a:xfrm>
-          <a:prstGeom prst="line">
-            <a:avLst/>
-          </a:prstGeom>
-          <a:ln w="57150" cmpd="thinThick">
-            <a:solidFill>
-              <a:schemeClr val="tx1">
-                <a:lumMod val="65000"/>
-                <a:lumOff val="35000"/>
-              </a:schemeClr>
-            </a:solidFill>
-          </a:ln>
-        </p:spPr>
-        <p:style>
-          <a:lnRef idx="1">
-            <a:schemeClr val="accent1"/>
-          </a:lnRef>
-          <a:fillRef idx="0">
-            <a:schemeClr val="accent1"/>
-          </a:fillRef>
-          <a:effectRef idx="0">
-            <a:schemeClr val="accent1"/>
-          </a:effectRef>
-          <a:fontRef idx="minor">
-            <a:schemeClr val="tx1"/>
-          </a:fontRef>
-        </p:style>
-      </p:cxnSp>
-      <p:cxnSp>
-        <p:nvCxnSpPr>
-          <p:cNvPr id="142" name="直線コネクタ 141"/>
-          <p:cNvCxnSpPr/>
-          <p:nvPr/>
-        </p:nvCxnSpPr>
-        <p:spPr>
-          <a:xfrm flipV="1">
-            <a:off x="6607703" y="1480261"/>
-            <a:ext cx="0" cy="2359770"/>
-          </a:xfrm>
-          <a:prstGeom prst="line">
-            <a:avLst/>
-          </a:prstGeom>
-          <a:ln w="57150">
-            <a:solidFill>
-              <a:schemeClr val="tx1">
-                <a:lumMod val="50000"/>
-                <a:lumOff val="50000"/>
-              </a:schemeClr>
-            </a:solidFill>
-          </a:ln>
-        </p:spPr>
-        <p:style>
-          <a:lnRef idx="1">
-            <a:schemeClr val="accent1"/>
-          </a:lnRef>
-          <a:fillRef idx="0">
-            <a:schemeClr val="accent1"/>
-          </a:fillRef>
-          <a:effectRef idx="0">
-            <a:schemeClr val="accent1"/>
-          </a:effectRef>
-          <a:fontRef idx="minor">
-            <a:schemeClr val="tx1"/>
-          </a:fontRef>
-        </p:style>
-      </p:cxnSp>
-      <p:cxnSp>
-        <p:nvCxnSpPr>
-          <p:cNvPr id="208" name="直線コネクタ 207"/>
-          <p:cNvCxnSpPr/>
-          <p:nvPr/>
-        </p:nvCxnSpPr>
-        <p:spPr>
-          <a:xfrm flipH="1">
-            <a:off x="3388457" y="5666559"/>
-            <a:ext cx="4481738" cy="0"/>
-          </a:xfrm>
-          <a:prstGeom prst="line">
-            <a:avLst/>
-          </a:prstGeom>
-          <a:ln w="57150">
-            <a:solidFill>
-              <a:schemeClr val="tx1"/>
-            </a:solidFill>
-          </a:ln>
-        </p:spPr>
-        <p:style>
-          <a:lnRef idx="1">
-            <a:schemeClr val="accent1"/>
-          </a:lnRef>
-          <a:fillRef idx="0">
-            <a:schemeClr val="accent1"/>
-          </a:fillRef>
-          <a:effectRef idx="0">
-            <a:schemeClr val="accent1"/>
-          </a:effectRef>
-          <a:fontRef idx="minor">
-            <a:schemeClr val="tx1"/>
-          </a:fontRef>
-        </p:style>
-      </p:cxnSp>
-      <p:cxnSp>
-        <p:nvCxnSpPr>
-          <p:cNvPr id="209" name="直線コネクタ 208"/>
-          <p:cNvCxnSpPr/>
-          <p:nvPr/>
-        </p:nvCxnSpPr>
-        <p:spPr>
-          <a:xfrm flipH="1">
-            <a:off x="4902428" y="5545234"/>
-            <a:ext cx="2636576" cy="0"/>
-          </a:xfrm>
-          <a:prstGeom prst="line">
-            <a:avLst/>
-          </a:prstGeom>
-          <a:ln w="57150">
-            <a:solidFill>
-              <a:schemeClr val="tx1"/>
-            </a:solidFill>
-          </a:ln>
-        </p:spPr>
-        <p:style>
-          <a:lnRef idx="1">
-            <a:schemeClr val="accent1"/>
-          </a:lnRef>
-          <a:fillRef idx="0">
-            <a:schemeClr val="accent1"/>
-          </a:fillRef>
-          <a:effectRef idx="0">
-            <a:schemeClr val="accent1"/>
-          </a:effectRef>
-          <a:fontRef idx="minor">
-            <a:schemeClr val="tx1"/>
-          </a:fontRef>
-        </p:style>
-      </p:cxnSp>
-      <p:grpSp>
-        <p:nvGrpSpPr>
-          <p:cNvPr id="91" name="グループ化 90"/>
-          <p:cNvGrpSpPr/>
-          <p:nvPr/>
-        </p:nvGrpSpPr>
-        <p:grpSpPr>
-          <a:xfrm>
-            <a:off x="5855636" y="4370346"/>
-            <a:ext cx="1479038" cy="1471960"/>
-            <a:chOff x="9836700" y="3785091"/>
-            <a:chExt cx="1479038" cy="1471960"/>
-          </a:xfrm>
-        </p:grpSpPr>
-        <p:sp>
-          <p:nvSpPr>
-            <p:cNvPr id="66" name="台形 65"/>
-            <p:cNvSpPr/>
-            <p:nvPr/>
-          </p:nvSpPr>
-          <p:spPr>
-            <a:xfrm>
-              <a:off x="9836700" y="4817780"/>
-              <a:ext cx="1479038" cy="439271"/>
-            </a:xfrm>
-            <a:prstGeom prst="trapezoid">
-              <a:avLst>
-                <a:gd name="adj" fmla="val 27168"/>
-              </a:avLst>
-            </a:prstGeom>
-            <a:pattFill prst="pct50">
-              <a:fgClr>
-                <a:schemeClr val="tx1">
-                  <a:lumMod val="65000"/>
-                  <a:lumOff val="35000"/>
-                </a:schemeClr>
-              </a:fgClr>
-              <a:bgClr>
-                <a:schemeClr val="bg1"/>
-              </a:bgClr>
-            </a:pattFill>
-            <a:ln>
-              <a:solidFill>
-                <a:schemeClr val="tx1"/>
-              </a:solidFill>
-            </a:ln>
-          </p:spPr>
-          <p:style>
-            <a:lnRef idx="2">
-              <a:schemeClr val="accent1">
-                <a:shade val="50000"/>
-              </a:schemeClr>
-            </a:lnRef>
-            <a:fillRef idx="1">
-              <a:schemeClr val="accent1"/>
-            </a:fillRef>
-            <a:effectRef idx="0">
-              <a:schemeClr val="accent1"/>
-            </a:effectRef>
-            <a:fontRef idx="minor">
-              <a:schemeClr val="lt1"/>
-            </a:fontRef>
-          </p:style>
-          <p:txBody>
-            <a:bodyPr rtlCol="0" anchor="ctr"/>
-            <a:lstStyle/>
-            <a:p>
-              <a:pPr algn="ctr"/>
-              <a:endParaRPr lang="en-US"/>
-            </a:p>
-          </p:txBody>
-        </p:sp>
-        <p:sp>
-          <p:nvSpPr>
-            <p:cNvPr id="67" name="正方形/長方形 66"/>
-            <p:cNvSpPr/>
-            <p:nvPr/>
-          </p:nvSpPr>
-          <p:spPr>
-            <a:xfrm>
-              <a:off x="9959028" y="4136385"/>
-              <a:ext cx="1237129" cy="681395"/>
-            </a:xfrm>
-            <a:prstGeom prst="rect">
-              <a:avLst/>
-            </a:prstGeom>
-            <a:solidFill>
-              <a:schemeClr val="tx1">
-                <a:lumMod val="65000"/>
-                <a:lumOff val="35000"/>
-              </a:schemeClr>
-            </a:solidFill>
-            <a:ln>
-              <a:solidFill>
-                <a:schemeClr val="tx1"/>
-              </a:solidFill>
-            </a:ln>
-          </p:spPr>
-          <p:style>
-            <a:lnRef idx="2">
-              <a:schemeClr val="accent1">
-                <a:shade val="50000"/>
-              </a:schemeClr>
-            </a:lnRef>
-            <a:fillRef idx="1">
-              <a:schemeClr val="accent1"/>
-            </a:fillRef>
-            <a:effectRef idx="0">
-              <a:schemeClr val="accent1"/>
-            </a:effectRef>
-            <a:fontRef idx="minor">
-              <a:schemeClr val="lt1"/>
-            </a:fontRef>
-          </p:style>
-          <p:txBody>
-            <a:bodyPr rtlCol="0" anchor="ctr"/>
-            <a:lstStyle/>
-            <a:p>
-              <a:pPr algn="ctr"/>
-              <a:endParaRPr lang="en-US"/>
-            </a:p>
-          </p:txBody>
-        </p:sp>
-        <p:sp>
-          <p:nvSpPr>
-            <p:cNvPr id="73" name="テキスト ボックス 72"/>
-            <p:cNvSpPr txBox="1"/>
-            <p:nvPr/>
-          </p:nvSpPr>
-          <p:spPr>
-            <a:xfrm>
-              <a:off x="10186458" y="3785091"/>
-              <a:ext cx="801823" cy="276999"/>
-            </a:xfrm>
-            <a:prstGeom prst="rect">
-              <a:avLst/>
-            </a:prstGeom>
-            <a:noFill/>
-          </p:spPr>
-          <p:txBody>
-            <a:bodyPr wrap="none" rtlCol="0">
-              <a:spAutoFit/>
-            </a:bodyPr>
-            <a:lstStyle/>
-            <a:p>
-              <a:pPr algn="ctr"/>
-              <a:r>
-                <a:rPr lang="en-US" sz="1200" dirty="0">
-                  <a:latin typeface="Times New Roman" panose="02020603050405020304" pitchFamily="18" charset="0"/>
-                  <a:cs typeface="Times New Roman" panose="02020603050405020304" pitchFamily="18" charset="0"/>
-                </a:rPr>
-                <a:t>C</a:t>
-              </a:r>
-              <a:r>
-                <a:rPr lang="en-US" sz="1200" dirty="0" smtClean="0">
-                  <a:latin typeface="Times New Roman" panose="02020603050405020304" pitchFamily="18" charset="0"/>
-                  <a:cs typeface="Times New Roman" panose="02020603050405020304" pitchFamily="18" charset="0"/>
-                </a:rPr>
-                <a:t>omputer</a:t>
-              </a:r>
-              <a:endParaRPr lang="en-US" sz="1200" dirty="0">
-                <a:latin typeface="Times New Roman" panose="02020603050405020304" pitchFamily="18" charset="0"/>
-                <a:cs typeface="Times New Roman" panose="02020603050405020304" pitchFamily="18" charset="0"/>
-              </a:endParaRPr>
-            </a:p>
-          </p:txBody>
-        </p:sp>
-      </p:grpSp>
-      <p:sp>
-        <p:nvSpPr>
-          <p:cNvPr id="219" name="楕円 218"/>
-          <p:cNvSpPr/>
-          <p:nvPr/>
-        </p:nvSpPr>
-        <p:spPr>
-          <a:xfrm>
-            <a:off x="3701706" y="3346152"/>
-            <a:ext cx="152400" cy="152400"/>
-          </a:xfrm>
-          <a:prstGeom prst="ellipse">
-            <a:avLst/>
-          </a:prstGeom>
-          <a:solidFill>
-            <a:schemeClr val="bg1">
-              <a:lumMod val="50000"/>
-            </a:schemeClr>
-          </a:solidFill>
-          <a:ln>
-            <a:noFill/>
-          </a:ln>
-        </p:spPr>
-        <p:style>
-          <a:lnRef idx="2">
-            <a:schemeClr val="accent1">
-              <a:shade val="50000"/>
-            </a:schemeClr>
-          </a:lnRef>
-          <a:fillRef idx="1">
-            <a:schemeClr val="accent1"/>
-          </a:fillRef>
-          <a:effectRef idx="0">
-            <a:schemeClr val="accent1"/>
-          </a:effectRef>
-          <a:fontRef idx="minor">
-            <a:schemeClr val="lt1"/>
-          </a:fontRef>
-        </p:style>
-        <p:txBody>
-          <a:bodyPr rtlCol="0" anchor="ctr"/>
-          <a:lstStyle/>
-          <a:p>
-            <a:pPr algn="ctr"/>
-            <a:endParaRPr lang="en-US"/>
-          </a:p>
-        </p:txBody>
-      </p:sp>
-      <p:sp>
-        <p:nvSpPr>
-          <p:cNvPr id="220" name="楕円 219"/>
-          <p:cNvSpPr/>
-          <p:nvPr/>
-        </p:nvSpPr>
-        <p:spPr>
-          <a:xfrm>
-            <a:off x="3056093" y="3761838"/>
-            <a:ext cx="152400" cy="152400"/>
-          </a:xfrm>
-          <a:prstGeom prst="ellipse">
-            <a:avLst/>
-          </a:prstGeom>
-          <a:solidFill>
-            <a:schemeClr val="bg1">
-              <a:lumMod val="50000"/>
-            </a:schemeClr>
-          </a:solidFill>
-          <a:ln>
-            <a:noFill/>
-          </a:ln>
-        </p:spPr>
-        <p:style>
-          <a:lnRef idx="2">
-            <a:schemeClr val="accent1">
-              <a:shade val="50000"/>
-            </a:schemeClr>
-          </a:lnRef>
-          <a:fillRef idx="1">
-            <a:schemeClr val="accent1"/>
-          </a:fillRef>
-          <a:effectRef idx="0">
-            <a:schemeClr val="accent1"/>
-          </a:effectRef>
-          <a:fontRef idx="minor">
-            <a:schemeClr val="lt1"/>
-          </a:fontRef>
-        </p:style>
-        <p:txBody>
-          <a:bodyPr rtlCol="0" anchor="ctr"/>
-          <a:lstStyle/>
-          <a:p>
-            <a:pPr algn="ctr"/>
-            <a:endParaRPr lang="en-US"/>
-          </a:p>
-        </p:txBody>
-      </p:sp>
-      <p:grpSp>
-        <p:nvGrpSpPr>
-          <p:cNvPr id="227" name="グループ化 226"/>
-          <p:cNvGrpSpPr/>
-          <p:nvPr/>
-        </p:nvGrpSpPr>
-        <p:grpSpPr>
-          <a:xfrm>
-            <a:off x="6528663" y="6021100"/>
-            <a:ext cx="2211264" cy="746429"/>
-            <a:chOff x="1806585" y="6064156"/>
-            <a:chExt cx="2211264" cy="746429"/>
-          </a:xfrm>
-        </p:grpSpPr>
-        <p:cxnSp>
-          <p:nvCxnSpPr>
-            <p:cNvPr id="221" name="直線コネクタ 220"/>
-            <p:cNvCxnSpPr/>
-            <p:nvPr/>
-          </p:nvCxnSpPr>
-          <p:spPr>
-            <a:xfrm flipH="1">
-              <a:off x="1815799" y="6207141"/>
-              <a:ext cx="640080" cy="0"/>
-            </a:xfrm>
-            <a:prstGeom prst="line">
-              <a:avLst/>
-            </a:prstGeom>
-            <a:ln w="57150">
-              <a:solidFill>
-                <a:schemeClr val="tx1">
-                  <a:lumMod val="50000"/>
-                  <a:lumOff val="50000"/>
-                </a:schemeClr>
-              </a:solidFill>
-            </a:ln>
-          </p:spPr>
-          <p:style>
-            <a:lnRef idx="1">
-              <a:schemeClr val="accent1"/>
-            </a:lnRef>
-            <a:fillRef idx="0">
-              <a:schemeClr val="accent1"/>
-            </a:fillRef>
-            <a:effectRef idx="0">
-              <a:schemeClr val="accent1"/>
-            </a:effectRef>
-            <a:fontRef idx="minor">
-              <a:schemeClr val="tx1"/>
-            </a:fontRef>
-          </p:style>
-        </p:cxnSp>
-        <p:cxnSp>
-          <p:nvCxnSpPr>
-            <p:cNvPr id="222" name="直線コネクタ 221"/>
-            <p:cNvCxnSpPr/>
-            <p:nvPr/>
-          </p:nvCxnSpPr>
-          <p:spPr>
-            <a:xfrm>
-              <a:off x="1813643" y="6439920"/>
-              <a:ext cx="640080" cy="0"/>
-            </a:xfrm>
-            <a:prstGeom prst="line">
-              <a:avLst/>
-            </a:prstGeom>
-            <a:ln w="57150" cmpd="thinThick">
-              <a:solidFill>
-                <a:schemeClr val="tx1">
-                  <a:lumMod val="65000"/>
-                  <a:lumOff val="35000"/>
-                </a:schemeClr>
-              </a:solidFill>
-            </a:ln>
-          </p:spPr>
-          <p:style>
-            <a:lnRef idx="1">
-              <a:schemeClr val="accent1"/>
-            </a:lnRef>
-            <a:fillRef idx="0">
-              <a:schemeClr val="accent1"/>
-            </a:fillRef>
-            <a:effectRef idx="0">
-              <a:schemeClr val="accent1"/>
-            </a:effectRef>
-            <a:fontRef idx="minor">
-              <a:schemeClr val="tx1"/>
-            </a:fontRef>
-          </p:style>
-        </p:cxnSp>
-        <p:cxnSp>
-          <p:nvCxnSpPr>
-            <p:cNvPr id="223" name="直線コネクタ 222"/>
-            <p:cNvCxnSpPr/>
-            <p:nvPr/>
-          </p:nvCxnSpPr>
-          <p:spPr>
-            <a:xfrm flipH="1" flipV="1">
-              <a:off x="1806585" y="6672698"/>
-              <a:ext cx="640080" cy="1"/>
-            </a:xfrm>
-            <a:prstGeom prst="line">
-              <a:avLst/>
-            </a:prstGeom>
-            <a:ln w="57150">
-              <a:solidFill>
-                <a:schemeClr val="tx1"/>
-              </a:solidFill>
-            </a:ln>
-          </p:spPr>
-          <p:style>
-            <a:lnRef idx="1">
-              <a:schemeClr val="accent1"/>
-            </a:lnRef>
-            <a:fillRef idx="0">
-              <a:schemeClr val="accent1"/>
-            </a:fillRef>
-            <a:effectRef idx="0">
-              <a:schemeClr val="accent1"/>
-            </a:effectRef>
-            <a:fontRef idx="minor">
-              <a:schemeClr val="tx1"/>
-            </a:fontRef>
-          </p:style>
-        </p:cxnSp>
-        <p:sp>
-          <p:nvSpPr>
-            <p:cNvPr id="224" name="テキスト ボックス 223"/>
-            <p:cNvSpPr txBox="1"/>
-            <p:nvPr/>
-          </p:nvSpPr>
-          <p:spPr>
-            <a:xfrm>
-              <a:off x="2523722" y="6064156"/>
-              <a:ext cx="1494127" cy="276999"/>
-            </a:xfrm>
-            <a:prstGeom prst="rect">
-              <a:avLst/>
-            </a:prstGeom>
-            <a:noFill/>
-          </p:spPr>
-          <p:txBody>
-            <a:bodyPr wrap="none" rtlCol="0">
-              <a:spAutoFit/>
-            </a:bodyPr>
-            <a:lstStyle/>
-            <a:p>
-              <a:r>
-                <a:rPr lang="en-US" sz="1200" dirty="0" smtClean="0">
-                  <a:latin typeface="Times New Roman" panose="02020603050405020304" pitchFamily="18" charset="0"/>
-                  <a:cs typeface="Times New Roman" panose="02020603050405020304" pitchFamily="18" charset="0"/>
-                </a:rPr>
-                <a:t>Batteries’ supply line</a:t>
-              </a:r>
-              <a:endParaRPr lang="en-US" sz="1200" dirty="0">
-                <a:latin typeface="Times New Roman" panose="02020603050405020304" pitchFamily="18" charset="0"/>
-                <a:cs typeface="Times New Roman" panose="02020603050405020304" pitchFamily="18" charset="0"/>
-              </a:endParaRPr>
-            </a:p>
-          </p:txBody>
-        </p:sp>
-        <p:sp>
-          <p:nvSpPr>
-            <p:cNvPr id="225" name="テキスト ボックス 224"/>
-            <p:cNvSpPr txBox="1"/>
-            <p:nvPr/>
-          </p:nvSpPr>
-          <p:spPr>
-            <a:xfrm>
-              <a:off x="2523722" y="6296768"/>
-              <a:ext cx="1426994" cy="276999"/>
-            </a:xfrm>
-            <a:prstGeom prst="rect">
-              <a:avLst/>
-            </a:prstGeom>
-            <a:noFill/>
-          </p:spPr>
-          <p:txBody>
-            <a:bodyPr wrap="none" rtlCol="0">
-              <a:spAutoFit/>
-            </a:bodyPr>
-            <a:lstStyle/>
-            <a:p>
-              <a:r>
-                <a:rPr lang="en-US" sz="1200" dirty="0" smtClean="0">
-                  <a:latin typeface="Times New Roman" panose="02020603050405020304" pitchFamily="18" charset="0"/>
-                  <a:cs typeface="Times New Roman" panose="02020603050405020304" pitchFamily="18" charset="0"/>
-                </a:rPr>
-                <a:t>Roomba supply line</a:t>
-              </a:r>
-              <a:endParaRPr lang="en-US" sz="1200" dirty="0">
-                <a:latin typeface="Times New Roman" panose="02020603050405020304" pitchFamily="18" charset="0"/>
-                <a:cs typeface="Times New Roman" panose="02020603050405020304" pitchFamily="18" charset="0"/>
-              </a:endParaRPr>
-            </a:p>
-          </p:txBody>
-        </p:sp>
-        <p:sp>
-          <p:nvSpPr>
-            <p:cNvPr id="226" name="テキスト ボックス 225"/>
-            <p:cNvSpPr txBox="1"/>
-            <p:nvPr/>
-          </p:nvSpPr>
-          <p:spPr>
-            <a:xfrm>
-              <a:off x="2523722" y="6533586"/>
-              <a:ext cx="849913" cy="276999"/>
-            </a:xfrm>
-            <a:prstGeom prst="rect">
-              <a:avLst/>
-            </a:prstGeom>
-            <a:noFill/>
-          </p:spPr>
-          <p:txBody>
-            <a:bodyPr wrap="none" rtlCol="0">
-              <a:spAutoFit/>
-            </a:bodyPr>
-            <a:lstStyle/>
-            <a:p>
-              <a:r>
-                <a:rPr lang="en-US" sz="1200" dirty="0" smtClean="0">
-                  <a:latin typeface="Times New Roman" panose="02020603050405020304" pitchFamily="18" charset="0"/>
-                  <a:cs typeface="Times New Roman" panose="02020603050405020304" pitchFamily="18" charset="0"/>
-                </a:rPr>
-                <a:t>Signal line</a:t>
-              </a:r>
-              <a:endParaRPr lang="en-US" sz="1200" dirty="0">
-                <a:latin typeface="Times New Roman" panose="02020603050405020304" pitchFamily="18" charset="0"/>
-                <a:cs typeface="Times New Roman" panose="02020603050405020304" pitchFamily="18" charset="0"/>
-              </a:endParaRPr>
-            </a:p>
-          </p:txBody>
-        </p:sp>
-      </p:grpSp>
-    </p:spTree>
-    <p:extLst>
-      <p:ext uri="{BB962C8B-B14F-4D97-AF65-F5344CB8AC3E}">
-        <p14:creationId xmlns:p14="http://schemas.microsoft.com/office/powerpoint/2010/main" val="1837704083"/>
-      </p:ext>
-    </p:extLst>
-  </p:cSld>
-  <p:clrMapOvr>
-    <a:masterClrMapping/>
-  </p:clrMapOvr>
-</p:sld>
-</file>
-
-<file path=ppt/slides/slide3.xml><?xml version="1.0" encoding="utf-8"?>
 <p:sld xmlns:a="http://schemas.openxmlformats.org/drawingml/2006/main" xmlns:r="http://schemas.openxmlformats.org/officeDocument/2006/relationships" xmlns:p="http://schemas.openxmlformats.org/presentationml/2006/main">
   <p:cSld>
     <p:spTree>
@@ -12846,6 +9553,3299 @@
 </p:sld>
 </file>
 
+<file path=ppt/slides/slide3.xml><?xml version="1.0" encoding="utf-8"?>
+<p:sld xmlns:a="http://schemas.openxmlformats.org/drawingml/2006/main" xmlns:r="http://schemas.openxmlformats.org/officeDocument/2006/relationships" xmlns:p="http://schemas.openxmlformats.org/presentationml/2006/main">
+  <p:cSld>
+    <p:spTree>
+      <p:nvGrpSpPr>
+        <p:cNvPr id="1" name=""/>
+        <p:cNvGrpSpPr/>
+        <p:nvPr/>
+      </p:nvGrpSpPr>
+      <p:grpSpPr>
+        <a:xfrm>
+          <a:off x="0" y="0"/>
+          <a:ext cx="0" cy="0"/>
+          <a:chOff x="0" y="0"/>
+          <a:chExt cx="0" cy="0"/>
+        </a:xfrm>
+      </p:grpSpPr>
+      <p:cxnSp>
+        <p:nvCxnSpPr>
+          <p:cNvPr id="197" name="直線コネクタ 196"/>
+          <p:cNvCxnSpPr/>
+          <p:nvPr/>
+        </p:nvCxnSpPr>
+        <p:spPr>
+          <a:xfrm flipV="1">
+            <a:off x="7870195" y="4061930"/>
+            <a:ext cx="0" cy="1604628"/>
+          </a:xfrm>
+          <a:prstGeom prst="line">
+            <a:avLst/>
+          </a:prstGeom>
+          <a:ln w="57150">
+            <a:solidFill>
+              <a:schemeClr val="tx1"/>
+            </a:solidFill>
+          </a:ln>
+        </p:spPr>
+        <p:style>
+          <a:lnRef idx="1">
+            <a:schemeClr val="accent1"/>
+          </a:lnRef>
+          <a:fillRef idx="0">
+            <a:schemeClr val="accent1"/>
+          </a:fillRef>
+          <a:effectRef idx="0">
+            <a:schemeClr val="accent1"/>
+          </a:effectRef>
+          <a:fontRef idx="minor">
+            <a:schemeClr val="tx1"/>
+          </a:fontRef>
+        </p:style>
+      </p:cxnSp>
+      <p:cxnSp>
+        <p:nvCxnSpPr>
+          <p:cNvPr id="181" name="直線コネクタ 180"/>
+          <p:cNvCxnSpPr/>
+          <p:nvPr/>
+        </p:nvCxnSpPr>
+        <p:spPr>
+          <a:xfrm flipV="1">
+            <a:off x="7539004" y="2896355"/>
+            <a:ext cx="0" cy="2648878"/>
+          </a:xfrm>
+          <a:prstGeom prst="line">
+            <a:avLst/>
+          </a:prstGeom>
+          <a:ln w="57150">
+            <a:solidFill>
+              <a:schemeClr val="tx1"/>
+            </a:solidFill>
+          </a:ln>
+        </p:spPr>
+        <p:style>
+          <a:lnRef idx="1">
+            <a:schemeClr val="accent1"/>
+          </a:lnRef>
+          <a:fillRef idx="0">
+            <a:schemeClr val="accent1"/>
+          </a:fillRef>
+          <a:effectRef idx="0">
+            <a:schemeClr val="accent1"/>
+          </a:effectRef>
+          <a:fontRef idx="minor">
+            <a:schemeClr val="tx1"/>
+          </a:fontRef>
+        </p:style>
+      </p:cxnSp>
+      <p:cxnSp>
+        <p:nvCxnSpPr>
+          <p:cNvPr id="182" name="直線コネクタ 181"/>
+          <p:cNvCxnSpPr/>
+          <p:nvPr/>
+        </p:nvCxnSpPr>
+        <p:spPr>
+          <a:xfrm flipV="1">
+            <a:off x="7391675" y="2911355"/>
+            <a:ext cx="0" cy="352413"/>
+          </a:xfrm>
+          <a:prstGeom prst="line">
+            <a:avLst/>
+          </a:prstGeom>
+          <a:ln w="57150" cmpd="thinThick">
+            <a:solidFill>
+              <a:schemeClr val="tx1">
+                <a:lumMod val="65000"/>
+                <a:lumOff val="35000"/>
+              </a:schemeClr>
+            </a:solidFill>
+          </a:ln>
+        </p:spPr>
+        <p:style>
+          <a:lnRef idx="1">
+            <a:schemeClr val="accent1"/>
+          </a:lnRef>
+          <a:fillRef idx="0">
+            <a:schemeClr val="accent1"/>
+          </a:fillRef>
+          <a:effectRef idx="0">
+            <a:schemeClr val="accent1"/>
+          </a:effectRef>
+          <a:fontRef idx="minor">
+            <a:schemeClr val="tx1"/>
+          </a:fontRef>
+        </p:style>
+      </p:cxnSp>
+      <p:cxnSp>
+        <p:nvCxnSpPr>
+          <p:cNvPr id="183" name="直線コネクタ 182"/>
+          <p:cNvCxnSpPr/>
+          <p:nvPr/>
+        </p:nvCxnSpPr>
+        <p:spPr>
+          <a:xfrm flipV="1">
+            <a:off x="7282842" y="2911356"/>
+            <a:ext cx="0" cy="199651"/>
+          </a:xfrm>
+          <a:prstGeom prst="line">
+            <a:avLst/>
+          </a:prstGeom>
+          <a:ln w="57150" cmpd="thinThick">
+            <a:solidFill>
+              <a:schemeClr val="tx1">
+                <a:lumMod val="65000"/>
+                <a:lumOff val="35000"/>
+              </a:schemeClr>
+            </a:solidFill>
+          </a:ln>
+        </p:spPr>
+        <p:style>
+          <a:lnRef idx="1">
+            <a:schemeClr val="accent1"/>
+          </a:lnRef>
+          <a:fillRef idx="0">
+            <a:schemeClr val="accent1"/>
+          </a:fillRef>
+          <a:effectRef idx="0">
+            <a:schemeClr val="accent1"/>
+          </a:effectRef>
+          <a:fontRef idx="minor">
+            <a:schemeClr val="tx1"/>
+          </a:fontRef>
+        </p:style>
+      </p:cxnSp>
+      <p:cxnSp>
+        <p:nvCxnSpPr>
+          <p:cNvPr id="177" name="直線コネクタ 176"/>
+          <p:cNvCxnSpPr/>
+          <p:nvPr/>
+        </p:nvCxnSpPr>
+        <p:spPr>
+          <a:xfrm flipV="1">
+            <a:off x="3388455" y="3197674"/>
+            <a:ext cx="0" cy="2468884"/>
+          </a:xfrm>
+          <a:prstGeom prst="line">
+            <a:avLst/>
+          </a:prstGeom>
+          <a:ln w="57150">
+            <a:solidFill>
+              <a:schemeClr val="tx1"/>
+            </a:solidFill>
+          </a:ln>
+        </p:spPr>
+        <p:style>
+          <a:lnRef idx="1">
+            <a:schemeClr val="accent1"/>
+          </a:lnRef>
+          <a:fillRef idx="0">
+            <a:schemeClr val="accent1"/>
+          </a:fillRef>
+          <a:effectRef idx="0">
+            <a:schemeClr val="accent1"/>
+          </a:effectRef>
+          <a:fontRef idx="minor">
+            <a:schemeClr val="tx1"/>
+          </a:fontRef>
+        </p:style>
+      </p:cxnSp>
+      <p:grpSp>
+        <p:nvGrpSpPr>
+          <p:cNvPr id="92" name="グループ化 91"/>
+          <p:cNvGrpSpPr/>
+          <p:nvPr/>
+        </p:nvGrpSpPr>
+        <p:grpSpPr>
+          <a:xfrm>
+            <a:off x="2229558" y="3422351"/>
+            <a:ext cx="450764" cy="496734"/>
+            <a:chOff x="1326777" y="651127"/>
+            <a:chExt cx="450764" cy="496734"/>
+          </a:xfrm>
+        </p:grpSpPr>
+        <p:sp>
+          <p:nvSpPr>
+            <p:cNvPr id="2" name="テキスト ボックス 1"/>
+            <p:cNvSpPr txBox="1"/>
+            <p:nvPr/>
+          </p:nvSpPr>
+          <p:spPr>
+            <a:xfrm>
+              <a:off x="1326777" y="651127"/>
+              <a:ext cx="450764" cy="261610"/>
+            </a:xfrm>
+            <a:prstGeom prst="rect">
+              <a:avLst/>
+            </a:prstGeom>
+            <a:noFill/>
+          </p:spPr>
+          <p:txBody>
+            <a:bodyPr wrap="none" rtlCol="0">
+              <a:spAutoFit/>
+            </a:bodyPr>
+            <a:lstStyle/>
+            <a:p>
+              <a:r>
+                <a:rPr lang="en-US" sz="1100" dirty="0" smtClean="0">
+                  <a:latin typeface="Times New Roman" panose="02020603050405020304" pitchFamily="18" charset="0"/>
+                  <a:cs typeface="Times New Roman" panose="02020603050405020304" pitchFamily="18" charset="0"/>
+                </a:rPr>
+                <a:t>Fuse</a:t>
+              </a:r>
+              <a:endParaRPr lang="en-US" sz="1100" dirty="0">
+                <a:latin typeface="Times New Roman" panose="02020603050405020304" pitchFamily="18" charset="0"/>
+                <a:cs typeface="Times New Roman" panose="02020603050405020304" pitchFamily="18" charset="0"/>
+              </a:endParaRPr>
+            </a:p>
+          </p:txBody>
+        </p:sp>
+        <p:sp>
+          <p:nvSpPr>
+            <p:cNvPr id="15" name="正方形/長方形 14"/>
+            <p:cNvSpPr/>
+            <p:nvPr/>
+          </p:nvSpPr>
+          <p:spPr>
+            <a:xfrm>
+              <a:off x="1332524" y="995461"/>
+              <a:ext cx="439270" cy="152400"/>
+            </a:xfrm>
+            <a:prstGeom prst="rect">
+              <a:avLst/>
+            </a:prstGeom>
+            <a:pattFill prst="pct10">
+              <a:fgClr>
+                <a:schemeClr val="bg1">
+                  <a:lumMod val="50000"/>
+                </a:schemeClr>
+              </a:fgClr>
+              <a:bgClr>
+                <a:schemeClr val="bg1"/>
+              </a:bgClr>
+            </a:pattFill>
+            <a:ln>
+              <a:solidFill>
+                <a:schemeClr val="tx1"/>
+              </a:solidFill>
+            </a:ln>
+          </p:spPr>
+          <p:style>
+            <a:lnRef idx="2">
+              <a:schemeClr val="accent1">
+                <a:shade val="50000"/>
+              </a:schemeClr>
+            </a:lnRef>
+            <a:fillRef idx="1">
+              <a:schemeClr val="accent1"/>
+            </a:fillRef>
+            <a:effectRef idx="0">
+              <a:schemeClr val="accent1"/>
+            </a:effectRef>
+            <a:fontRef idx="minor">
+              <a:schemeClr val="lt1"/>
+            </a:fontRef>
+          </p:style>
+          <p:txBody>
+            <a:bodyPr rtlCol="0" anchor="ctr"/>
+            <a:lstStyle/>
+            <a:p>
+              <a:pPr algn="ctr"/>
+              <a:endParaRPr lang="en-US"/>
+            </a:p>
+          </p:txBody>
+        </p:sp>
+      </p:grpSp>
+      <p:grpSp>
+        <p:nvGrpSpPr>
+          <p:cNvPr id="86" name="グループ化 85"/>
+          <p:cNvGrpSpPr/>
+          <p:nvPr/>
+        </p:nvGrpSpPr>
+        <p:grpSpPr>
+          <a:xfrm>
+            <a:off x="7179170" y="2087219"/>
+            <a:ext cx="1102328" cy="954464"/>
+            <a:chOff x="8638635" y="988730"/>
+            <a:chExt cx="1102328" cy="954464"/>
+          </a:xfrm>
+        </p:grpSpPr>
+        <p:grpSp>
+          <p:nvGrpSpPr>
+            <p:cNvPr id="55" name="グループ化 54"/>
+            <p:cNvGrpSpPr/>
+            <p:nvPr/>
+          </p:nvGrpSpPr>
+          <p:grpSpPr>
+            <a:xfrm>
+              <a:off x="8638635" y="1361777"/>
+              <a:ext cx="1102328" cy="581417"/>
+              <a:chOff x="7573876" y="2014530"/>
+              <a:chExt cx="1102328" cy="581417"/>
+            </a:xfrm>
+            <a:pattFill prst="pct75">
+              <a:fgClr>
+                <a:schemeClr val="bg1">
+                  <a:lumMod val="50000"/>
+                </a:schemeClr>
+              </a:fgClr>
+              <a:bgClr>
+                <a:schemeClr val="bg1"/>
+              </a:bgClr>
+            </a:pattFill>
+          </p:grpSpPr>
+          <p:sp>
+            <p:nvSpPr>
+              <p:cNvPr id="56" name="楕円 55"/>
+              <p:cNvSpPr/>
+              <p:nvPr/>
+            </p:nvSpPr>
+            <p:spPr>
+              <a:xfrm>
+                <a:off x="7573876" y="2208504"/>
+                <a:ext cx="1102328" cy="387443"/>
+              </a:xfrm>
+              <a:prstGeom prst="ellipse">
+                <a:avLst/>
+              </a:prstGeom>
+              <a:grpFill/>
+              <a:ln>
+                <a:solidFill>
+                  <a:schemeClr val="tx1"/>
+                </a:solidFill>
+              </a:ln>
+            </p:spPr>
+            <p:style>
+              <a:lnRef idx="2">
+                <a:schemeClr val="accent1">
+                  <a:shade val="50000"/>
+                </a:schemeClr>
+              </a:lnRef>
+              <a:fillRef idx="1">
+                <a:schemeClr val="accent1"/>
+              </a:fillRef>
+              <a:effectRef idx="0">
+                <a:schemeClr val="accent1"/>
+              </a:effectRef>
+              <a:fontRef idx="minor">
+                <a:schemeClr val="lt1"/>
+              </a:fontRef>
+            </p:style>
+            <p:txBody>
+              <a:bodyPr rtlCol="0" anchor="ctr"/>
+              <a:lstStyle/>
+              <a:p>
+                <a:pPr algn="ctr"/>
+                <a:endParaRPr lang="en-US"/>
+              </a:p>
+            </p:txBody>
+          </p:sp>
+          <p:sp>
+            <p:nvSpPr>
+              <p:cNvPr id="57" name="台形 56"/>
+              <p:cNvSpPr/>
+              <p:nvPr/>
+            </p:nvSpPr>
+            <p:spPr>
+              <a:xfrm>
+                <a:off x="7573876" y="2206625"/>
+                <a:ext cx="1100654" cy="195348"/>
+              </a:xfrm>
+              <a:prstGeom prst="trapezoid">
+                <a:avLst>
+                  <a:gd name="adj" fmla="val 12246"/>
+                </a:avLst>
+              </a:prstGeom>
+              <a:grpFill/>
+              <a:ln>
+                <a:noFill/>
+              </a:ln>
+            </p:spPr>
+            <p:style>
+              <a:lnRef idx="2">
+                <a:schemeClr val="accent1">
+                  <a:shade val="50000"/>
+                </a:schemeClr>
+              </a:lnRef>
+              <a:fillRef idx="1">
+                <a:schemeClr val="accent1"/>
+              </a:fillRef>
+              <a:effectRef idx="0">
+                <a:schemeClr val="accent1"/>
+              </a:effectRef>
+              <a:fontRef idx="minor">
+                <a:schemeClr val="lt1"/>
+              </a:fontRef>
+            </p:style>
+            <p:txBody>
+              <a:bodyPr rtlCol="0" anchor="ctr"/>
+              <a:lstStyle/>
+              <a:p>
+                <a:pPr algn="ctr"/>
+                <a:endParaRPr lang="en-US"/>
+              </a:p>
+            </p:txBody>
+          </p:sp>
+          <p:sp>
+            <p:nvSpPr>
+              <p:cNvPr id="58" name="楕円 57"/>
+              <p:cNvSpPr/>
+              <p:nvPr/>
+            </p:nvSpPr>
+            <p:spPr>
+              <a:xfrm>
+                <a:off x="7597990" y="2014530"/>
+                <a:ext cx="1054100" cy="387443"/>
+              </a:xfrm>
+              <a:prstGeom prst="ellipse">
+                <a:avLst/>
+              </a:prstGeom>
+              <a:grpFill/>
+              <a:ln>
+                <a:solidFill>
+                  <a:schemeClr val="tx1"/>
+                </a:solidFill>
+              </a:ln>
+            </p:spPr>
+            <p:style>
+              <a:lnRef idx="2">
+                <a:schemeClr val="accent1">
+                  <a:shade val="50000"/>
+                </a:schemeClr>
+              </a:lnRef>
+              <a:fillRef idx="1">
+                <a:schemeClr val="accent1"/>
+              </a:fillRef>
+              <a:effectRef idx="0">
+                <a:schemeClr val="accent1"/>
+              </a:effectRef>
+              <a:fontRef idx="minor">
+                <a:schemeClr val="lt1"/>
+              </a:fontRef>
+            </p:style>
+            <p:txBody>
+              <a:bodyPr rtlCol="0" anchor="ctr"/>
+              <a:lstStyle/>
+              <a:p>
+                <a:pPr algn="ctr"/>
+                <a:endParaRPr lang="en-US"/>
+              </a:p>
+            </p:txBody>
+          </p:sp>
+        </p:grpSp>
+        <p:sp>
+          <p:nvSpPr>
+            <p:cNvPr id="75" name="テキスト ボックス 74"/>
+            <p:cNvSpPr txBox="1"/>
+            <p:nvPr/>
+          </p:nvSpPr>
+          <p:spPr>
+            <a:xfrm>
+              <a:off x="8794139" y="988730"/>
+              <a:ext cx="707245" cy="276999"/>
+            </a:xfrm>
+            <a:prstGeom prst="rect">
+              <a:avLst/>
+            </a:prstGeom>
+            <a:noFill/>
+          </p:spPr>
+          <p:txBody>
+            <a:bodyPr wrap="none" rtlCol="0">
+              <a:spAutoFit/>
+            </a:bodyPr>
+            <a:lstStyle/>
+            <a:p>
+              <a:pPr algn="ctr"/>
+              <a:r>
+                <a:rPr lang="en-US" sz="1200" dirty="0" smtClean="0">
+                  <a:latin typeface="Times New Roman" panose="02020603050405020304" pitchFamily="18" charset="0"/>
+                  <a:cs typeface="Times New Roman" panose="02020603050405020304" pitchFamily="18" charset="0"/>
+                </a:rPr>
+                <a:t>Roomba</a:t>
+              </a:r>
+              <a:endParaRPr lang="en-US" dirty="0">
+                <a:latin typeface="Times New Roman" panose="02020603050405020304" pitchFamily="18" charset="0"/>
+                <a:cs typeface="Times New Roman" panose="02020603050405020304" pitchFamily="18" charset="0"/>
+              </a:endParaRPr>
+            </a:p>
+          </p:txBody>
+        </p:sp>
+      </p:grpSp>
+      <p:grpSp>
+        <p:nvGrpSpPr>
+          <p:cNvPr id="90" name="グループ化 89"/>
+          <p:cNvGrpSpPr/>
+          <p:nvPr/>
+        </p:nvGrpSpPr>
+        <p:grpSpPr>
+          <a:xfrm>
+            <a:off x="7659182" y="3551574"/>
+            <a:ext cx="1080745" cy="660174"/>
+            <a:chOff x="9363302" y="2832658"/>
+            <a:chExt cx="1080745" cy="660174"/>
+          </a:xfrm>
+        </p:grpSpPr>
+        <p:grpSp>
+          <p:nvGrpSpPr>
+            <p:cNvPr id="68" name="グループ化 67"/>
+            <p:cNvGrpSpPr/>
+            <p:nvPr/>
+          </p:nvGrpSpPr>
+          <p:grpSpPr>
+            <a:xfrm rot="10800000">
+              <a:off x="9466706" y="3194219"/>
+              <a:ext cx="977341" cy="298613"/>
+              <a:chOff x="7772351" y="3354356"/>
+              <a:chExt cx="977341" cy="298613"/>
+            </a:xfrm>
+          </p:grpSpPr>
+          <p:sp>
+            <p:nvSpPr>
+              <p:cNvPr id="69" name="台形 68"/>
+              <p:cNvSpPr/>
+              <p:nvPr/>
+            </p:nvSpPr>
+            <p:spPr>
+              <a:xfrm rot="5400000">
+                <a:off x="8506586" y="3396565"/>
+                <a:ext cx="270994" cy="215219"/>
+              </a:xfrm>
+              <a:prstGeom prst="trapezoid">
+                <a:avLst/>
+              </a:prstGeom>
+              <a:solidFill>
+                <a:schemeClr val="tx1">
+                  <a:lumMod val="50000"/>
+                  <a:lumOff val="50000"/>
+                </a:schemeClr>
+              </a:solidFill>
+              <a:ln>
+                <a:solidFill>
+                  <a:schemeClr val="tx1"/>
+                </a:solidFill>
+              </a:ln>
+            </p:spPr>
+            <p:style>
+              <a:lnRef idx="2">
+                <a:schemeClr val="accent1">
+                  <a:shade val="50000"/>
+                </a:schemeClr>
+              </a:lnRef>
+              <a:fillRef idx="1">
+                <a:schemeClr val="accent1"/>
+              </a:fillRef>
+              <a:effectRef idx="0">
+                <a:schemeClr val="accent1"/>
+              </a:effectRef>
+              <a:fontRef idx="minor">
+                <a:schemeClr val="lt1"/>
+              </a:fontRef>
+            </p:style>
+            <p:txBody>
+              <a:bodyPr rtlCol="0" anchor="ctr"/>
+              <a:lstStyle/>
+              <a:p>
+                <a:pPr algn="ctr"/>
+                <a:endParaRPr lang="en-US"/>
+              </a:p>
+            </p:txBody>
+          </p:sp>
+          <p:sp>
+            <p:nvSpPr>
+              <p:cNvPr id="70" name="角丸四角形 69"/>
+              <p:cNvSpPr/>
+              <p:nvPr/>
+            </p:nvSpPr>
+            <p:spPr>
+              <a:xfrm>
+                <a:off x="7772351" y="3354356"/>
+                <a:ext cx="847024" cy="298613"/>
+              </a:xfrm>
+              <a:prstGeom prst="roundRect">
+                <a:avLst>
+                  <a:gd name="adj" fmla="val 50000"/>
+                </a:avLst>
+              </a:prstGeom>
+              <a:solidFill>
+                <a:schemeClr val="tx1">
+                  <a:lumMod val="75000"/>
+                  <a:lumOff val="25000"/>
+                </a:schemeClr>
+              </a:solidFill>
+              <a:ln>
+                <a:solidFill>
+                  <a:schemeClr val="tx1"/>
+                </a:solidFill>
+              </a:ln>
+            </p:spPr>
+            <p:style>
+              <a:lnRef idx="2">
+                <a:schemeClr val="accent1">
+                  <a:shade val="50000"/>
+                </a:schemeClr>
+              </a:lnRef>
+              <a:fillRef idx="1">
+                <a:schemeClr val="accent1"/>
+              </a:fillRef>
+              <a:effectRef idx="0">
+                <a:schemeClr val="accent1"/>
+              </a:effectRef>
+              <a:fontRef idx="minor">
+                <a:schemeClr val="lt1"/>
+              </a:fontRef>
+            </p:style>
+            <p:txBody>
+              <a:bodyPr rtlCol="0" anchor="ctr"/>
+              <a:lstStyle/>
+              <a:p>
+                <a:pPr algn="ctr"/>
+                <a:endParaRPr lang="en-US"/>
+              </a:p>
+            </p:txBody>
+          </p:sp>
+        </p:grpSp>
+        <p:sp>
+          <p:nvSpPr>
+            <p:cNvPr id="76" name="テキスト ボックス 75"/>
+            <p:cNvSpPr txBox="1"/>
+            <p:nvPr/>
+          </p:nvSpPr>
+          <p:spPr>
+            <a:xfrm>
+              <a:off x="9363302" y="2832658"/>
+              <a:ext cx="1080745" cy="276999"/>
+            </a:xfrm>
+            <a:prstGeom prst="rect">
+              <a:avLst/>
+            </a:prstGeom>
+            <a:noFill/>
+          </p:spPr>
+          <p:txBody>
+            <a:bodyPr wrap="none" rtlCol="0">
+              <a:spAutoFit/>
+            </a:bodyPr>
+            <a:lstStyle/>
+            <a:p>
+              <a:pPr algn="ctr"/>
+              <a:r>
+                <a:rPr lang="en-US" sz="1200" dirty="0" smtClean="0">
+                  <a:latin typeface="Times New Roman" panose="02020603050405020304" pitchFamily="18" charset="0"/>
+                  <a:cs typeface="Times New Roman" panose="02020603050405020304" pitchFamily="18" charset="0"/>
+                </a:rPr>
+                <a:t>Depth Camera</a:t>
+              </a:r>
+              <a:endParaRPr lang="en-US" sz="1200" dirty="0">
+                <a:latin typeface="Times New Roman" panose="02020603050405020304" pitchFamily="18" charset="0"/>
+                <a:cs typeface="Times New Roman" panose="02020603050405020304" pitchFamily="18" charset="0"/>
+              </a:endParaRPr>
+            </a:p>
+          </p:txBody>
+        </p:sp>
+      </p:grpSp>
+      <p:grpSp>
+        <p:nvGrpSpPr>
+          <p:cNvPr id="88" name="グループ化 87"/>
+          <p:cNvGrpSpPr/>
+          <p:nvPr/>
+        </p:nvGrpSpPr>
+        <p:grpSpPr>
+          <a:xfrm>
+            <a:off x="3969638" y="623604"/>
+            <a:ext cx="1467792" cy="1522457"/>
+            <a:chOff x="4001087" y="465078"/>
+            <a:chExt cx="1467792" cy="1522457"/>
+          </a:xfrm>
+        </p:grpSpPr>
+        <p:grpSp>
+          <p:nvGrpSpPr>
+            <p:cNvPr id="29" name="グループ化 28"/>
+            <p:cNvGrpSpPr/>
+            <p:nvPr/>
+          </p:nvGrpSpPr>
+          <p:grpSpPr>
+            <a:xfrm>
+              <a:off x="4001087" y="909008"/>
+              <a:ext cx="1467792" cy="1078527"/>
+              <a:chOff x="3645828" y="1261261"/>
+              <a:chExt cx="1467792" cy="1078527"/>
+            </a:xfrm>
+            <a:pattFill prst="pct50">
+              <a:fgClr>
+                <a:schemeClr val="bg1">
+                  <a:lumMod val="50000"/>
+                </a:schemeClr>
+              </a:fgClr>
+              <a:bgClr>
+                <a:schemeClr val="bg1"/>
+              </a:bgClr>
+            </a:pattFill>
+          </p:grpSpPr>
+          <p:sp>
+            <p:nvSpPr>
+              <p:cNvPr id="31" name="角丸四角形 30"/>
+              <p:cNvSpPr/>
+              <p:nvPr/>
+            </p:nvSpPr>
+            <p:spPr>
+              <a:xfrm rot="2543969">
+                <a:off x="4667472" y="1455977"/>
+                <a:ext cx="125129" cy="587141"/>
+              </a:xfrm>
+              <a:prstGeom prst="roundRect">
+                <a:avLst/>
+              </a:prstGeom>
+              <a:grpFill/>
+              <a:ln>
+                <a:solidFill>
+                  <a:schemeClr val="tx1"/>
+                </a:solidFill>
+              </a:ln>
+            </p:spPr>
+            <p:style>
+              <a:lnRef idx="2">
+                <a:schemeClr val="accent1">
+                  <a:shade val="50000"/>
+                </a:schemeClr>
+              </a:lnRef>
+              <a:fillRef idx="1">
+                <a:schemeClr val="accent1"/>
+              </a:fillRef>
+              <a:effectRef idx="0">
+                <a:schemeClr val="accent1"/>
+              </a:effectRef>
+              <a:fontRef idx="minor">
+                <a:schemeClr val="lt1"/>
+              </a:fontRef>
+            </p:style>
+            <p:txBody>
+              <a:bodyPr rtlCol="0" anchor="ctr"/>
+              <a:lstStyle/>
+              <a:p>
+                <a:pPr algn="ctr"/>
+                <a:endParaRPr lang="en-US"/>
+              </a:p>
+            </p:txBody>
+          </p:sp>
+          <p:sp>
+            <p:nvSpPr>
+              <p:cNvPr id="32" name="楕円 31"/>
+              <p:cNvSpPr/>
+              <p:nvPr/>
+            </p:nvSpPr>
+            <p:spPr>
+              <a:xfrm>
+                <a:off x="4881458" y="1341290"/>
+                <a:ext cx="232162" cy="232162"/>
+              </a:xfrm>
+              <a:prstGeom prst="ellipse">
+                <a:avLst/>
+              </a:prstGeom>
+              <a:grpFill/>
+              <a:ln>
+                <a:solidFill>
+                  <a:schemeClr val="tx1"/>
+                </a:solidFill>
+              </a:ln>
+            </p:spPr>
+            <p:style>
+              <a:lnRef idx="2">
+                <a:schemeClr val="accent1">
+                  <a:shade val="50000"/>
+                </a:schemeClr>
+              </a:lnRef>
+              <a:fillRef idx="1">
+                <a:schemeClr val="accent1"/>
+              </a:fillRef>
+              <a:effectRef idx="0">
+                <a:schemeClr val="accent1"/>
+              </a:effectRef>
+              <a:fontRef idx="minor">
+                <a:schemeClr val="lt1"/>
+              </a:fontRef>
+            </p:style>
+            <p:txBody>
+              <a:bodyPr rtlCol="0" anchor="ctr"/>
+              <a:lstStyle/>
+              <a:p>
+                <a:pPr algn="ctr"/>
+                <a:endParaRPr lang="en-US"/>
+              </a:p>
+            </p:txBody>
+          </p:sp>
+          <p:sp>
+            <p:nvSpPr>
+              <p:cNvPr id="33" name="角丸四角形 32"/>
+              <p:cNvSpPr/>
+              <p:nvPr/>
+            </p:nvSpPr>
+            <p:spPr>
+              <a:xfrm rot="16369681">
+                <a:off x="4548410" y="1131117"/>
+                <a:ext cx="125129" cy="587141"/>
+              </a:xfrm>
+              <a:prstGeom prst="roundRect">
+                <a:avLst/>
+              </a:prstGeom>
+              <a:grpFill/>
+              <a:ln>
+                <a:solidFill>
+                  <a:schemeClr val="tx1"/>
+                </a:solidFill>
+              </a:ln>
+            </p:spPr>
+            <p:style>
+              <a:lnRef idx="2">
+                <a:schemeClr val="accent1">
+                  <a:shade val="50000"/>
+                </a:schemeClr>
+              </a:lnRef>
+              <a:fillRef idx="1">
+                <a:schemeClr val="accent1"/>
+              </a:fillRef>
+              <a:effectRef idx="0">
+                <a:schemeClr val="accent1"/>
+              </a:effectRef>
+              <a:fontRef idx="minor">
+                <a:schemeClr val="lt1"/>
+              </a:fontRef>
+            </p:style>
+            <p:txBody>
+              <a:bodyPr rtlCol="0" anchor="ctr"/>
+              <a:lstStyle/>
+              <a:p>
+                <a:pPr algn="ctr"/>
+                <a:endParaRPr lang="en-US"/>
+              </a:p>
+            </p:txBody>
+          </p:sp>
+          <p:sp>
+            <p:nvSpPr>
+              <p:cNvPr id="34" name="楕円 33"/>
+              <p:cNvSpPr/>
+              <p:nvPr/>
+            </p:nvSpPr>
+            <p:spPr>
+              <a:xfrm>
+                <a:off x="4103648" y="1284140"/>
+                <a:ext cx="232162" cy="232162"/>
+              </a:xfrm>
+              <a:prstGeom prst="ellipse">
+                <a:avLst/>
+              </a:prstGeom>
+              <a:grpFill/>
+              <a:ln>
+                <a:solidFill>
+                  <a:schemeClr val="tx1"/>
+                </a:solidFill>
+              </a:ln>
+            </p:spPr>
+            <p:style>
+              <a:lnRef idx="2">
+                <a:schemeClr val="accent1">
+                  <a:shade val="50000"/>
+                </a:schemeClr>
+              </a:lnRef>
+              <a:fillRef idx="1">
+                <a:schemeClr val="accent1"/>
+              </a:fillRef>
+              <a:effectRef idx="0">
+                <a:schemeClr val="accent1"/>
+              </a:effectRef>
+              <a:fontRef idx="minor">
+                <a:schemeClr val="lt1"/>
+              </a:fontRef>
+            </p:style>
+            <p:txBody>
+              <a:bodyPr rtlCol="0" anchor="ctr"/>
+              <a:lstStyle/>
+              <a:p>
+                <a:pPr algn="ctr"/>
+                <a:endParaRPr lang="en-US"/>
+              </a:p>
+            </p:txBody>
+          </p:sp>
+          <p:sp>
+            <p:nvSpPr>
+              <p:cNvPr id="35" name="楕円 34"/>
+              <p:cNvSpPr/>
+              <p:nvPr/>
+            </p:nvSpPr>
+            <p:spPr>
+              <a:xfrm>
+                <a:off x="4346453" y="1925643"/>
+                <a:ext cx="232162" cy="232162"/>
+              </a:xfrm>
+              <a:prstGeom prst="ellipse">
+                <a:avLst/>
+              </a:prstGeom>
+              <a:grpFill/>
+              <a:ln>
+                <a:solidFill>
+                  <a:schemeClr val="tx1"/>
+                </a:solidFill>
+              </a:ln>
+            </p:spPr>
+            <p:style>
+              <a:lnRef idx="2">
+                <a:schemeClr val="accent1">
+                  <a:shade val="50000"/>
+                </a:schemeClr>
+              </a:lnRef>
+              <a:fillRef idx="1">
+                <a:schemeClr val="accent1"/>
+              </a:fillRef>
+              <a:effectRef idx="0">
+                <a:schemeClr val="accent1"/>
+              </a:effectRef>
+              <a:fontRef idx="minor">
+                <a:schemeClr val="lt1"/>
+              </a:fontRef>
+            </p:style>
+            <p:txBody>
+              <a:bodyPr rtlCol="0" anchor="ctr"/>
+              <a:lstStyle/>
+              <a:p>
+                <a:pPr algn="ctr"/>
+                <a:endParaRPr lang="en-US"/>
+              </a:p>
+            </p:txBody>
+          </p:sp>
+          <p:sp>
+            <p:nvSpPr>
+              <p:cNvPr id="36" name="台形 35"/>
+              <p:cNvSpPr/>
+              <p:nvPr/>
+            </p:nvSpPr>
+            <p:spPr>
+              <a:xfrm>
+                <a:off x="4307395" y="2142565"/>
+                <a:ext cx="310278" cy="197223"/>
+              </a:xfrm>
+              <a:prstGeom prst="trapezoid">
+                <a:avLst/>
+              </a:prstGeom>
+              <a:grpFill/>
+              <a:ln>
+                <a:solidFill>
+                  <a:schemeClr val="tx1"/>
+                </a:solidFill>
+              </a:ln>
+            </p:spPr>
+            <p:style>
+              <a:lnRef idx="2">
+                <a:schemeClr val="accent1">
+                  <a:shade val="50000"/>
+                </a:schemeClr>
+              </a:lnRef>
+              <a:fillRef idx="1">
+                <a:schemeClr val="accent1"/>
+              </a:fillRef>
+              <a:effectRef idx="0">
+                <a:schemeClr val="accent1"/>
+              </a:effectRef>
+              <a:fontRef idx="minor">
+                <a:schemeClr val="lt1"/>
+              </a:fontRef>
+            </p:style>
+            <p:txBody>
+              <a:bodyPr rtlCol="0" anchor="ctr"/>
+              <a:lstStyle/>
+              <a:p>
+                <a:pPr algn="ctr"/>
+                <a:endParaRPr lang="en-US"/>
+              </a:p>
+            </p:txBody>
+          </p:sp>
+          <p:sp>
+            <p:nvSpPr>
+              <p:cNvPr id="37" name="角丸四角形 36"/>
+              <p:cNvSpPr/>
+              <p:nvPr/>
+            </p:nvSpPr>
+            <p:spPr>
+              <a:xfrm rot="20628478">
+                <a:off x="4026895" y="1261261"/>
+                <a:ext cx="82550" cy="373168"/>
+              </a:xfrm>
+              <a:prstGeom prst="roundRect">
+                <a:avLst/>
+              </a:prstGeom>
+              <a:grpFill/>
+              <a:ln>
+                <a:solidFill>
+                  <a:schemeClr val="tx1"/>
+                </a:solidFill>
+              </a:ln>
+            </p:spPr>
+            <p:style>
+              <a:lnRef idx="2">
+                <a:schemeClr val="accent1">
+                  <a:shade val="50000"/>
+                </a:schemeClr>
+              </a:lnRef>
+              <a:fillRef idx="1">
+                <a:schemeClr val="accent1"/>
+              </a:fillRef>
+              <a:effectRef idx="0">
+                <a:schemeClr val="accent1"/>
+              </a:effectRef>
+              <a:fontRef idx="minor">
+                <a:schemeClr val="lt1"/>
+              </a:fontRef>
+            </p:style>
+            <p:txBody>
+              <a:bodyPr rtlCol="0" anchor="ctr"/>
+              <a:lstStyle/>
+              <a:p>
+                <a:pPr algn="ctr"/>
+                <a:endParaRPr lang="en-US"/>
+              </a:p>
+            </p:txBody>
+          </p:sp>
+          <p:sp>
+            <p:nvSpPr>
+              <p:cNvPr id="38" name="角丸四角形 37"/>
+              <p:cNvSpPr/>
+              <p:nvPr/>
+            </p:nvSpPr>
+            <p:spPr>
+              <a:xfrm rot="4428478">
+                <a:off x="3791137" y="1270787"/>
+                <a:ext cx="82550" cy="373168"/>
+              </a:xfrm>
+              <a:prstGeom prst="roundRect">
+                <a:avLst/>
+              </a:prstGeom>
+              <a:grpFill/>
+              <a:ln>
+                <a:solidFill>
+                  <a:schemeClr val="tx1"/>
+                </a:solidFill>
+              </a:ln>
+            </p:spPr>
+            <p:style>
+              <a:lnRef idx="2">
+                <a:schemeClr val="accent1">
+                  <a:shade val="50000"/>
+                </a:schemeClr>
+              </a:lnRef>
+              <a:fillRef idx="1">
+                <a:schemeClr val="accent1"/>
+              </a:fillRef>
+              <a:effectRef idx="0">
+                <a:schemeClr val="accent1"/>
+              </a:effectRef>
+              <a:fontRef idx="minor">
+                <a:schemeClr val="lt1"/>
+              </a:fontRef>
+            </p:style>
+            <p:txBody>
+              <a:bodyPr rtlCol="0" anchor="ctr"/>
+              <a:lstStyle/>
+              <a:p>
+                <a:pPr algn="ctr"/>
+                <a:endParaRPr lang="en-US"/>
+              </a:p>
+            </p:txBody>
+          </p:sp>
+          <p:sp>
+            <p:nvSpPr>
+              <p:cNvPr id="39" name="角丸四角形 38"/>
+              <p:cNvSpPr/>
+              <p:nvPr/>
+            </p:nvSpPr>
+            <p:spPr>
+              <a:xfrm rot="4428478">
+                <a:off x="3904893" y="1463366"/>
+                <a:ext cx="82550" cy="220171"/>
+              </a:xfrm>
+              <a:prstGeom prst="roundRect">
+                <a:avLst/>
+              </a:prstGeom>
+              <a:grpFill/>
+              <a:ln>
+                <a:solidFill>
+                  <a:schemeClr val="tx1"/>
+                </a:solidFill>
+              </a:ln>
+            </p:spPr>
+            <p:style>
+              <a:lnRef idx="2">
+                <a:schemeClr val="accent1">
+                  <a:shade val="50000"/>
+                </a:schemeClr>
+              </a:lnRef>
+              <a:fillRef idx="1">
+                <a:schemeClr val="accent1"/>
+              </a:fillRef>
+              <a:effectRef idx="0">
+                <a:schemeClr val="accent1"/>
+              </a:effectRef>
+              <a:fontRef idx="minor">
+                <a:schemeClr val="lt1"/>
+              </a:fontRef>
+            </p:style>
+            <p:txBody>
+              <a:bodyPr rtlCol="0" anchor="ctr"/>
+              <a:lstStyle/>
+              <a:p>
+                <a:pPr algn="ctr"/>
+                <a:endParaRPr lang="en-US"/>
+              </a:p>
+            </p:txBody>
+          </p:sp>
+        </p:grpSp>
+        <p:sp>
+          <p:nvSpPr>
+            <p:cNvPr id="77" name="テキスト ボックス 76"/>
+            <p:cNvSpPr txBox="1"/>
+            <p:nvPr/>
+          </p:nvSpPr>
+          <p:spPr>
+            <a:xfrm>
+              <a:off x="4321760" y="465078"/>
+              <a:ext cx="985718" cy="276999"/>
+            </a:xfrm>
+            <a:prstGeom prst="rect">
+              <a:avLst/>
+            </a:prstGeom>
+            <a:noFill/>
+          </p:spPr>
+          <p:txBody>
+            <a:bodyPr wrap="none" rtlCol="0">
+              <a:spAutoFit/>
+            </a:bodyPr>
+            <a:lstStyle/>
+            <a:p>
+              <a:pPr algn="ctr"/>
+              <a:r>
+                <a:rPr lang="en-US" sz="1200" dirty="0" smtClean="0">
+                  <a:latin typeface="Times New Roman" panose="02020603050405020304" pitchFamily="18" charset="0"/>
+                  <a:cs typeface="Times New Roman" panose="02020603050405020304" pitchFamily="18" charset="0"/>
+                </a:rPr>
+                <a:t>Robotic Arm</a:t>
+              </a:r>
+              <a:endParaRPr lang="en-US" sz="1200" dirty="0">
+                <a:latin typeface="Times New Roman" panose="02020603050405020304" pitchFamily="18" charset="0"/>
+                <a:cs typeface="Times New Roman" panose="02020603050405020304" pitchFamily="18" charset="0"/>
+              </a:endParaRPr>
+            </a:p>
+          </p:txBody>
+        </p:sp>
+      </p:grpSp>
+      <p:grpSp>
+        <p:nvGrpSpPr>
+          <p:cNvPr id="93" name="グループ化 92"/>
+          <p:cNvGrpSpPr/>
+          <p:nvPr/>
+        </p:nvGrpSpPr>
+        <p:grpSpPr>
+          <a:xfrm>
+            <a:off x="2012873" y="213334"/>
+            <a:ext cx="884134" cy="1758359"/>
+            <a:chOff x="2136348" y="774094"/>
+            <a:chExt cx="884134" cy="1758359"/>
+          </a:xfrm>
+        </p:grpSpPr>
+        <p:sp>
+          <p:nvSpPr>
+            <p:cNvPr id="11" name="正方形/長方形 10"/>
+            <p:cNvSpPr/>
+            <p:nvPr/>
+          </p:nvSpPr>
+          <p:spPr>
+            <a:xfrm>
+              <a:off x="2691676" y="1347680"/>
+              <a:ext cx="328806" cy="1184773"/>
+            </a:xfrm>
+            <a:prstGeom prst="rect">
+              <a:avLst/>
+            </a:prstGeom>
+            <a:pattFill prst="pct80">
+              <a:fgClr>
+                <a:schemeClr val="bg1">
+                  <a:lumMod val="50000"/>
+                </a:schemeClr>
+              </a:fgClr>
+              <a:bgClr>
+                <a:schemeClr val="bg1"/>
+              </a:bgClr>
+            </a:pattFill>
+            <a:ln>
+              <a:solidFill>
+                <a:schemeClr val="tx1"/>
+              </a:solidFill>
+            </a:ln>
+          </p:spPr>
+          <p:style>
+            <a:lnRef idx="2">
+              <a:schemeClr val="accent1">
+                <a:shade val="50000"/>
+              </a:schemeClr>
+            </a:lnRef>
+            <a:fillRef idx="1">
+              <a:schemeClr val="accent1"/>
+            </a:fillRef>
+            <a:effectRef idx="0">
+              <a:schemeClr val="accent1"/>
+            </a:effectRef>
+            <a:fontRef idx="minor">
+              <a:schemeClr val="lt1"/>
+            </a:fontRef>
+          </p:style>
+          <p:txBody>
+            <a:bodyPr rtlCol="0" anchor="ctr"/>
+            <a:lstStyle/>
+            <a:p>
+              <a:pPr algn="ctr"/>
+              <a:endParaRPr lang="en-US"/>
+            </a:p>
+          </p:txBody>
+        </p:sp>
+        <p:sp>
+          <p:nvSpPr>
+            <p:cNvPr id="81" name="テキスト ボックス 80"/>
+            <p:cNvSpPr txBox="1"/>
+            <p:nvPr/>
+          </p:nvSpPr>
+          <p:spPr>
+            <a:xfrm>
+              <a:off x="2257158" y="774094"/>
+              <a:ext cx="683200" cy="261610"/>
+            </a:xfrm>
+            <a:prstGeom prst="rect">
+              <a:avLst/>
+            </a:prstGeom>
+            <a:noFill/>
+          </p:spPr>
+          <p:txBody>
+            <a:bodyPr wrap="none" rtlCol="0">
+              <a:spAutoFit/>
+            </a:bodyPr>
+            <a:lstStyle/>
+            <a:p>
+              <a:r>
+                <a:rPr lang="en-US" sz="1100" dirty="0" smtClean="0">
+                  <a:latin typeface="Times New Roman" panose="02020603050405020304" pitchFamily="18" charset="0"/>
+                  <a:cs typeface="Times New Roman" panose="02020603050405020304" pitchFamily="18" charset="0"/>
+                </a:rPr>
+                <a:t>Batteries</a:t>
+              </a:r>
+              <a:endParaRPr lang="en-US" sz="1100" dirty="0">
+                <a:latin typeface="Times New Roman" panose="02020603050405020304" pitchFamily="18" charset="0"/>
+                <a:cs typeface="Times New Roman" panose="02020603050405020304" pitchFamily="18" charset="0"/>
+              </a:endParaRPr>
+            </a:p>
+          </p:txBody>
+        </p:sp>
+        <p:sp>
+          <p:nvSpPr>
+            <p:cNvPr id="82" name="正方形/長方形 81"/>
+            <p:cNvSpPr/>
+            <p:nvPr/>
+          </p:nvSpPr>
+          <p:spPr>
+            <a:xfrm>
+              <a:off x="2136348" y="1347680"/>
+              <a:ext cx="328806" cy="1184773"/>
+            </a:xfrm>
+            <a:prstGeom prst="rect">
+              <a:avLst/>
+            </a:prstGeom>
+            <a:pattFill prst="pct80">
+              <a:fgClr>
+                <a:schemeClr val="bg1">
+                  <a:lumMod val="50000"/>
+                </a:schemeClr>
+              </a:fgClr>
+              <a:bgClr>
+                <a:schemeClr val="bg1"/>
+              </a:bgClr>
+            </a:pattFill>
+            <a:ln>
+              <a:solidFill>
+                <a:schemeClr val="tx1"/>
+              </a:solidFill>
+            </a:ln>
+          </p:spPr>
+          <p:style>
+            <a:lnRef idx="2">
+              <a:schemeClr val="accent1">
+                <a:shade val="50000"/>
+              </a:schemeClr>
+            </a:lnRef>
+            <a:fillRef idx="1">
+              <a:schemeClr val="accent1"/>
+            </a:fillRef>
+            <a:effectRef idx="0">
+              <a:schemeClr val="accent1"/>
+            </a:effectRef>
+            <a:fontRef idx="minor">
+              <a:schemeClr val="lt1"/>
+            </a:fontRef>
+          </p:style>
+          <p:txBody>
+            <a:bodyPr rtlCol="0" anchor="ctr"/>
+            <a:lstStyle/>
+            <a:p>
+              <a:pPr algn="ctr"/>
+              <a:endParaRPr lang="en-US"/>
+            </a:p>
+          </p:txBody>
+        </p:sp>
+      </p:grpSp>
+      <p:grpSp>
+        <p:nvGrpSpPr>
+          <p:cNvPr id="87" name="グループ化 86"/>
+          <p:cNvGrpSpPr/>
+          <p:nvPr/>
+        </p:nvGrpSpPr>
+        <p:grpSpPr>
+          <a:xfrm>
+            <a:off x="5933533" y="151424"/>
+            <a:ext cx="1196384" cy="1328836"/>
+            <a:chOff x="5933533" y="469056"/>
+            <a:chExt cx="1196384" cy="1328836"/>
+          </a:xfrm>
+        </p:grpSpPr>
+        <p:sp>
+          <p:nvSpPr>
+            <p:cNvPr id="74" name="テキスト ボックス 73"/>
+            <p:cNvSpPr txBox="1"/>
+            <p:nvPr/>
+          </p:nvSpPr>
+          <p:spPr>
+            <a:xfrm>
+              <a:off x="6089289" y="469056"/>
+              <a:ext cx="885628" cy="461665"/>
+            </a:xfrm>
+            <a:prstGeom prst="rect">
+              <a:avLst/>
+            </a:prstGeom>
+            <a:noFill/>
+          </p:spPr>
+          <p:txBody>
+            <a:bodyPr wrap="none" rtlCol="0">
+              <a:spAutoFit/>
+            </a:bodyPr>
+            <a:lstStyle/>
+            <a:p>
+              <a:pPr algn="ctr"/>
+              <a:r>
+                <a:rPr lang="en-US" sz="1200" dirty="0" smtClean="0">
+                  <a:latin typeface="Times New Roman" panose="02020603050405020304" pitchFamily="18" charset="0"/>
+                  <a:cs typeface="Times New Roman" panose="02020603050405020304" pitchFamily="18" charset="0"/>
+                </a:rPr>
+                <a:t>Emergency</a:t>
+              </a:r>
+            </a:p>
+            <a:p>
+              <a:pPr algn="ctr"/>
+              <a:r>
+                <a:rPr lang="en-US" sz="1200" dirty="0" smtClean="0">
+                  <a:latin typeface="Times New Roman" panose="02020603050405020304" pitchFamily="18" charset="0"/>
+                  <a:cs typeface="Times New Roman" panose="02020603050405020304" pitchFamily="18" charset="0"/>
+                </a:rPr>
+                <a:t>Switch</a:t>
+              </a:r>
+              <a:endParaRPr lang="en-US" sz="1200" dirty="0">
+                <a:latin typeface="Times New Roman" panose="02020603050405020304" pitchFamily="18" charset="0"/>
+                <a:cs typeface="Times New Roman" panose="02020603050405020304" pitchFamily="18" charset="0"/>
+              </a:endParaRPr>
+            </a:p>
+          </p:txBody>
+        </p:sp>
+        <p:sp>
+          <p:nvSpPr>
+            <p:cNvPr id="84" name="フローチャート: 手作業 83"/>
+            <p:cNvSpPr/>
+            <p:nvPr/>
+          </p:nvSpPr>
+          <p:spPr>
+            <a:xfrm>
+              <a:off x="6089289" y="1410146"/>
+              <a:ext cx="881725" cy="387746"/>
+            </a:xfrm>
+            <a:prstGeom prst="flowChartManualOperation">
+              <a:avLst/>
+            </a:prstGeom>
+            <a:pattFill prst="pct90">
+              <a:fgClr>
+                <a:schemeClr val="bg1">
+                  <a:lumMod val="50000"/>
+                </a:schemeClr>
+              </a:fgClr>
+              <a:bgClr>
+                <a:schemeClr val="bg1"/>
+              </a:bgClr>
+            </a:pattFill>
+            <a:ln>
+              <a:solidFill>
+                <a:schemeClr val="tx1"/>
+              </a:solidFill>
+            </a:ln>
+          </p:spPr>
+          <p:style>
+            <a:lnRef idx="2">
+              <a:schemeClr val="accent1">
+                <a:shade val="50000"/>
+              </a:schemeClr>
+            </a:lnRef>
+            <a:fillRef idx="1">
+              <a:schemeClr val="accent1"/>
+            </a:fillRef>
+            <a:effectRef idx="0">
+              <a:schemeClr val="accent1"/>
+            </a:effectRef>
+            <a:fontRef idx="minor">
+              <a:schemeClr val="lt1"/>
+            </a:fontRef>
+          </p:style>
+          <p:txBody>
+            <a:bodyPr rtlCol="0" anchor="ctr"/>
+            <a:lstStyle/>
+            <a:p>
+              <a:pPr algn="ctr"/>
+              <a:endParaRPr lang="en-US"/>
+            </a:p>
+          </p:txBody>
+        </p:sp>
+        <p:sp>
+          <p:nvSpPr>
+            <p:cNvPr id="85" name="フローチャート: 直接アクセス記憶 84"/>
+            <p:cNvSpPr/>
+            <p:nvPr/>
+          </p:nvSpPr>
+          <p:spPr>
+            <a:xfrm rot="16200000">
+              <a:off x="6329463" y="714988"/>
+              <a:ext cx="404524" cy="1196384"/>
+            </a:xfrm>
+            <a:prstGeom prst="flowChartMagneticDrum">
+              <a:avLst/>
+            </a:prstGeom>
+            <a:pattFill prst="pct70">
+              <a:fgClr>
+                <a:schemeClr val="bg1">
+                  <a:lumMod val="50000"/>
+                </a:schemeClr>
+              </a:fgClr>
+              <a:bgClr>
+                <a:schemeClr val="bg1"/>
+              </a:bgClr>
+            </a:pattFill>
+            <a:ln>
+              <a:solidFill>
+                <a:schemeClr val="tx1"/>
+              </a:solidFill>
+            </a:ln>
+          </p:spPr>
+          <p:style>
+            <a:lnRef idx="2">
+              <a:schemeClr val="accent1">
+                <a:shade val="50000"/>
+              </a:schemeClr>
+            </a:lnRef>
+            <a:fillRef idx="1">
+              <a:schemeClr val="accent1"/>
+            </a:fillRef>
+            <a:effectRef idx="0">
+              <a:schemeClr val="accent1"/>
+            </a:effectRef>
+            <a:fontRef idx="minor">
+              <a:schemeClr val="lt1"/>
+            </a:fontRef>
+          </p:style>
+          <p:txBody>
+            <a:bodyPr rtlCol="0" anchor="ctr"/>
+            <a:lstStyle/>
+            <a:p>
+              <a:pPr algn="ctr"/>
+              <a:endParaRPr lang="en-US" sz="1200" dirty="0">
+                <a:latin typeface="Times New Roman" panose="02020603050405020304" pitchFamily="18" charset="0"/>
+                <a:cs typeface="Times New Roman" panose="02020603050405020304" pitchFamily="18" charset="0"/>
+              </a:endParaRPr>
+            </a:p>
+          </p:txBody>
+        </p:sp>
+      </p:grpSp>
+      <p:cxnSp>
+        <p:nvCxnSpPr>
+          <p:cNvPr id="99" name="直線コネクタ 98"/>
+          <p:cNvCxnSpPr/>
+          <p:nvPr/>
+        </p:nvCxnSpPr>
+        <p:spPr>
+          <a:xfrm flipV="1">
+            <a:off x="2814753" y="1971693"/>
+            <a:ext cx="0" cy="199653"/>
+          </a:xfrm>
+          <a:prstGeom prst="line">
+            <a:avLst/>
+          </a:prstGeom>
+          <a:ln w="57150">
+            <a:solidFill>
+              <a:schemeClr val="tx1">
+                <a:lumMod val="50000"/>
+                <a:lumOff val="50000"/>
+              </a:schemeClr>
+            </a:solidFill>
+          </a:ln>
+        </p:spPr>
+        <p:style>
+          <a:lnRef idx="1">
+            <a:schemeClr val="accent1"/>
+          </a:lnRef>
+          <a:fillRef idx="0">
+            <a:schemeClr val="accent1"/>
+          </a:fillRef>
+          <a:effectRef idx="0">
+            <a:schemeClr val="accent1"/>
+          </a:effectRef>
+          <a:fontRef idx="minor">
+            <a:schemeClr val="tx1"/>
+          </a:fontRef>
+        </p:style>
+      </p:cxnSp>
+      <p:cxnSp>
+        <p:nvCxnSpPr>
+          <p:cNvPr id="100" name="直線コネクタ 99"/>
+          <p:cNvCxnSpPr/>
+          <p:nvPr/>
+        </p:nvCxnSpPr>
+        <p:spPr>
+          <a:xfrm flipV="1">
+            <a:off x="2644923" y="1971693"/>
+            <a:ext cx="0" cy="199653"/>
+          </a:xfrm>
+          <a:prstGeom prst="line">
+            <a:avLst/>
+          </a:prstGeom>
+          <a:ln w="57150">
+            <a:solidFill>
+              <a:schemeClr val="tx1">
+                <a:lumMod val="50000"/>
+                <a:lumOff val="50000"/>
+              </a:schemeClr>
+            </a:solidFill>
+          </a:ln>
+        </p:spPr>
+        <p:style>
+          <a:lnRef idx="1">
+            <a:schemeClr val="accent1"/>
+          </a:lnRef>
+          <a:fillRef idx="0">
+            <a:schemeClr val="accent1"/>
+          </a:fillRef>
+          <a:effectRef idx="0">
+            <a:schemeClr val="accent1"/>
+          </a:effectRef>
+          <a:fontRef idx="minor">
+            <a:schemeClr val="tx1"/>
+          </a:fontRef>
+        </p:style>
+      </p:cxnSp>
+      <p:cxnSp>
+        <p:nvCxnSpPr>
+          <p:cNvPr id="101" name="直線コネクタ 100"/>
+          <p:cNvCxnSpPr/>
+          <p:nvPr/>
+        </p:nvCxnSpPr>
+        <p:spPr>
+          <a:xfrm flipV="1">
+            <a:off x="2238573" y="1971693"/>
+            <a:ext cx="0" cy="199653"/>
+          </a:xfrm>
+          <a:prstGeom prst="line">
+            <a:avLst/>
+          </a:prstGeom>
+          <a:ln w="57150">
+            <a:solidFill>
+              <a:schemeClr val="tx1">
+                <a:lumMod val="50000"/>
+                <a:lumOff val="50000"/>
+              </a:schemeClr>
+            </a:solidFill>
+          </a:ln>
+        </p:spPr>
+        <p:style>
+          <a:lnRef idx="1">
+            <a:schemeClr val="accent1"/>
+          </a:lnRef>
+          <a:fillRef idx="0">
+            <a:schemeClr val="accent1"/>
+          </a:fillRef>
+          <a:effectRef idx="0">
+            <a:schemeClr val="accent1"/>
+          </a:effectRef>
+          <a:fontRef idx="minor">
+            <a:schemeClr val="tx1"/>
+          </a:fontRef>
+        </p:style>
+      </p:cxnSp>
+      <p:cxnSp>
+        <p:nvCxnSpPr>
+          <p:cNvPr id="102" name="直線コネクタ 101"/>
+          <p:cNvCxnSpPr/>
+          <p:nvPr/>
+        </p:nvCxnSpPr>
+        <p:spPr>
+          <a:xfrm flipV="1">
+            <a:off x="2094623" y="1971693"/>
+            <a:ext cx="0" cy="199653"/>
+          </a:xfrm>
+          <a:prstGeom prst="line">
+            <a:avLst/>
+          </a:prstGeom>
+          <a:ln w="57150">
+            <a:solidFill>
+              <a:schemeClr val="tx1">
+                <a:lumMod val="50000"/>
+                <a:lumOff val="50000"/>
+              </a:schemeClr>
+            </a:solidFill>
+          </a:ln>
+        </p:spPr>
+        <p:style>
+          <a:lnRef idx="1">
+            <a:schemeClr val="accent1"/>
+          </a:lnRef>
+          <a:fillRef idx="0">
+            <a:schemeClr val="accent1"/>
+          </a:fillRef>
+          <a:effectRef idx="0">
+            <a:schemeClr val="accent1"/>
+          </a:effectRef>
+          <a:fontRef idx="minor">
+            <a:schemeClr val="tx1"/>
+          </a:fontRef>
+        </p:style>
+      </p:cxnSp>
+      <p:cxnSp>
+        <p:nvCxnSpPr>
+          <p:cNvPr id="103" name="直線コネクタ 102"/>
+          <p:cNvCxnSpPr/>
+          <p:nvPr/>
+        </p:nvCxnSpPr>
+        <p:spPr>
+          <a:xfrm flipH="1">
+            <a:off x="2812133" y="2167709"/>
+            <a:ext cx="967807" cy="1"/>
+          </a:xfrm>
+          <a:prstGeom prst="line">
+            <a:avLst/>
+          </a:prstGeom>
+          <a:ln w="57150">
+            <a:solidFill>
+              <a:schemeClr val="tx1">
+                <a:lumMod val="50000"/>
+                <a:lumOff val="50000"/>
+              </a:schemeClr>
+            </a:solidFill>
+          </a:ln>
+        </p:spPr>
+        <p:style>
+          <a:lnRef idx="1">
+            <a:schemeClr val="accent1"/>
+          </a:lnRef>
+          <a:fillRef idx="0">
+            <a:schemeClr val="accent1"/>
+          </a:fillRef>
+          <a:effectRef idx="0">
+            <a:schemeClr val="accent1"/>
+          </a:effectRef>
+          <a:fontRef idx="minor">
+            <a:schemeClr val="tx1"/>
+          </a:fontRef>
+        </p:style>
+      </p:cxnSp>
+      <p:cxnSp>
+        <p:nvCxnSpPr>
+          <p:cNvPr id="107" name="直線コネクタ 106"/>
+          <p:cNvCxnSpPr/>
+          <p:nvPr/>
+        </p:nvCxnSpPr>
+        <p:spPr>
+          <a:xfrm flipH="1">
+            <a:off x="2238574" y="2167710"/>
+            <a:ext cx="406349" cy="0"/>
+          </a:xfrm>
+          <a:prstGeom prst="line">
+            <a:avLst/>
+          </a:prstGeom>
+          <a:ln w="57150">
+            <a:solidFill>
+              <a:schemeClr val="tx1">
+                <a:lumMod val="50000"/>
+                <a:lumOff val="50000"/>
+              </a:schemeClr>
+            </a:solidFill>
+          </a:ln>
+        </p:spPr>
+        <p:style>
+          <a:lnRef idx="1">
+            <a:schemeClr val="accent1"/>
+          </a:lnRef>
+          <a:fillRef idx="0">
+            <a:schemeClr val="accent1"/>
+          </a:fillRef>
+          <a:effectRef idx="0">
+            <a:schemeClr val="accent1"/>
+          </a:effectRef>
+          <a:fontRef idx="minor">
+            <a:schemeClr val="tx1"/>
+          </a:fontRef>
+        </p:style>
+      </p:cxnSp>
+      <p:cxnSp>
+        <p:nvCxnSpPr>
+          <p:cNvPr id="111" name="直線コネクタ 110"/>
+          <p:cNvCxnSpPr/>
+          <p:nvPr/>
+        </p:nvCxnSpPr>
+        <p:spPr>
+          <a:xfrm>
+            <a:off x="1768581" y="2167709"/>
+            <a:ext cx="326043" cy="1"/>
+          </a:xfrm>
+          <a:prstGeom prst="line">
+            <a:avLst/>
+          </a:prstGeom>
+          <a:ln w="57150">
+            <a:solidFill>
+              <a:schemeClr val="tx1">
+                <a:lumMod val="50000"/>
+                <a:lumOff val="50000"/>
+              </a:schemeClr>
+            </a:solidFill>
+          </a:ln>
+        </p:spPr>
+        <p:style>
+          <a:lnRef idx="1">
+            <a:schemeClr val="accent1"/>
+          </a:lnRef>
+          <a:fillRef idx="0">
+            <a:schemeClr val="accent1"/>
+          </a:fillRef>
+          <a:effectRef idx="0">
+            <a:schemeClr val="accent1"/>
+          </a:effectRef>
+          <a:fontRef idx="minor">
+            <a:schemeClr val="tx1"/>
+          </a:fontRef>
+        </p:style>
+      </p:cxnSp>
+      <p:cxnSp>
+        <p:nvCxnSpPr>
+          <p:cNvPr id="114" name="直線コネクタ 113"/>
+          <p:cNvCxnSpPr/>
+          <p:nvPr/>
+        </p:nvCxnSpPr>
+        <p:spPr>
+          <a:xfrm flipV="1">
+            <a:off x="1765708" y="2167709"/>
+            <a:ext cx="0" cy="1672322"/>
+          </a:xfrm>
+          <a:prstGeom prst="line">
+            <a:avLst/>
+          </a:prstGeom>
+          <a:ln w="57150">
+            <a:solidFill>
+              <a:schemeClr val="tx1">
+                <a:lumMod val="50000"/>
+                <a:lumOff val="50000"/>
+              </a:schemeClr>
+            </a:solidFill>
+          </a:ln>
+        </p:spPr>
+        <p:style>
+          <a:lnRef idx="1">
+            <a:schemeClr val="accent1"/>
+          </a:lnRef>
+          <a:fillRef idx="0">
+            <a:schemeClr val="accent1"/>
+          </a:fillRef>
+          <a:effectRef idx="0">
+            <a:schemeClr val="accent1"/>
+          </a:effectRef>
+          <a:fontRef idx="minor">
+            <a:schemeClr val="tx1"/>
+          </a:fontRef>
+        </p:style>
+      </p:cxnSp>
+      <p:cxnSp>
+        <p:nvCxnSpPr>
+          <p:cNvPr id="117" name="直線コネクタ 116"/>
+          <p:cNvCxnSpPr>
+            <a:endCxn id="15" idx="1"/>
+          </p:cNvCxnSpPr>
+          <p:nvPr/>
+        </p:nvCxnSpPr>
+        <p:spPr>
+          <a:xfrm>
+            <a:off x="1765708" y="3840031"/>
+            <a:ext cx="469597" cy="2854"/>
+          </a:xfrm>
+          <a:prstGeom prst="line">
+            <a:avLst/>
+          </a:prstGeom>
+          <a:ln w="57150">
+            <a:solidFill>
+              <a:schemeClr val="tx1">
+                <a:lumMod val="50000"/>
+                <a:lumOff val="50000"/>
+              </a:schemeClr>
+            </a:solidFill>
+          </a:ln>
+        </p:spPr>
+        <p:style>
+          <a:lnRef idx="1">
+            <a:schemeClr val="accent1"/>
+          </a:lnRef>
+          <a:fillRef idx="0">
+            <a:schemeClr val="accent1"/>
+          </a:fillRef>
+          <a:effectRef idx="0">
+            <a:schemeClr val="accent1"/>
+          </a:effectRef>
+          <a:fontRef idx="minor">
+            <a:schemeClr val="tx1"/>
+          </a:fontRef>
+        </p:style>
+      </p:cxnSp>
+      <p:cxnSp>
+        <p:nvCxnSpPr>
+          <p:cNvPr id="122" name="直線コネクタ 121"/>
+          <p:cNvCxnSpPr>
+            <a:stCxn id="15" idx="3"/>
+          </p:cNvCxnSpPr>
+          <p:nvPr/>
+        </p:nvCxnSpPr>
+        <p:spPr>
+          <a:xfrm>
+            <a:off x="2674575" y="3842885"/>
+            <a:ext cx="3933128" cy="0"/>
+          </a:xfrm>
+          <a:prstGeom prst="line">
+            <a:avLst/>
+          </a:prstGeom>
+          <a:ln w="57150">
+            <a:solidFill>
+              <a:schemeClr val="tx1">
+                <a:lumMod val="50000"/>
+                <a:lumOff val="50000"/>
+              </a:schemeClr>
+            </a:solidFill>
+          </a:ln>
+        </p:spPr>
+        <p:style>
+          <a:lnRef idx="1">
+            <a:schemeClr val="accent1"/>
+          </a:lnRef>
+          <a:fillRef idx="0">
+            <a:schemeClr val="accent1"/>
+          </a:fillRef>
+          <a:effectRef idx="0">
+            <a:schemeClr val="accent1"/>
+          </a:effectRef>
+          <a:fontRef idx="minor">
+            <a:schemeClr val="tx1"/>
+          </a:fontRef>
+        </p:style>
+      </p:cxnSp>
+      <p:cxnSp>
+        <p:nvCxnSpPr>
+          <p:cNvPr id="125" name="直線コネクタ 124"/>
+          <p:cNvCxnSpPr/>
+          <p:nvPr/>
+        </p:nvCxnSpPr>
+        <p:spPr>
+          <a:xfrm flipV="1">
+            <a:off x="3779940" y="2167709"/>
+            <a:ext cx="0" cy="1254642"/>
+          </a:xfrm>
+          <a:prstGeom prst="line">
+            <a:avLst/>
+          </a:prstGeom>
+          <a:ln w="57150">
+            <a:solidFill>
+              <a:schemeClr val="tx1">
+                <a:lumMod val="50000"/>
+                <a:lumOff val="50000"/>
+              </a:schemeClr>
+            </a:solidFill>
+          </a:ln>
+        </p:spPr>
+        <p:style>
+          <a:lnRef idx="1">
+            <a:schemeClr val="accent1"/>
+          </a:lnRef>
+          <a:fillRef idx="0">
+            <a:schemeClr val="accent1"/>
+          </a:fillRef>
+          <a:effectRef idx="0">
+            <a:schemeClr val="accent1"/>
+          </a:effectRef>
+          <a:fontRef idx="minor">
+            <a:schemeClr val="tx1"/>
+          </a:fontRef>
+        </p:style>
+      </p:cxnSp>
+      <p:cxnSp>
+        <p:nvCxnSpPr>
+          <p:cNvPr id="128" name="直線コネクタ 127"/>
+          <p:cNvCxnSpPr/>
+          <p:nvPr/>
+        </p:nvCxnSpPr>
+        <p:spPr>
+          <a:xfrm>
+            <a:off x="3241126" y="3422351"/>
+            <a:ext cx="1429137" cy="0"/>
+          </a:xfrm>
+          <a:prstGeom prst="line">
+            <a:avLst/>
+          </a:prstGeom>
+          <a:ln w="57150">
+            <a:solidFill>
+              <a:schemeClr val="tx1">
+                <a:lumMod val="50000"/>
+                <a:lumOff val="50000"/>
+              </a:schemeClr>
+            </a:solidFill>
+          </a:ln>
+        </p:spPr>
+        <p:style>
+          <a:lnRef idx="1">
+            <a:schemeClr val="accent1"/>
+          </a:lnRef>
+          <a:fillRef idx="0">
+            <a:schemeClr val="accent1"/>
+          </a:fillRef>
+          <a:effectRef idx="0">
+            <a:schemeClr val="accent1"/>
+          </a:effectRef>
+          <a:fontRef idx="minor">
+            <a:schemeClr val="tx1"/>
+          </a:fontRef>
+        </p:style>
+      </p:cxnSp>
+      <p:cxnSp>
+        <p:nvCxnSpPr>
+          <p:cNvPr id="132" name="直線コネクタ 131"/>
+          <p:cNvCxnSpPr/>
+          <p:nvPr/>
+        </p:nvCxnSpPr>
+        <p:spPr>
+          <a:xfrm flipV="1">
+            <a:off x="6316131" y="1480262"/>
+            <a:ext cx="0" cy="865451"/>
+          </a:xfrm>
+          <a:prstGeom prst="line">
+            <a:avLst/>
+          </a:prstGeom>
+          <a:ln w="57150">
+            <a:solidFill>
+              <a:schemeClr val="tx1">
+                <a:lumMod val="50000"/>
+                <a:lumOff val="50000"/>
+              </a:schemeClr>
+            </a:solidFill>
+          </a:ln>
+        </p:spPr>
+        <p:style>
+          <a:lnRef idx="1">
+            <a:schemeClr val="accent1"/>
+          </a:lnRef>
+          <a:fillRef idx="0">
+            <a:schemeClr val="accent1"/>
+          </a:fillRef>
+          <a:effectRef idx="0">
+            <a:schemeClr val="accent1"/>
+          </a:effectRef>
+          <a:fontRef idx="minor">
+            <a:schemeClr val="tx1"/>
+          </a:fontRef>
+        </p:style>
+      </p:cxnSp>
+      <p:cxnSp>
+        <p:nvCxnSpPr>
+          <p:cNvPr id="141" name="直線コネクタ 140"/>
+          <p:cNvCxnSpPr/>
+          <p:nvPr/>
+        </p:nvCxnSpPr>
+        <p:spPr>
+          <a:xfrm flipV="1">
+            <a:off x="6461917" y="1480261"/>
+            <a:ext cx="0" cy="1780669"/>
+          </a:xfrm>
+          <a:prstGeom prst="line">
+            <a:avLst/>
+          </a:prstGeom>
+          <a:ln w="57150" cmpd="thinThick">
+            <a:solidFill>
+              <a:schemeClr val="tx1">
+                <a:lumMod val="65000"/>
+                <a:lumOff val="35000"/>
+              </a:schemeClr>
+            </a:solidFill>
+          </a:ln>
+        </p:spPr>
+        <p:style>
+          <a:lnRef idx="1">
+            <a:schemeClr val="accent1"/>
+          </a:lnRef>
+          <a:fillRef idx="0">
+            <a:schemeClr val="accent1"/>
+          </a:fillRef>
+          <a:effectRef idx="0">
+            <a:schemeClr val="accent1"/>
+          </a:effectRef>
+          <a:fontRef idx="minor">
+            <a:schemeClr val="tx1"/>
+          </a:fontRef>
+        </p:style>
+      </p:cxnSp>
+      <p:cxnSp>
+        <p:nvCxnSpPr>
+          <p:cNvPr id="143" name="直線コネクタ 142"/>
+          <p:cNvCxnSpPr/>
+          <p:nvPr/>
+        </p:nvCxnSpPr>
+        <p:spPr>
+          <a:xfrm flipV="1">
+            <a:off x="6753489" y="1480261"/>
+            <a:ext cx="1" cy="1625069"/>
+          </a:xfrm>
+          <a:prstGeom prst="line">
+            <a:avLst/>
+          </a:prstGeom>
+          <a:ln w="57150" cmpd="thinThick">
+            <a:solidFill>
+              <a:schemeClr val="tx1">
+                <a:lumMod val="65000"/>
+                <a:lumOff val="35000"/>
+              </a:schemeClr>
+            </a:solidFill>
+          </a:ln>
+        </p:spPr>
+        <p:style>
+          <a:lnRef idx="1">
+            <a:schemeClr val="accent1"/>
+          </a:lnRef>
+          <a:fillRef idx="0">
+            <a:schemeClr val="accent1"/>
+          </a:fillRef>
+          <a:effectRef idx="0">
+            <a:schemeClr val="accent1"/>
+          </a:effectRef>
+          <a:fontRef idx="minor">
+            <a:schemeClr val="tx1"/>
+          </a:fontRef>
+        </p:style>
+      </p:cxnSp>
+      <p:cxnSp>
+        <p:nvCxnSpPr>
+          <p:cNvPr id="157" name="直線コネクタ 156"/>
+          <p:cNvCxnSpPr/>
+          <p:nvPr/>
+        </p:nvCxnSpPr>
+        <p:spPr>
+          <a:xfrm flipV="1">
+            <a:off x="3241126" y="3212676"/>
+            <a:ext cx="0" cy="209675"/>
+          </a:xfrm>
+          <a:prstGeom prst="line">
+            <a:avLst/>
+          </a:prstGeom>
+          <a:ln w="57150">
+            <a:solidFill>
+              <a:schemeClr val="tx1">
+                <a:lumMod val="50000"/>
+                <a:lumOff val="50000"/>
+              </a:schemeClr>
+            </a:solidFill>
+          </a:ln>
+        </p:spPr>
+        <p:style>
+          <a:lnRef idx="1">
+            <a:schemeClr val="accent1"/>
+          </a:lnRef>
+          <a:fillRef idx="0">
+            <a:schemeClr val="accent1"/>
+          </a:fillRef>
+          <a:effectRef idx="0">
+            <a:schemeClr val="accent1"/>
+          </a:effectRef>
+          <a:fontRef idx="minor">
+            <a:schemeClr val="tx1"/>
+          </a:fontRef>
+        </p:style>
+      </p:cxnSp>
+      <p:cxnSp>
+        <p:nvCxnSpPr>
+          <p:cNvPr id="158" name="直線コネクタ 157"/>
+          <p:cNvCxnSpPr/>
+          <p:nvPr/>
+        </p:nvCxnSpPr>
+        <p:spPr>
+          <a:xfrm flipV="1">
+            <a:off x="3132293" y="3212676"/>
+            <a:ext cx="0" cy="627355"/>
+          </a:xfrm>
+          <a:prstGeom prst="line">
+            <a:avLst/>
+          </a:prstGeom>
+          <a:ln w="57150">
+            <a:solidFill>
+              <a:schemeClr val="tx1">
+                <a:lumMod val="50000"/>
+                <a:lumOff val="50000"/>
+              </a:schemeClr>
+            </a:solidFill>
+          </a:ln>
+        </p:spPr>
+        <p:style>
+          <a:lnRef idx="1">
+            <a:schemeClr val="accent1"/>
+          </a:lnRef>
+          <a:fillRef idx="0">
+            <a:schemeClr val="accent1"/>
+          </a:fillRef>
+          <a:effectRef idx="0">
+            <a:schemeClr val="accent1"/>
+          </a:effectRef>
+          <a:fontRef idx="minor">
+            <a:schemeClr val="tx1"/>
+          </a:fontRef>
+        </p:style>
+      </p:cxnSp>
+      <p:cxnSp>
+        <p:nvCxnSpPr>
+          <p:cNvPr id="166" name="直線コネクタ 165"/>
+          <p:cNvCxnSpPr/>
+          <p:nvPr/>
+        </p:nvCxnSpPr>
+        <p:spPr>
+          <a:xfrm flipV="1">
+            <a:off x="4757671" y="2146061"/>
+            <a:ext cx="0" cy="199653"/>
+          </a:xfrm>
+          <a:prstGeom prst="line">
+            <a:avLst/>
+          </a:prstGeom>
+          <a:ln w="57150">
+            <a:solidFill>
+              <a:schemeClr val="tx1">
+                <a:lumMod val="50000"/>
+                <a:lumOff val="50000"/>
+              </a:schemeClr>
+            </a:solidFill>
+          </a:ln>
+        </p:spPr>
+        <p:style>
+          <a:lnRef idx="1">
+            <a:schemeClr val="accent1"/>
+          </a:lnRef>
+          <a:fillRef idx="0">
+            <a:schemeClr val="accent1"/>
+          </a:fillRef>
+          <a:effectRef idx="0">
+            <a:schemeClr val="accent1"/>
+          </a:effectRef>
+          <a:fontRef idx="minor">
+            <a:schemeClr val="tx1"/>
+          </a:fontRef>
+        </p:style>
+      </p:cxnSp>
+      <p:cxnSp>
+        <p:nvCxnSpPr>
+          <p:cNvPr id="167" name="直線コネクタ 166"/>
+          <p:cNvCxnSpPr/>
+          <p:nvPr/>
+        </p:nvCxnSpPr>
+        <p:spPr>
+          <a:xfrm flipV="1">
+            <a:off x="4662985" y="2146062"/>
+            <a:ext cx="0" cy="1276289"/>
+          </a:xfrm>
+          <a:prstGeom prst="line">
+            <a:avLst/>
+          </a:prstGeom>
+          <a:ln w="57150">
+            <a:solidFill>
+              <a:schemeClr val="tx1">
+                <a:lumMod val="50000"/>
+                <a:lumOff val="50000"/>
+              </a:schemeClr>
+            </a:solidFill>
+          </a:ln>
+        </p:spPr>
+        <p:style>
+          <a:lnRef idx="1">
+            <a:schemeClr val="accent1"/>
+          </a:lnRef>
+          <a:fillRef idx="0">
+            <a:schemeClr val="accent1"/>
+          </a:fillRef>
+          <a:effectRef idx="0">
+            <a:schemeClr val="accent1"/>
+          </a:effectRef>
+          <a:fontRef idx="minor">
+            <a:schemeClr val="tx1"/>
+          </a:fontRef>
+        </p:style>
+      </p:cxnSp>
+      <p:cxnSp>
+        <p:nvCxnSpPr>
+          <p:cNvPr id="168" name="直線コネクタ 167"/>
+          <p:cNvCxnSpPr/>
+          <p:nvPr/>
+        </p:nvCxnSpPr>
+        <p:spPr>
+          <a:xfrm flipV="1">
+            <a:off x="4902425" y="2146061"/>
+            <a:ext cx="0" cy="3399172"/>
+          </a:xfrm>
+          <a:prstGeom prst="line">
+            <a:avLst/>
+          </a:prstGeom>
+          <a:ln w="57150">
+            <a:solidFill>
+              <a:schemeClr val="tx1"/>
+            </a:solidFill>
+          </a:ln>
+        </p:spPr>
+        <p:style>
+          <a:lnRef idx="1">
+            <a:schemeClr val="accent1"/>
+          </a:lnRef>
+          <a:fillRef idx="0">
+            <a:schemeClr val="accent1"/>
+          </a:fillRef>
+          <a:effectRef idx="0">
+            <a:schemeClr val="accent1"/>
+          </a:effectRef>
+          <a:fontRef idx="minor">
+            <a:schemeClr val="tx1"/>
+          </a:fontRef>
+        </p:style>
+      </p:cxnSp>
+      <p:cxnSp>
+        <p:nvCxnSpPr>
+          <p:cNvPr id="170" name="直線コネクタ 169"/>
+          <p:cNvCxnSpPr/>
+          <p:nvPr/>
+        </p:nvCxnSpPr>
+        <p:spPr>
+          <a:xfrm flipH="1">
+            <a:off x="4761471" y="2345713"/>
+            <a:ext cx="1554660" cy="0"/>
+          </a:xfrm>
+          <a:prstGeom prst="line">
+            <a:avLst/>
+          </a:prstGeom>
+          <a:ln w="57150">
+            <a:solidFill>
+              <a:schemeClr val="tx1">
+                <a:lumMod val="50000"/>
+                <a:lumOff val="50000"/>
+              </a:schemeClr>
+            </a:solidFill>
+          </a:ln>
+        </p:spPr>
+        <p:style>
+          <a:lnRef idx="1">
+            <a:schemeClr val="accent1"/>
+          </a:lnRef>
+          <a:fillRef idx="0">
+            <a:schemeClr val="accent1"/>
+          </a:fillRef>
+          <a:effectRef idx="0">
+            <a:schemeClr val="accent1"/>
+          </a:effectRef>
+          <a:fontRef idx="minor">
+            <a:schemeClr val="tx1"/>
+          </a:fontRef>
+        </p:style>
+      </p:cxnSp>
+      <p:grpSp>
+        <p:nvGrpSpPr>
+          <p:cNvPr id="89" name="グループ化 88"/>
+          <p:cNvGrpSpPr/>
+          <p:nvPr/>
+        </p:nvGrpSpPr>
+        <p:grpSpPr>
+          <a:xfrm>
+            <a:off x="2917164" y="2287394"/>
+            <a:ext cx="707245" cy="925281"/>
+            <a:chOff x="4073596" y="2519089"/>
+            <a:chExt cx="707245" cy="925281"/>
+          </a:xfrm>
+        </p:grpSpPr>
+        <p:grpSp>
+          <p:nvGrpSpPr>
+            <p:cNvPr id="16" name="グループ化 15"/>
+            <p:cNvGrpSpPr/>
+            <p:nvPr/>
+          </p:nvGrpSpPr>
+          <p:grpSpPr>
+            <a:xfrm>
+              <a:off x="4219683" y="2882083"/>
+              <a:ext cx="397945" cy="562287"/>
+              <a:chOff x="4144682" y="3615266"/>
+              <a:chExt cx="397945" cy="562287"/>
+            </a:xfrm>
+          </p:grpSpPr>
+          <p:sp>
+            <p:nvSpPr>
+              <p:cNvPr id="17" name="正方形/長方形 16"/>
+              <p:cNvSpPr/>
+              <p:nvPr/>
+            </p:nvSpPr>
+            <p:spPr>
+              <a:xfrm>
+                <a:off x="4144683" y="3872753"/>
+                <a:ext cx="397944" cy="304800"/>
+              </a:xfrm>
+              <a:prstGeom prst="rect">
+                <a:avLst/>
+              </a:prstGeom>
+              <a:pattFill prst="pct90">
+                <a:fgClr>
+                  <a:schemeClr val="bg1">
+                    <a:lumMod val="50000"/>
+                  </a:schemeClr>
+                </a:fgClr>
+                <a:bgClr>
+                  <a:schemeClr val="bg1"/>
+                </a:bgClr>
+              </a:pattFill>
+              <a:ln>
+                <a:solidFill>
+                  <a:schemeClr val="tx1"/>
+                </a:solidFill>
+              </a:ln>
+            </p:spPr>
+            <p:style>
+              <a:lnRef idx="2">
+                <a:schemeClr val="accent1">
+                  <a:shade val="50000"/>
+                </a:schemeClr>
+              </a:lnRef>
+              <a:fillRef idx="1">
+                <a:schemeClr val="accent1"/>
+              </a:fillRef>
+              <a:effectRef idx="0">
+                <a:schemeClr val="accent1"/>
+              </a:effectRef>
+              <a:fontRef idx="minor">
+                <a:schemeClr val="lt1"/>
+              </a:fontRef>
+            </p:style>
+            <p:txBody>
+              <a:bodyPr rtlCol="0" anchor="ctr"/>
+              <a:lstStyle/>
+              <a:p>
+                <a:pPr algn="ctr"/>
+                <a:endParaRPr lang="en-US"/>
+              </a:p>
+            </p:txBody>
+          </p:sp>
+          <p:sp>
+            <p:nvSpPr>
+              <p:cNvPr id="18" name="台形 17"/>
+              <p:cNvSpPr/>
+              <p:nvPr/>
+            </p:nvSpPr>
+            <p:spPr>
+              <a:xfrm>
+                <a:off x="4153109" y="3690370"/>
+                <a:ext cx="358886" cy="183982"/>
+              </a:xfrm>
+              <a:prstGeom prst="trapezoid">
+                <a:avLst>
+                  <a:gd name="adj" fmla="val 29602"/>
+                </a:avLst>
+              </a:prstGeom>
+              <a:solidFill>
+                <a:schemeClr val="tx1"/>
+              </a:solidFill>
+              <a:ln>
+                <a:solidFill>
+                  <a:schemeClr val="tx1"/>
+                </a:solidFill>
+              </a:ln>
+            </p:spPr>
+            <p:style>
+              <a:lnRef idx="2">
+                <a:schemeClr val="accent1">
+                  <a:shade val="50000"/>
+                </a:schemeClr>
+              </a:lnRef>
+              <a:fillRef idx="1">
+                <a:schemeClr val="accent1"/>
+              </a:fillRef>
+              <a:effectRef idx="0">
+                <a:schemeClr val="accent1"/>
+              </a:effectRef>
+              <a:fontRef idx="minor">
+                <a:schemeClr val="lt1"/>
+              </a:fontRef>
+            </p:style>
+            <p:txBody>
+              <a:bodyPr rtlCol="0" anchor="ctr"/>
+              <a:lstStyle/>
+              <a:p>
+                <a:pPr algn="ctr"/>
+                <a:endParaRPr lang="en-US"/>
+              </a:p>
+            </p:txBody>
+          </p:sp>
+          <p:sp>
+            <p:nvSpPr>
+              <p:cNvPr id="19" name="正方形/長方形 18"/>
+              <p:cNvSpPr/>
+              <p:nvPr/>
+            </p:nvSpPr>
+            <p:spPr>
+              <a:xfrm>
+                <a:off x="4144683" y="3615266"/>
+                <a:ext cx="397944" cy="75503"/>
+              </a:xfrm>
+              <a:prstGeom prst="rect">
+                <a:avLst/>
+              </a:prstGeom>
+              <a:pattFill prst="pct90">
+                <a:fgClr>
+                  <a:schemeClr val="bg1">
+                    <a:lumMod val="50000"/>
+                  </a:schemeClr>
+                </a:fgClr>
+                <a:bgClr>
+                  <a:schemeClr val="bg1"/>
+                </a:bgClr>
+              </a:pattFill>
+              <a:ln>
+                <a:solidFill>
+                  <a:schemeClr val="tx1"/>
+                </a:solidFill>
+              </a:ln>
+            </p:spPr>
+            <p:style>
+              <a:lnRef idx="2">
+                <a:schemeClr val="accent1">
+                  <a:shade val="50000"/>
+                </a:schemeClr>
+              </a:lnRef>
+              <a:fillRef idx="1">
+                <a:schemeClr val="accent1"/>
+              </a:fillRef>
+              <a:effectRef idx="0">
+                <a:schemeClr val="accent1"/>
+              </a:effectRef>
+              <a:fontRef idx="minor">
+                <a:schemeClr val="lt1"/>
+              </a:fontRef>
+            </p:style>
+            <p:txBody>
+              <a:bodyPr rtlCol="0" anchor="ctr"/>
+              <a:lstStyle/>
+              <a:p>
+                <a:pPr algn="ctr"/>
+                <a:endParaRPr lang="en-US"/>
+              </a:p>
+            </p:txBody>
+          </p:sp>
+          <p:sp>
+            <p:nvSpPr>
+              <p:cNvPr id="20" name="正方形/長方形 19"/>
+              <p:cNvSpPr/>
+              <p:nvPr/>
+            </p:nvSpPr>
+            <p:spPr>
+              <a:xfrm>
+                <a:off x="4144682" y="3615266"/>
+                <a:ext cx="123255" cy="257487"/>
+              </a:xfrm>
+              <a:prstGeom prst="rect">
+                <a:avLst/>
+              </a:prstGeom>
+              <a:pattFill prst="pct90">
+                <a:fgClr>
+                  <a:schemeClr val="bg1">
+                    <a:lumMod val="50000"/>
+                  </a:schemeClr>
+                </a:fgClr>
+                <a:bgClr>
+                  <a:schemeClr val="bg1"/>
+                </a:bgClr>
+              </a:pattFill>
+              <a:ln>
+                <a:solidFill>
+                  <a:schemeClr val="tx1"/>
+                </a:solidFill>
+              </a:ln>
+            </p:spPr>
+            <p:style>
+              <a:lnRef idx="2">
+                <a:schemeClr val="accent1">
+                  <a:shade val="50000"/>
+                </a:schemeClr>
+              </a:lnRef>
+              <a:fillRef idx="1">
+                <a:schemeClr val="accent1"/>
+              </a:fillRef>
+              <a:effectRef idx="0">
+                <a:schemeClr val="accent1"/>
+              </a:effectRef>
+              <a:fontRef idx="minor">
+                <a:schemeClr val="lt1"/>
+              </a:fontRef>
+            </p:style>
+            <p:txBody>
+              <a:bodyPr rtlCol="0" anchor="ctr"/>
+              <a:lstStyle/>
+              <a:p>
+                <a:pPr algn="ctr"/>
+                <a:endParaRPr lang="en-US"/>
+              </a:p>
+            </p:txBody>
+          </p:sp>
+        </p:grpSp>
+        <p:sp>
+          <p:nvSpPr>
+            <p:cNvPr id="78" name="テキスト ボックス 77"/>
+            <p:cNvSpPr txBox="1"/>
+            <p:nvPr/>
+          </p:nvSpPr>
+          <p:spPr>
+            <a:xfrm>
+              <a:off x="4073596" y="2519089"/>
+              <a:ext cx="707245" cy="276999"/>
+            </a:xfrm>
+            <a:prstGeom prst="rect">
+              <a:avLst/>
+            </a:prstGeom>
+            <a:noFill/>
+          </p:spPr>
+          <p:txBody>
+            <a:bodyPr wrap="none" rtlCol="0">
+              <a:spAutoFit/>
+            </a:bodyPr>
+            <a:lstStyle/>
+            <a:p>
+              <a:pPr algn="ctr"/>
+              <a:r>
+                <a:rPr lang="en-US" sz="1200" dirty="0" smtClean="0">
+                  <a:latin typeface="Times New Roman" panose="02020603050405020304" pitchFamily="18" charset="0"/>
+                  <a:cs typeface="Times New Roman" panose="02020603050405020304" pitchFamily="18" charset="0"/>
+                </a:rPr>
+                <a:t>2DLidar</a:t>
+              </a:r>
+              <a:endParaRPr lang="en-US" sz="1200" dirty="0">
+                <a:latin typeface="Times New Roman" panose="02020603050405020304" pitchFamily="18" charset="0"/>
+                <a:cs typeface="Times New Roman" panose="02020603050405020304" pitchFamily="18" charset="0"/>
+              </a:endParaRPr>
+            </a:p>
+          </p:txBody>
+        </p:sp>
+      </p:grpSp>
+      <p:cxnSp>
+        <p:nvCxnSpPr>
+          <p:cNvPr id="185" name="直線コネクタ 184"/>
+          <p:cNvCxnSpPr/>
+          <p:nvPr/>
+        </p:nvCxnSpPr>
+        <p:spPr>
+          <a:xfrm>
+            <a:off x="6753489" y="3105330"/>
+            <a:ext cx="529353" cy="0"/>
+          </a:xfrm>
+          <a:prstGeom prst="line">
+            <a:avLst/>
+          </a:prstGeom>
+          <a:ln w="57150" cmpd="thinThick">
+            <a:solidFill>
+              <a:schemeClr val="tx1">
+                <a:lumMod val="65000"/>
+                <a:lumOff val="35000"/>
+              </a:schemeClr>
+            </a:solidFill>
+          </a:ln>
+        </p:spPr>
+        <p:style>
+          <a:lnRef idx="1">
+            <a:schemeClr val="accent1"/>
+          </a:lnRef>
+          <a:fillRef idx="0">
+            <a:schemeClr val="accent1"/>
+          </a:fillRef>
+          <a:effectRef idx="0">
+            <a:schemeClr val="accent1"/>
+          </a:effectRef>
+          <a:fontRef idx="minor">
+            <a:schemeClr val="tx1"/>
+          </a:fontRef>
+        </p:style>
+      </p:cxnSp>
+      <p:cxnSp>
+        <p:nvCxnSpPr>
+          <p:cNvPr id="192" name="直線コネクタ 191"/>
+          <p:cNvCxnSpPr/>
+          <p:nvPr/>
+        </p:nvCxnSpPr>
+        <p:spPr>
+          <a:xfrm>
+            <a:off x="6461917" y="3260930"/>
+            <a:ext cx="927796" cy="1"/>
+          </a:xfrm>
+          <a:prstGeom prst="line">
+            <a:avLst/>
+          </a:prstGeom>
+          <a:ln w="57150" cmpd="thinThick">
+            <a:solidFill>
+              <a:schemeClr val="tx1">
+                <a:lumMod val="65000"/>
+                <a:lumOff val="35000"/>
+              </a:schemeClr>
+            </a:solidFill>
+          </a:ln>
+        </p:spPr>
+        <p:style>
+          <a:lnRef idx="1">
+            <a:schemeClr val="accent1"/>
+          </a:lnRef>
+          <a:fillRef idx="0">
+            <a:schemeClr val="accent1"/>
+          </a:fillRef>
+          <a:effectRef idx="0">
+            <a:schemeClr val="accent1"/>
+          </a:effectRef>
+          <a:fontRef idx="minor">
+            <a:schemeClr val="tx1"/>
+          </a:fontRef>
+        </p:style>
+      </p:cxnSp>
+      <p:cxnSp>
+        <p:nvCxnSpPr>
+          <p:cNvPr id="142" name="直線コネクタ 141"/>
+          <p:cNvCxnSpPr/>
+          <p:nvPr/>
+        </p:nvCxnSpPr>
+        <p:spPr>
+          <a:xfrm flipV="1">
+            <a:off x="6607703" y="1480261"/>
+            <a:ext cx="0" cy="2359770"/>
+          </a:xfrm>
+          <a:prstGeom prst="line">
+            <a:avLst/>
+          </a:prstGeom>
+          <a:ln w="57150">
+            <a:solidFill>
+              <a:schemeClr val="tx1">
+                <a:lumMod val="50000"/>
+                <a:lumOff val="50000"/>
+              </a:schemeClr>
+            </a:solidFill>
+          </a:ln>
+        </p:spPr>
+        <p:style>
+          <a:lnRef idx="1">
+            <a:schemeClr val="accent1"/>
+          </a:lnRef>
+          <a:fillRef idx="0">
+            <a:schemeClr val="accent1"/>
+          </a:fillRef>
+          <a:effectRef idx="0">
+            <a:schemeClr val="accent1"/>
+          </a:effectRef>
+          <a:fontRef idx="minor">
+            <a:schemeClr val="tx1"/>
+          </a:fontRef>
+        </p:style>
+      </p:cxnSp>
+      <p:cxnSp>
+        <p:nvCxnSpPr>
+          <p:cNvPr id="208" name="直線コネクタ 207"/>
+          <p:cNvCxnSpPr/>
+          <p:nvPr/>
+        </p:nvCxnSpPr>
+        <p:spPr>
+          <a:xfrm flipH="1">
+            <a:off x="3388457" y="5666559"/>
+            <a:ext cx="4481738" cy="0"/>
+          </a:xfrm>
+          <a:prstGeom prst="line">
+            <a:avLst/>
+          </a:prstGeom>
+          <a:ln w="57150">
+            <a:solidFill>
+              <a:schemeClr val="tx1"/>
+            </a:solidFill>
+          </a:ln>
+        </p:spPr>
+        <p:style>
+          <a:lnRef idx="1">
+            <a:schemeClr val="accent1"/>
+          </a:lnRef>
+          <a:fillRef idx="0">
+            <a:schemeClr val="accent1"/>
+          </a:fillRef>
+          <a:effectRef idx="0">
+            <a:schemeClr val="accent1"/>
+          </a:effectRef>
+          <a:fontRef idx="minor">
+            <a:schemeClr val="tx1"/>
+          </a:fontRef>
+        </p:style>
+      </p:cxnSp>
+      <p:cxnSp>
+        <p:nvCxnSpPr>
+          <p:cNvPr id="209" name="直線コネクタ 208"/>
+          <p:cNvCxnSpPr/>
+          <p:nvPr/>
+        </p:nvCxnSpPr>
+        <p:spPr>
+          <a:xfrm flipH="1">
+            <a:off x="4902428" y="5545234"/>
+            <a:ext cx="2636576" cy="0"/>
+          </a:xfrm>
+          <a:prstGeom prst="line">
+            <a:avLst/>
+          </a:prstGeom>
+          <a:ln w="57150">
+            <a:solidFill>
+              <a:schemeClr val="tx1"/>
+            </a:solidFill>
+          </a:ln>
+        </p:spPr>
+        <p:style>
+          <a:lnRef idx="1">
+            <a:schemeClr val="accent1"/>
+          </a:lnRef>
+          <a:fillRef idx="0">
+            <a:schemeClr val="accent1"/>
+          </a:fillRef>
+          <a:effectRef idx="0">
+            <a:schemeClr val="accent1"/>
+          </a:effectRef>
+          <a:fontRef idx="minor">
+            <a:schemeClr val="tx1"/>
+          </a:fontRef>
+        </p:style>
+      </p:cxnSp>
+      <p:grpSp>
+        <p:nvGrpSpPr>
+          <p:cNvPr id="91" name="グループ化 90"/>
+          <p:cNvGrpSpPr/>
+          <p:nvPr/>
+        </p:nvGrpSpPr>
+        <p:grpSpPr>
+          <a:xfrm>
+            <a:off x="5855636" y="4370346"/>
+            <a:ext cx="1479038" cy="1471960"/>
+            <a:chOff x="9836700" y="3785091"/>
+            <a:chExt cx="1479038" cy="1471960"/>
+          </a:xfrm>
+        </p:grpSpPr>
+        <p:sp>
+          <p:nvSpPr>
+            <p:cNvPr id="66" name="台形 65"/>
+            <p:cNvSpPr/>
+            <p:nvPr/>
+          </p:nvSpPr>
+          <p:spPr>
+            <a:xfrm>
+              <a:off x="9836700" y="4817780"/>
+              <a:ext cx="1479038" cy="439271"/>
+            </a:xfrm>
+            <a:prstGeom prst="trapezoid">
+              <a:avLst>
+                <a:gd name="adj" fmla="val 27168"/>
+              </a:avLst>
+            </a:prstGeom>
+            <a:pattFill prst="pct50">
+              <a:fgClr>
+                <a:schemeClr val="tx1">
+                  <a:lumMod val="65000"/>
+                  <a:lumOff val="35000"/>
+                </a:schemeClr>
+              </a:fgClr>
+              <a:bgClr>
+                <a:schemeClr val="bg1"/>
+              </a:bgClr>
+            </a:pattFill>
+            <a:ln>
+              <a:solidFill>
+                <a:schemeClr val="tx1"/>
+              </a:solidFill>
+            </a:ln>
+          </p:spPr>
+          <p:style>
+            <a:lnRef idx="2">
+              <a:schemeClr val="accent1">
+                <a:shade val="50000"/>
+              </a:schemeClr>
+            </a:lnRef>
+            <a:fillRef idx="1">
+              <a:schemeClr val="accent1"/>
+            </a:fillRef>
+            <a:effectRef idx="0">
+              <a:schemeClr val="accent1"/>
+            </a:effectRef>
+            <a:fontRef idx="minor">
+              <a:schemeClr val="lt1"/>
+            </a:fontRef>
+          </p:style>
+          <p:txBody>
+            <a:bodyPr rtlCol="0" anchor="ctr"/>
+            <a:lstStyle/>
+            <a:p>
+              <a:pPr algn="ctr"/>
+              <a:endParaRPr lang="en-US"/>
+            </a:p>
+          </p:txBody>
+        </p:sp>
+        <p:sp>
+          <p:nvSpPr>
+            <p:cNvPr id="67" name="正方形/長方形 66"/>
+            <p:cNvSpPr/>
+            <p:nvPr/>
+          </p:nvSpPr>
+          <p:spPr>
+            <a:xfrm>
+              <a:off x="9959028" y="4136385"/>
+              <a:ext cx="1237129" cy="681395"/>
+            </a:xfrm>
+            <a:prstGeom prst="rect">
+              <a:avLst/>
+            </a:prstGeom>
+            <a:solidFill>
+              <a:schemeClr val="tx1">
+                <a:lumMod val="65000"/>
+                <a:lumOff val="35000"/>
+              </a:schemeClr>
+            </a:solidFill>
+            <a:ln>
+              <a:solidFill>
+                <a:schemeClr val="tx1"/>
+              </a:solidFill>
+            </a:ln>
+          </p:spPr>
+          <p:style>
+            <a:lnRef idx="2">
+              <a:schemeClr val="accent1">
+                <a:shade val="50000"/>
+              </a:schemeClr>
+            </a:lnRef>
+            <a:fillRef idx="1">
+              <a:schemeClr val="accent1"/>
+            </a:fillRef>
+            <a:effectRef idx="0">
+              <a:schemeClr val="accent1"/>
+            </a:effectRef>
+            <a:fontRef idx="minor">
+              <a:schemeClr val="lt1"/>
+            </a:fontRef>
+          </p:style>
+          <p:txBody>
+            <a:bodyPr rtlCol="0" anchor="ctr"/>
+            <a:lstStyle/>
+            <a:p>
+              <a:pPr algn="ctr"/>
+              <a:endParaRPr lang="en-US"/>
+            </a:p>
+          </p:txBody>
+        </p:sp>
+        <p:sp>
+          <p:nvSpPr>
+            <p:cNvPr id="73" name="テキスト ボックス 72"/>
+            <p:cNvSpPr txBox="1"/>
+            <p:nvPr/>
+          </p:nvSpPr>
+          <p:spPr>
+            <a:xfrm>
+              <a:off x="10186458" y="3785091"/>
+              <a:ext cx="801823" cy="276999"/>
+            </a:xfrm>
+            <a:prstGeom prst="rect">
+              <a:avLst/>
+            </a:prstGeom>
+            <a:noFill/>
+          </p:spPr>
+          <p:txBody>
+            <a:bodyPr wrap="none" rtlCol="0">
+              <a:spAutoFit/>
+            </a:bodyPr>
+            <a:lstStyle/>
+            <a:p>
+              <a:pPr algn="ctr"/>
+              <a:r>
+                <a:rPr lang="en-US" sz="1200" dirty="0">
+                  <a:latin typeface="Times New Roman" panose="02020603050405020304" pitchFamily="18" charset="0"/>
+                  <a:cs typeface="Times New Roman" panose="02020603050405020304" pitchFamily="18" charset="0"/>
+                </a:rPr>
+                <a:t>C</a:t>
+              </a:r>
+              <a:r>
+                <a:rPr lang="en-US" sz="1200" dirty="0" smtClean="0">
+                  <a:latin typeface="Times New Roman" panose="02020603050405020304" pitchFamily="18" charset="0"/>
+                  <a:cs typeface="Times New Roman" panose="02020603050405020304" pitchFamily="18" charset="0"/>
+                </a:rPr>
+                <a:t>omputer</a:t>
+              </a:r>
+              <a:endParaRPr lang="en-US" sz="1200" dirty="0">
+                <a:latin typeface="Times New Roman" panose="02020603050405020304" pitchFamily="18" charset="0"/>
+                <a:cs typeface="Times New Roman" panose="02020603050405020304" pitchFamily="18" charset="0"/>
+              </a:endParaRPr>
+            </a:p>
+          </p:txBody>
+        </p:sp>
+      </p:grpSp>
+      <p:sp>
+        <p:nvSpPr>
+          <p:cNvPr id="219" name="楕円 218"/>
+          <p:cNvSpPr/>
+          <p:nvPr/>
+        </p:nvSpPr>
+        <p:spPr>
+          <a:xfrm>
+            <a:off x="3701706" y="3346152"/>
+            <a:ext cx="152400" cy="152400"/>
+          </a:xfrm>
+          <a:prstGeom prst="ellipse">
+            <a:avLst/>
+          </a:prstGeom>
+          <a:solidFill>
+            <a:schemeClr val="bg1">
+              <a:lumMod val="50000"/>
+            </a:schemeClr>
+          </a:solidFill>
+          <a:ln>
+            <a:noFill/>
+          </a:ln>
+        </p:spPr>
+        <p:style>
+          <a:lnRef idx="2">
+            <a:schemeClr val="accent1">
+              <a:shade val="50000"/>
+            </a:schemeClr>
+          </a:lnRef>
+          <a:fillRef idx="1">
+            <a:schemeClr val="accent1"/>
+          </a:fillRef>
+          <a:effectRef idx="0">
+            <a:schemeClr val="accent1"/>
+          </a:effectRef>
+          <a:fontRef idx="minor">
+            <a:schemeClr val="lt1"/>
+          </a:fontRef>
+        </p:style>
+        <p:txBody>
+          <a:bodyPr rtlCol="0" anchor="ctr"/>
+          <a:lstStyle/>
+          <a:p>
+            <a:pPr algn="ctr"/>
+            <a:endParaRPr lang="en-US"/>
+          </a:p>
+        </p:txBody>
+      </p:sp>
+      <p:sp>
+        <p:nvSpPr>
+          <p:cNvPr id="220" name="楕円 219"/>
+          <p:cNvSpPr/>
+          <p:nvPr/>
+        </p:nvSpPr>
+        <p:spPr>
+          <a:xfrm>
+            <a:off x="3056093" y="3761838"/>
+            <a:ext cx="152400" cy="152400"/>
+          </a:xfrm>
+          <a:prstGeom prst="ellipse">
+            <a:avLst/>
+          </a:prstGeom>
+          <a:solidFill>
+            <a:schemeClr val="bg1">
+              <a:lumMod val="50000"/>
+            </a:schemeClr>
+          </a:solidFill>
+          <a:ln>
+            <a:noFill/>
+          </a:ln>
+        </p:spPr>
+        <p:style>
+          <a:lnRef idx="2">
+            <a:schemeClr val="accent1">
+              <a:shade val="50000"/>
+            </a:schemeClr>
+          </a:lnRef>
+          <a:fillRef idx="1">
+            <a:schemeClr val="accent1"/>
+          </a:fillRef>
+          <a:effectRef idx="0">
+            <a:schemeClr val="accent1"/>
+          </a:effectRef>
+          <a:fontRef idx="minor">
+            <a:schemeClr val="lt1"/>
+          </a:fontRef>
+        </p:style>
+        <p:txBody>
+          <a:bodyPr rtlCol="0" anchor="ctr"/>
+          <a:lstStyle/>
+          <a:p>
+            <a:pPr algn="ctr"/>
+            <a:endParaRPr lang="en-US"/>
+          </a:p>
+        </p:txBody>
+      </p:sp>
+      <p:grpSp>
+        <p:nvGrpSpPr>
+          <p:cNvPr id="227" name="グループ化 226"/>
+          <p:cNvGrpSpPr/>
+          <p:nvPr/>
+        </p:nvGrpSpPr>
+        <p:grpSpPr>
+          <a:xfrm>
+            <a:off x="6528663" y="6021100"/>
+            <a:ext cx="2211264" cy="746429"/>
+            <a:chOff x="1806585" y="6064156"/>
+            <a:chExt cx="2211264" cy="746429"/>
+          </a:xfrm>
+        </p:grpSpPr>
+        <p:cxnSp>
+          <p:nvCxnSpPr>
+            <p:cNvPr id="221" name="直線コネクタ 220"/>
+            <p:cNvCxnSpPr/>
+            <p:nvPr/>
+          </p:nvCxnSpPr>
+          <p:spPr>
+            <a:xfrm flipH="1">
+              <a:off x="1815799" y="6207141"/>
+              <a:ext cx="640080" cy="0"/>
+            </a:xfrm>
+            <a:prstGeom prst="line">
+              <a:avLst/>
+            </a:prstGeom>
+            <a:ln w="57150">
+              <a:solidFill>
+                <a:schemeClr val="tx1">
+                  <a:lumMod val="50000"/>
+                  <a:lumOff val="50000"/>
+                </a:schemeClr>
+              </a:solidFill>
+            </a:ln>
+          </p:spPr>
+          <p:style>
+            <a:lnRef idx="1">
+              <a:schemeClr val="accent1"/>
+            </a:lnRef>
+            <a:fillRef idx="0">
+              <a:schemeClr val="accent1"/>
+            </a:fillRef>
+            <a:effectRef idx="0">
+              <a:schemeClr val="accent1"/>
+            </a:effectRef>
+            <a:fontRef idx="minor">
+              <a:schemeClr val="tx1"/>
+            </a:fontRef>
+          </p:style>
+        </p:cxnSp>
+        <p:cxnSp>
+          <p:nvCxnSpPr>
+            <p:cNvPr id="222" name="直線コネクタ 221"/>
+            <p:cNvCxnSpPr/>
+            <p:nvPr/>
+          </p:nvCxnSpPr>
+          <p:spPr>
+            <a:xfrm>
+              <a:off x="1813643" y="6439920"/>
+              <a:ext cx="640080" cy="0"/>
+            </a:xfrm>
+            <a:prstGeom prst="line">
+              <a:avLst/>
+            </a:prstGeom>
+            <a:ln w="57150" cmpd="thinThick">
+              <a:solidFill>
+                <a:schemeClr val="tx1">
+                  <a:lumMod val="65000"/>
+                  <a:lumOff val="35000"/>
+                </a:schemeClr>
+              </a:solidFill>
+            </a:ln>
+          </p:spPr>
+          <p:style>
+            <a:lnRef idx="1">
+              <a:schemeClr val="accent1"/>
+            </a:lnRef>
+            <a:fillRef idx="0">
+              <a:schemeClr val="accent1"/>
+            </a:fillRef>
+            <a:effectRef idx="0">
+              <a:schemeClr val="accent1"/>
+            </a:effectRef>
+            <a:fontRef idx="minor">
+              <a:schemeClr val="tx1"/>
+            </a:fontRef>
+          </p:style>
+        </p:cxnSp>
+        <p:cxnSp>
+          <p:nvCxnSpPr>
+            <p:cNvPr id="223" name="直線コネクタ 222"/>
+            <p:cNvCxnSpPr/>
+            <p:nvPr/>
+          </p:nvCxnSpPr>
+          <p:spPr>
+            <a:xfrm flipH="1" flipV="1">
+              <a:off x="1806585" y="6672698"/>
+              <a:ext cx="640080" cy="1"/>
+            </a:xfrm>
+            <a:prstGeom prst="line">
+              <a:avLst/>
+            </a:prstGeom>
+            <a:ln w="57150">
+              <a:solidFill>
+                <a:schemeClr val="tx1"/>
+              </a:solidFill>
+            </a:ln>
+          </p:spPr>
+          <p:style>
+            <a:lnRef idx="1">
+              <a:schemeClr val="accent1"/>
+            </a:lnRef>
+            <a:fillRef idx="0">
+              <a:schemeClr val="accent1"/>
+            </a:fillRef>
+            <a:effectRef idx="0">
+              <a:schemeClr val="accent1"/>
+            </a:effectRef>
+            <a:fontRef idx="minor">
+              <a:schemeClr val="tx1"/>
+            </a:fontRef>
+          </p:style>
+        </p:cxnSp>
+        <p:sp>
+          <p:nvSpPr>
+            <p:cNvPr id="224" name="テキスト ボックス 223"/>
+            <p:cNvSpPr txBox="1"/>
+            <p:nvPr/>
+          </p:nvSpPr>
+          <p:spPr>
+            <a:xfrm>
+              <a:off x="2523722" y="6064156"/>
+              <a:ext cx="1494127" cy="276999"/>
+            </a:xfrm>
+            <a:prstGeom prst="rect">
+              <a:avLst/>
+            </a:prstGeom>
+            <a:noFill/>
+          </p:spPr>
+          <p:txBody>
+            <a:bodyPr wrap="none" rtlCol="0">
+              <a:spAutoFit/>
+            </a:bodyPr>
+            <a:lstStyle/>
+            <a:p>
+              <a:r>
+                <a:rPr lang="en-US" sz="1200" dirty="0" smtClean="0">
+                  <a:latin typeface="Times New Roman" panose="02020603050405020304" pitchFamily="18" charset="0"/>
+                  <a:cs typeface="Times New Roman" panose="02020603050405020304" pitchFamily="18" charset="0"/>
+                </a:rPr>
+                <a:t>Batteries’ supply line</a:t>
+              </a:r>
+              <a:endParaRPr lang="en-US" sz="1200" dirty="0">
+                <a:latin typeface="Times New Roman" panose="02020603050405020304" pitchFamily="18" charset="0"/>
+                <a:cs typeface="Times New Roman" panose="02020603050405020304" pitchFamily="18" charset="0"/>
+              </a:endParaRPr>
+            </a:p>
+          </p:txBody>
+        </p:sp>
+        <p:sp>
+          <p:nvSpPr>
+            <p:cNvPr id="225" name="テキスト ボックス 224"/>
+            <p:cNvSpPr txBox="1"/>
+            <p:nvPr/>
+          </p:nvSpPr>
+          <p:spPr>
+            <a:xfrm>
+              <a:off x="2523722" y="6296768"/>
+              <a:ext cx="1426994" cy="276999"/>
+            </a:xfrm>
+            <a:prstGeom prst="rect">
+              <a:avLst/>
+            </a:prstGeom>
+            <a:noFill/>
+          </p:spPr>
+          <p:txBody>
+            <a:bodyPr wrap="none" rtlCol="0">
+              <a:spAutoFit/>
+            </a:bodyPr>
+            <a:lstStyle/>
+            <a:p>
+              <a:r>
+                <a:rPr lang="en-US" sz="1200" dirty="0" smtClean="0">
+                  <a:latin typeface="Times New Roman" panose="02020603050405020304" pitchFamily="18" charset="0"/>
+                  <a:cs typeface="Times New Roman" panose="02020603050405020304" pitchFamily="18" charset="0"/>
+                </a:rPr>
+                <a:t>Roomba supply line</a:t>
+              </a:r>
+              <a:endParaRPr lang="en-US" sz="1200" dirty="0">
+                <a:latin typeface="Times New Roman" panose="02020603050405020304" pitchFamily="18" charset="0"/>
+                <a:cs typeface="Times New Roman" panose="02020603050405020304" pitchFamily="18" charset="0"/>
+              </a:endParaRPr>
+            </a:p>
+          </p:txBody>
+        </p:sp>
+        <p:sp>
+          <p:nvSpPr>
+            <p:cNvPr id="226" name="テキスト ボックス 225"/>
+            <p:cNvSpPr txBox="1"/>
+            <p:nvPr/>
+          </p:nvSpPr>
+          <p:spPr>
+            <a:xfrm>
+              <a:off x="2523722" y="6533586"/>
+              <a:ext cx="849913" cy="276999"/>
+            </a:xfrm>
+            <a:prstGeom prst="rect">
+              <a:avLst/>
+            </a:prstGeom>
+            <a:noFill/>
+          </p:spPr>
+          <p:txBody>
+            <a:bodyPr wrap="none" rtlCol="0">
+              <a:spAutoFit/>
+            </a:bodyPr>
+            <a:lstStyle/>
+            <a:p>
+              <a:r>
+                <a:rPr lang="en-US" sz="1200" dirty="0" smtClean="0">
+                  <a:latin typeface="Times New Roman" panose="02020603050405020304" pitchFamily="18" charset="0"/>
+                  <a:cs typeface="Times New Roman" panose="02020603050405020304" pitchFamily="18" charset="0"/>
+                </a:rPr>
+                <a:t>Signal line</a:t>
+              </a:r>
+              <a:endParaRPr lang="en-US" sz="1200" dirty="0">
+                <a:latin typeface="Times New Roman" panose="02020603050405020304" pitchFamily="18" charset="0"/>
+                <a:cs typeface="Times New Roman" panose="02020603050405020304" pitchFamily="18" charset="0"/>
+              </a:endParaRPr>
+            </a:p>
+          </p:txBody>
+        </p:sp>
+      </p:grpSp>
+    </p:spTree>
+    <p:extLst>
+      <p:ext uri="{BB962C8B-B14F-4D97-AF65-F5344CB8AC3E}">
+        <p14:creationId xmlns:p14="http://schemas.microsoft.com/office/powerpoint/2010/main" val="1837704083"/>
+      </p:ext>
+    </p:extLst>
+  </p:cSld>
+  <p:clrMapOvr>
+    <a:masterClrMapping/>
+  </p:clrMapOvr>
+</p:sld>
+</file>
+
 <file path=ppt/slides/slide4.xml><?xml version="1.0" encoding="utf-8"?>
 <p:sld xmlns:a="http://schemas.openxmlformats.org/drawingml/2006/main" xmlns:r="http://schemas.openxmlformats.org/officeDocument/2006/relationships" xmlns:p="http://schemas.openxmlformats.org/presentationml/2006/main">
   <p:cSld>
@@ -12872,9 +12872,9 @@
         <p:grpSpPr>
           <a:xfrm>
             <a:off x="2608891" y="120948"/>
-            <a:ext cx="6974219" cy="6616105"/>
+            <a:ext cx="7024713" cy="6616105"/>
             <a:chOff x="1765708" y="151424"/>
-            <a:chExt cx="6974219" cy="6616105"/>
+            <a:chExt cx="7024713" cy="6616105"/>
           </a:xfrm>
         </p:grpSpPr>
         <p:cxnSp>
@@ -13387,10 +13387,10 @@
           </p:nvGrpSpPr>
           <p:grpSpPr>
             <a:xfrm>
-              <a:off x="7659182" y="3551574"/>
-              <a:ext cx="1080745" cy="660174"/>
-              <a:chOff x="9363302" y="2832658"/>
-              <a:chExt cx="1080745" cy="660174"/>
+              <a:off x="7608686" y="3551574"/>
+              <a:ext cx="1181735" cy="660174"/>
+              <a:chOff x="9312806" y="2832658"/>
+              <a:chExt cx="1181735" cy="660174"/>
             </a:xfrm>
           </p:grpSpPr>
           <p:grpSp>
@@ -13520,8 +13520,8 @@
             </p:nvSpPr>
             <p:spPr>
               <a:xfrm>
-                <a:off x="9363302" y="2832658"/>
-                <a:ext cx="1080745" cy="276999"/>
+                <a:off x="9312806" y="2832658"/>
+                <a:ext cx="1181735" cy="276999"/>
               </a:xfrm>
               <a:prstGeom prst="rect">
                 <a:avLst/>
@@ -13540,7 +13540,14 @@
                     <a:latin typeface="Times New Roman" panose="02020603050405020304" pitchFamily="18" charset="0"/>
                     <a:cs typeface="Times New Roman" panose="02020603050405020304" pitchFamily="18" charset="0"/>
                   </a:rPr>
-                  <a:t>Depth Camera</a:t>
+                  <a:t>RGB-D </a:t>
+                </a:r>
+                <a:r>
+                  <a:rPr lang="en-US" sz="1200" dirty="0" smtClean="0">
+                    <a:latin typeface="Times New Roman" panose="02020603050405020304" pitchFamily="18" charset="0"/>
+                    <a:cs typeface="Times New Roman" panose="02020603050405020304" pitchFamily="18" charset="0"/>
+                  </a:rPr>
+                  <a:t>Camera</a:t>
                 </a:r>
                 <a:endParaRPr lang="en-US" sz="1200" dirty="0">
                   <a:latin typeface="Times New Roman" panose="02020603050405020304" pitchFamily="18" charset="0"/>
